--- a/res/Flowchart.pptx
+++ b/res/Flowchart.pptx
@@ -4,7 +4,15 @@
   <p:sldMasterIdLst>
     <p:sldMasterId id="2147483648" r:id="rId1"/>
   </p:sldMasterIdLst>
-  <p:sldSz cx="9144000" cy="6858000" type="screen4x3"/>
+  <p:notesMasterIdLst>
+    <p:notesMasterId r:id="rId5"/>
+  </p:notesMasterIdLst>
+  <p:sldIdLst>
+    <p:sldId id="256" r:id="rId2"/>
+    <p:sldId id="259" r:id="rId3"/>
+    <p:sldId id="258" r:id="rId4"/>
+  </p:sldIdLst>
+  <p:sldSz cx="16256000" cy="9144000"/>
   <p:notesSz cx="6858000" cy="9144000"/>
   <p:defaultTextStyle>
     <a:defPPr>
@@ -101,7 +109,551 @@
       </a:defRPr>
     </a:lvl9pPr>
   </p:defaultTextStyle>
+  <p:extLst>
+    <p:ext uri="{EFAFB233-063F-42B5-8137-9DF3F51BA10A}">
+      <p15:sldGuideLst xmlns:p15="http://schemas.microsoft.com/office/powerpoint/2012/main">
+        <p15:guide id="1" orient="horz" pos="2880" userDrawn="1">
+          <p15:clr>
+            <a:srgbClr val="A4A3A4"/>
+          </p15:clr>
+        </p15:guide>
+        <p15:guide id="2" pos="5120" userDrawn="1">
+          <p15:clr>
+            <a:srgbClr val="A4A3A4"/>
+          </p15:clr>
+        </p15:guide>
+      </p15:sldGuideLst>
+    </p:ext>
+  </p:extLst>
 </p:presentation>
+</file>
+
+<file path=ppt/notesMasters/notesMaster1.xml><?xml version="1.0" encoding="utf-8"?>
+<p:notesMaster xmlns:a="http://schemas.openxmlformats.org/drawingml/2006/main" xmlns:r="http://schemas.openxmlformats.org/officeDocument/2006/relationships" xmlns:p="http://schemas.openxmlformats.org/presentationml/2006/main">
+  <p:cSld>
+    <p:bg>
+      <p:bgRef idx="1001">
+        <a:schemeClr val="bg1"/>
+      </p:bgRef>
+    </p:bg>
+    <p:spTree>
+      <p:nvGrpSpPr>
+        <p:cNvPr id="1" name=""/>
+        <p:cNvGrpSpPr/>
+        <p:nvPr/>
+      </p:nvGrpSpPr>
+      <p:grpSpPr>
+        <a:xfrm>
+          <a:off x="0" y="0"/>
+          <a:ext cx="0" cy="0"/>
+          <a:chOff x="0" y="0"/>
+          <a:chExt cx="0" cy="0"/>
+        </a:xfrm>
+      </p:grpSpPr>
+      <p:sp>
+        <p:nvSpPr>
+          <p:cNvPr id="2" name="Header Placeholder 1"/>
+          <p:cNvSpPr>
+            <a:spLocks noGrp="1"/>
+          </p:cNvSpPr>
+          <p:nvPr>
+            <p:ph type="hdr" sz="quarter"/>
+          </p:nvPr>
+        </p:nvSpPr>
+        <p:spPr>
+          <a:xfrm>
+            <a:off x="0" y="0"/>
+            <a:ext cx="2971800" cy="458788"/>
+          </a:xfrm>
+          <a:prstGeom prst="rect">
+            <a:avLst/>
+          </a:prstGeom>
+        </p:spPr>
+        <p:txBody>
+          <a:bodyPr vert="horz" lIns="91440" tIns="45720" rIns="91440" bIns="45720" rtlCol="0"/>
+          <a:lstStyle>
+            <a:lvl1pPr algn="l">
+              <a:defRPr sz="1200"/>
+            </a:lvl1pPr>
+          </a:lstStyle>
+          <a:p>
+            <a:endParaRPr lang="en-IN"/>
+          </a:p>
+        </p:txBody>
+      </p:sp>
+      <p:sp>
+        <p:nvSpPr>
+          <p:cNvPr id="3" name="Date Placeholder 2"/>
+          <p:cNvSpPr>
+            <a:spLocks noGrp="1"/>
+          </p:cNvSpPr>
+          <p:nvPr>
+            <p:ph type="dt" idx="1"/>
+          </p:nvPr>
+        </p:nvSpPr>
+        <p:spPr>
+          <a:xfrm>
+            <a:off x="3884613" y="0"/>
+            <a:ext cx="2971800" cy="458788"/>
+          </a:xfrm>
+          <a:prstGeom prst="rect">
+            <a:avLst/>
+          </a:prstGeom>
+        </p:spPr>
+        <p:txBody>
+          <a:bodyPr vert="horz" lIns="91440" tIns="45720" rIns="91440" bIns="45720" rtlCol="0"/>
+          <a:lstStyle>
+            <a:lvl1pPr algn="r">
+              <a:defRPr sz="1200"/>
+            </a:lvl1pPr>
+          </a:lstStyle>
+          <a:p>
+            <a:fld id="{558B4000-10DD-4B6D-A7CA-D92A50221314}" type="datetimeFigureOut">
+              <a:rPr lang="en-IN" smtClean="0"/>
+              <a:t>18-05-2020</a:t>
+            </a:fld>
+            <a:endParaRPr lang="en-IN"/>
+          </a:p>
+        </p:txBody>
+      </p:sp>
+      <p:sp>
+        <p:nvSpPr>
+          <p:cNvPr id="4" name="Slide Image Placeholder 3"/>
+          <p:cNvSpPr>
+            <a:spLocks noGrp="1" noRot="1" noChangeAspect="1"/>
+          </p:cNvSpPr>
+          <p:nvPr>
+            <p:ph type="sldImg" idx="2"/>
+          </p:nvPr>
+        </p:nvSpPr>
+        <p:spPr>
+          <a:xfrm>
+            <a:off x="685800" y="1143000"/>
+            <a:ext cx="5486400" cy="3086100"/>
+          </a:xfrm>
+          <a:prstGeom prst="rect">
+            <a:avLst/>
+          </a:prstGeom>
+          <a:noFill/>
+          <a:ln w="12700">
+            <a:solidFill>
+              <a:prstClr val="black"/>
+            </a:solidFill>
+          </a:ln>
+        </p:spPr>
+        <p:txBody>
+          <a:bodyPr vert="horz" lIns="91440" tIns="45720" rIns="91440" bIns="45720" rtlCol="0" anchor="ctr"/>
+          <a:lstStyle/>
+          <a:p>
+            <a:endParaRPr lang="en-IN"/>
+          </a:p>
+        </p:txBody>
+      </p:sp>
+      <p:sp>
+        <p:nvSpPr>
+          <p:cNvPr id="5" name="Notes Placeholder 4"/>
+          <p:cNvSpPr>
+            <a:spLocks noGrp="1"/>
+          </p:cNvSpPr>
+          <p:nvPr>
+            <p:ph type="body" sz="quarter" idx="3"/>
+          </p:nvPr>
+        </p:nvSpPr>
+        <p:spPr>
+          <a:xfrm>
+            <a:off x="685800" y="4400550"/>
+            <a:ext cx="5486400" cy="3600450"/>
+          </a:xfrm>
+          <a:prstGeom prst="rect">
+            <a:avLst/>
+          </a:prstGeom>
+        </p:spPr>
+        <p:txBody>
+          <a:bodyPr vert="horz" lIns="91440" tIns="45720" rIns="91440" bIns="45720" rtlCol="0"/>
+          <a:lstStyle/>
+          <a:p>
+            <a:pPr lvl="0"/>
+            <a:r>
+              <a:rPr lang="en-US" smtClean="0"/>
+              <a:t>Click to edit Master text styles</a:t>
+            </a:r>
+          </a:p>
+          <a:p>
+            <a:pPr lvl="1"/>
+            <a:r>
+              <a:rPr lang="en-US" smtClean="0"/>
+              <a:t>Second level</a:t>
+            </a:r>
+          </a:p>
+          <a:p>
+            <a:pPr lvl="2"/>
+            <a:r>
+              <a:rPr lang="en-US" smtClean="0"/>
+              <a:t>Third level</a:t>
+            </a:r>
+          </a:p>
+          <a:p>
+            <a:pPr lvl="3"/>
+            <a:r>
+              <a:rPr lang="en-US" smtClean="0"/>
+              <a:t>Fourth level</a:t>
+            </a:r>
+          </a:p>
+          <a:p>
+            <a:pPr lvl="4"/>
+            <a:r>
+              <a:rPr lang="en-US" smtClean="0"/>
+              <a:t>Fifth level</a:t>
+            </a:r>
+            <a:endParaRPr lang="en-IN"/>
+          </a:p>
+        </p:txBody>
+      </p:sp>
+      <p:sp>
+        <p:nvSpPr>
+          <p:cNvPr id="6" name="Footer Placeholder 5"/>
+          <p:cNvSpPr>
+            <a:spLocks noGrp="1"/>
+          </p:cNvSpPr>
+          <p:nvPr>
+            <p:ph type="ftr" sz="quarter" idx="4"/>
+          </p:nvPr>
+        </p:nvSpPr>
+        <p:spPr>
+          <a:xfrm>
+            <a:off x="0" y="8685213"/>
+            <a:ext cx="2971800" cy="458787"/>
+          </a:xfrm>
+          <a:prstGeom prst="rect">
+            <a:avLst/>
+          </a:prstGeom>
+        </p:spPr>
+        <p:txBody>
+          <a:bodyPr vert="horz" lIns="91440" tIns="45720" rIns="91440" bIns="45720" rtlCol="0" anchor="b"/>
+          <a:lstStyle>
+            <a:lvl1pPr algn="l">
+              <a:defRPr sz="1200"/>
+            </a:lvl1pPr>
+          </a:lstStyle>
+          <a:p>
+            <a:endParaRPr lang="en-IN"/>
+          </a:p>
+        </p:txBody>
+      </p:sp>
+      <p:sp>
+        <p:nvSpPr>
+          <p:cNvPr id="7" name="Slide Number Placeholder 6"/>
+          <p:cNvSpPr>
+            <a:spLocks noGrp="1"/>
+          </p:cNvSpPr>
+          <p:nvPr>
+            <p:ph type="sldNum" sz="quarter" idx="5"/>
+          </p:nvPr>
+        </p:nvSpPr>
+        <p:spPr>
+          <a:xfrm>
+            <a:off x="3884613" y="8685213"/>
+            <a:ext cx="2971800" cy="458787"/>
+          </a:xfrm>
+          <a:prstGeom prst="rect">
+            <a:avLst/>
+          </a:prstGeom>
+        </p:spPr>
+        <p:txBody>
+          <a:bodyPr vert="horz" lIns="91440" tIns="45720" rIns="91440" bIns="45720" rtlCol="0" anchor="b"/>
+          <a:lstStyle>
+            <a:lvl1pPr algn="r">
+              <a:defRPr sz="1200"/>
+            </a:lvl1pPr>
+          </a:lstStyle>
+          <a:p>
+            <a:fld id="{A2B51BC3-AF71-4A49-A574-218200887824}" type="slidenum">
+              <a:rPr lang="en-IN" smtClean="0"/>
+              <a:t>‹#›</a:t>
+            </a:fld>
+            <a:endParaRPr lang="en-IN"/>
+          </a:p>
+        </p:txBody>
+      </p:sp>
+    </p:spTree>
+    <p:extLst>
+      <p:ext uri="{BB962C8B-B14F-4D97-AF65-F5344CB8AC3E}">
+        <p14:creationId xmlns:p14="http://schemas.microsoft.com/office/powerpoint/2010/main" val="3004862287"/>
+      </p:ext>
+    </p:extLst>
+  </p:cSld>
+  <p:clrMap bg1="lt1" tx1="dk1" bg2="lt2" tx2="dk2" accent1="accent1" accent2="accent2" accent3="accent3" accent4="accent4" accent5="accent5" accent6="accent6" hlink="hlink" folHlink="folHlink"/>
+  <p:notesStyle>
+    <a:lvl1pPr marL="0" algn="l" defTabSz="914400" rtl="0" eaLnBrk="1" latinLnBrk="0" hangingPunct="1">
+      <a:defRPr sz="1200" kern="1200">
+        <a:solidFill>
+          <a:schemeClr val="tx1"/>
+        </a:solidFill>
+        <a:latin typeface="+mn-lt"/>
+        <a:ea typeface="+mn-ea"/>
+        <a:cs typeface="+mn-cs"/>
+      </a:defRPr>
+    </a:lvl1pPr>
+    <a:lvl2pPr marL="457200" algn="l" defTabSz="914400" rtl="0" eaLnBrk="1" latinLnBrk="0" hangingPunct="1">
+      <a:defRPr sz="1200" kern="1200">
+        <a:solidFill>
+          <a:schemeClr val="tx1"/>
+        </a:solidFill>
+        <a:latin typeface="+mn-lt"/>
+        <a:ea typeface="+mn-ea"/>
+        <a:cs typeface="+mn-cs"/>
+      </a:defRPr>
+    </a:lvl2pPr>
+    <a:lvl3pPr marL="914400" algn="l" defTabSz="914400" rtl="0" eaLnBrk="1" latinLnBrk="0" hangingPunct="1">
+      <a:defRPr sz="1200" kern="1200">
+        <a:solidFill>
+          <a:schemeClr val="tx1"/>
+        </a:solidFill>
+        <a:latin typeface="+mn-lt"/>
+        <a:ea typeface="+mn-ea"/>
+        <a:cs typeface="+mn-cs"/>
+      </a:defRPr>
+    </a:lvl3pPr>
+    <a:lvl4pPr marL="1371600" algn="l" defTabSz="914400" rtl="0" eaLnBrk="1" latinLnBrk="0" hangingPunct="1">
+      <a:defRPr sz="1200" kern="1200">
+        <a:solidFill>
+          <a:schemeClr val="tx1"/>
+        </a:solidFill>
+        <a:latin typeface="+mn-lt"/>
+        <a:ea typeface="+mn-ea"/>
+        <a:cs typeface="+mn-cs"/>
+      </a:defRPr>
+    </a:lvl4pPr>
+    <a:lvl5pPr marL="1828800" algn="l" defTabSz="914400" rtl="0" eaLnBrk="1" latinLnBrk="0" hangingPunct="1">
+      <a:defRPr sz="1200" kern="1200">
+        <a:solidFill>
+          <a:schemeClr val="tx1"/>
+        </a:solidFill>
+        <a:latin typeface="+mn-lt"/>
+        <a:ea typeface="+mn-ea"/>
+        <a:cs typeface="+mn-cs"/>
+      </a:defRPr>
+    </a:lvl5pPr>
+    <a:lvl6pPr marL="2286000" algn="l" defTabSz="914400" rtl="0" eaLnBrk="1" latinLnBrk="0" hangingPunct="1">
+      <a:defRPr sz="1200" kern="1200">
+        <a:solidFill>
+          <a:schemeClr val="tx1"/>
+        </a:solidFill>
+        <a:latin typeface="+mn-lt"/>
+        <a:ea typeface="+mn-ea"/>
+        <a:cs typeface="+mn-cs"/>
+      </a:defRPr>
+    </a:lvl6pPr>
+    <a:lvl7pPr marL="2743200" algn="l" defTabSz="914400" rtl="0" eaLnBrk="1" latinLnBrk="0" hangingPunct="1">
+      <a:defRPr sz="1200" kern="1200">
+        <a:solidFill>
+          <a:schemeClr val="tx1"/>
+        </a:solidFill>
+        <a:latin typeface="+mn-lt"/>
+        <a:ea typeface="+mn-ea"/>
+        <a:cs typeface="+mn-cs"/>
+      </a:defRPr>
+    </a:lvl7pPr>
+    <a:lvl8pPr marL="3200400" algn="l" defTabSz="914400" rtl="0" eaLnBrk="1" latinLnBrk="0" hangingPunct="1">
+      <a:defRPr sz="1200" kern="1200">
+        <a:solidFill>
+          <a:schemeClr val="tx1"/>
+        </a:solidFill>
+        <a:latin typeface="+mn-lt"/>
+        <a:ea typeface="+mn-ea"/>
+        <a:cs typeface="+mn-cs"/>
+      </a:defRPr>
+    </a:lvl8pPr>
+    <a:lvl9pPr marL="3657600" algn="l" defTabSz="914400" rtl="0" eaLnBrk="1" latinLnBrk="0" hangingPunct="1">
+      <a:defRPr sz="1200" kern="1200">
+        <a:solidFill>
+          <a:schemeClr val="tx1"/>
+        </a:solidFill>
+        <a:latin typeface="+mn-lt"/>
+        <a:ea typeface="+mn-ea"/>
+        <a:cs typeface="+mn-cs"/>
+      </a:defRPr>
+    </a:lvl9pPr>
+  </p:notesStyle>
+</p:notesMaster>
+</file>
+
+<file path=ppt/notesSlides/notesSlide1.xml><?xml version="1.0" encoding="utf-8"?>
+<p:notes xmlns:a="http://schemas.openxmlformats.org/drawingml/2006/main" xmlns:r="http://schemas.openxmlformats.org/officeDocument/2006/relationships" xmlns:p="http://schemas.openxmlformats.org/presentationml/2006/main">
+  <p:cSld>
+    <p:spTree>
+      <p:nvGrpSpPr>
+        <p:cNvPr id="1" name=""/>
+        <p:cNvGrpSpPr/>
+        <p:nvPr/>
+      </p:nvGrpSpPr>
+      <p:grpSpPr>
+        <a:xfrm>
+          <a:off x="0" y="0"/>
+          <a:ext cx="0" cy="0"/>
+          <a:chOff x="0" y="0"/>
+          <a:chExt cx="0" cy="0"/>
+        </a:xfrm>
+      </p:grpSpPr>
+      <p:sp>
+        <p:nvSpPr>
+          <p:cNvPr id="2" name="Slide Image Placeholder 1"/>
+          <p:cNvSpPr>
+            <a:spLocks noGrp="1" noRot="1" noChangeAspect="1"/>
+          </p:cNvSpPr>
+          <p:nvPr>
+            <p:ph type="sldImg"/>
+          </p:nvPr>
+        </p:nvSpPr>
+        <p:spPr>
+          <a:xfrm>
+            <a:off x="685800" y="1143000"/>
+            <a:ext cx="5486400" cy="3086100"/>
+          </a:xfrm>
+        </p:spPr>
+      </p:sp>
+      <p:sp>
+        <p:nvSpPr>
+          <p:cNvPr id="3" name="Notes Placeholder 2"/>
+          <p:cNvSpPr>
+            <a:spLocks noGrp="1"/>
+          </p:cNvSpPr>
+          <p:nvPr>
+            <p:ph type="body" idx="1"/>
+          </p:nvPr>
+        </p:nvSpPr>
+        <p:spPr/>
+        <p:txBody>
+          <a:bodyPr/>
+          <a:lstStyle/>
+          <a:p>
+            <a:endParaRPr lang="en-IN" dirty="0"/>
+          </a:p>
+        </p:txBody>
+      </p:sp>
+      <p:sp>
+        <p:nvSpPr>
+          <p:cNvPr id="4" name="Slide Number Placeholder 3"/>
+          <p:cNvSpPr>
+            <a:spLocks noGrp="1"/>
+          </p:cNvSpPr>
+          <p:nvPr>
+            <p:ph type="sldNum" sz="quarter" idx="10"/>
+          </p:nvPr>
+        </p:nvSpPr>
+        <p:spPr/>
+        <p:txBody>
+          <a:bodyPr/>
+          <a:lstStyle/>
+          <a:p>
+            <a:fld id="{A2B51BC3-AF71-4A49-A574-218200887824}" type="slidenum">
+              <a:rPr lang="en-IN" smtClean="0"/>
+              <a:t>1</a:t>
+            </a:fld>
+            <a:endParaRPr lang="en-IN"/>
+          </a:p>
+        </p:txBody>
+      </p:sp>
+    </p:spTree>
+    <p:extLst>
+      <p:ext uri="{BB962C8B-B14F-4D97-AF65-F5344CB8AC3E}">
+        <p14:creationId xmlns:p14="http://schemas.microsoft.com/office/powerpoint/2010/main" val="123878527"/>
+      </p:ext>
+    </p:extLst>
+  </p:cSld>
+  <p:clrMapOvr>
+    <a:masterClrMapping/>
+  </p:clrMapOvr>
+</p:notes>
+</file>
+
+<file path=ppt/notesSlides/notesSlide2.xml><?xml version="1.0" encoding="utf-8"?>
+<p:notes xmlns:a="http://schemas.openxmlformats.org/drawingml/2006/main" xmlns:r="http://schemas.openxmlformats.org/officeDocument/2006/relationships" xmlns:p="http://schemas.openxmlformats.org/presentationml/2006/main">
+  <p:cSld>
+    <p:spTree>
+      <p:nvGrpSpPr>
+        <p:cNvPr id="1" name=""/>
+        <p:cNvGrpSpPr/>
+        <p:nvPr/>
+      </p:nvGrpSpPr>
+      <p:grpSpPr>
+        <a:xfrm>
+          <a:off x="0" y="0"/>
+          <a:ext cx="0" cy="0"/>
+          <a:chOff x="0" y="0"/>
+          <a:chExt cx="0" cy="0"/>
+        </a:xfrm>
+      </p:grpSpPr>
+      <p:sp>
+        <p:nvSpPr>
+          <p:cNvPr id="2" name="Slide Image Placeholder 1"/>
+          <p:cNvSpPr>
+            <a:spLocks noGrp="1" noRot="1" noChangeAspect="1"/>
+          </p:cNvSpPr>
+          <p:nvPr>
+            <p:ph type="sldImg"/>
+          </p:nvPr>
+        </p:nvSpPr>
+        <p:spPr>
+          <a:xfrm>
+            <a:off x="685800" y="1143000"/>
+            <a:ext cx="5486400" cy="3086100"/>
+          </a:xfrm>
+        </p:spPr>
+      </p:sp>
+      <p:sp>
+        <p:nvSpPr>
+          <p:cNvPr id="3" name="Notes Placeholder 2"/>
+          <p:cNvSpPr>
+            <a:spLocks noGrp="1"/>
+          </p:cNvSpPr>
+          <p:nvPr>
+            <p:ph type="body" idx="1"/>
+          </p:nvPr>
+        </p:nvSpPr>
+        <p:spPr/>
+        <p:txBody>
+          <a:bodyPr/>
+          <a:lstStyle/>
+          <a:p>
+            <a:endParaRPr lang="en-IN" dirty="0"/>
+          </a:p>
+        </p:txBody>
+      </p:sp>
+      <p:sp>
+        <p:nvSpPr>
+          <p:cNvPr id="4" name="Slide Number Placeholder 3"/>
+          <p:cNvSpPr>
+            <a:spLocks noGrp="1"/>
+          </p:cNvSpPr>
+          <p:nvPr>
+            <p:ph type="sldNum" sz="quarter" idx="10"/>
+          </p:nvPr>
+        </p:nvSpPr>
+        <p:spPr/>
+        <p:txBody>
+          <a:bodyPr/>
+          <a:lstStyle/>
+          <a:p>
+            <a:fld id="{A2B51BC3-AF71-4A49-A574-218200887824}" type="slidenum">
+              <a:rPr lang="en-IN" smtClean="0"/>
+              <a:t>2</a:t>
+            </a:fld>
+            <a:endParaRPr lang="en-IN"/>
+          </a:p>
+        </p:txBody>
+      </p:sp>
+    </p:spTree>
+    <p:extLst>
+      <p:ext uri="{BB962C8B-B14F-4D97-AF65-F5344CB8AC3E}">
+        <p14:creationId xmlns:p14="http://schemas.microsoft.com/office/powerpoint/2010/main" val="3973874287"/>
+      </p:ext>
+    </p:extLst>
+  </p:cSld>
+  <p:clrMapOvr>
+    <a:masterClrMapping/>
+  </p:clrMapOvr>
+</p:notes>
 </file>
 
 <file path=ppt/slideLayouts/slideLayout1.xml><?xml version="1.0" encoding="utf-8"?>
@@ -133,8 +685,8 @@
         </p:nvSpPr>
         <p:spPr>
           <a:xfrm>
-            <a:off x="685800" y="2130425"/>
-            <a:ext cx="7772400" cy="1470025"/>
+            <a:off x="1219200" y="2840569"/>
+            <a:ext cx="13817600" cy="1960033"/>
           </a:xfrm>
         </p:spPr>
         <p:txBody>
@@ -161,8 +713,8 @@
         </p:nvSpPr>
         <p:spPr>
           <a:xfrm>
-            <a:off x="1371600" y="3886200"/>
-            <a:ext cx="6400800" cy="1752600"/>
+            <a:off x="2438400" y="5181600"/>
+            <a:ext cx="11379200" cy="2336800"/>
           </a:xfrm>
         </p:spPr>
         <p:txBody>
@@ -178,7 +730,7 @@
                 </a:solidFill>
               </a:defRPr>
             </a:lvl1pPr>
-            <a:lvl2pPr marL="457200" indent="0" algn="ctr">
+            <a:lvl2pPr marL="342900" indent="0" algn="ctr">
               <a:buNone/>
               <a:defRPr>
                 <a:solidFill>
@@ -188,7 +740,7 @@
                 </a:solidFill>
               </a:defRPr>
             </a:lvl2pPr>
-            <a:lvl3pPr marL="914400" indent="0" algn="ctr">
+            <a:lvl3pPr marL="685800" indent="0" algn="ctr">
               <a:buNone/>
               <a:defRPr>
                 <a:solidFill>
@@ -198,7 +750,7 @@
                 </a:solidFill>
               </a:defRPr>
             </a:lvl3pPr>
-            <a:lvl4pPr marL="1371600" indent="0" algn="ctr">
+            <a:lvl4pPr marL="1028700" indent="0" algn="ctr">
               <a:buNone/>
               <a:defRPr>
                 <a:solidFill>
@@ -208,7 +760,7 @@
                 </a:solidFill>
               </a:defRPr>
             </a:lvl4pPr>
-            <a:lvl5pPr marL="1828800" indent="0" algn="ctr">
+            <a:lvl5pPr marL="1371600" indent="0" algn="ctr">
               <a:buNone/>
               <a:defRPr>
                 <a:solidFill>
@@ -218,7 +770,7 @@
                 </a:solidFill>
               </a:defRPr>
             </a:lvl5pPr>
-            <a:lvl6pPr marL="2286000" indent="0" algn="ctr">
+            <a:lvl6pPr marL="1714500" indent="0" algn="ctr">
               <a:buNone/>
               <a:defRPr>
                 <a:solidFill>
@@ -228,7 +780,7 @@
                 </a:solidFill>
               </a:defRPr>
             </a:lvl6pPr>
-            <a:lvl7pPr marL="2743200" indent="0" algn="ctr">
+            <a:lvl7pPr marL="2057400" indent="0" algn="ctr">
               <a:buNone/>
               <a:defRPr>
                 <a:solidFill>
@@ -238,7 +790,7 @@
                 </a:solidFill>
               </a:defRPr>
             </a:lvl7pPr>
-            <a:lvl8pPr marL="3200400" indent="0" algn="ctr">
+            <a:lvl8pPr marL="2400300" indent="0" algn="ctr">
               <a:buNone/>
               <a:defRPr>
                 <a:solidFill>
@@ -248,7 +800,7 @@
                 </a:solidFill>
               </a:defRPr>
             </a:lvl8pPr>
-            <a:lvl9pPr marL="3657600" indent="0" algn="ctr">
+            <a:lvl9pPr marL="2743200" indent="0" algn="ctr">
               <a:buNone/>
               <a:defRPr>
                 <a:solidFill>
@@ -286,7 +838,7 @@
             <a:fld id="{1D8BD707-D9CF-40AE-B4C6-C98DA3205C09}" type="datetimeFigureOut">
               <a:rPr lang="en-US" smtClean="0"/>
               <a:pPr/>
-              <a:t>9/18/2006</a:t>
+              <a:t>5/18/2020</a:t>
             </a:fld>
             <a:endParaRPr lang="en-US"/>
           </a:p>
@@ -453,7 +1005,7 @@
             <a:fld id="{1D8BD707-D9CF-40AE-B4C6-C98DA3205C09}" type="datetimeFigureOut">
               <a:rPr lang="en-US" smtClean="0"/>
               <a:pPr/>
-              <a:t>9/18/2006</a:t>
+              <a:t>5/18/2020</a:t>
             </a:fld>
             <a:endParaRPr lang="en-US"/>
           </a:p>
@@ -539,8 +1091,8 @@
         </p:nvSpPr>
         <p:spPr>
           <a:xfrm>
-            <a:off x="6629400" y="274638"/>
-            <a:ext cx="2057400" cy="5851525"/>
+            <a:off x="11785600" y="366186"/>
+            <a:ext cx="3657600" cy="7802033"/>
           </a:xfrm>
         </p:spPr>
         <p:txBody>
@@ -567,8 +1119,8 @@
         </p:nvSpPr>
         <p:spPr>
           <a:xfrm>
-            <a:off x="457200" y="274638"/>
-            <a:ext cx="6019800" cy="5851525"/>
+            <a:off x="812800" y="366186"/>
+            <a:ext cx="10701867" cy="7802033"/>
           </a:xfrm>
         </p:spPr>
         <p:txBody>
@@ -630,7 +1182,7 @@
             <a:fld id="{1D8BD707-D9CF-40AE-B4C6-C98DA3205C09}" type="datetimeFigureOut">
               <a:rPr lang="en-US" smtClean="0"/>
               <a:pPr/>
-              <a:t>9/18/2006</a:t>
+              <a:t>5/18/2020</a:t>
             </a:fld>
             <a:endParaRPr lang="en-US"/>
           </a:p>
@@ -797,7 +1349,7 @@
             <a:fld id="{1D8BD707-D9CF-40AE-B4C6-C98DA3205C09}" type="datetimeFigureOut">
               <a:rPr lang="en-US" smtClean="0"/>
               <a:pPr/>
-              <a:t>9/18/2006</a:t>
+              <a:t>5/18/2020</a:t>
             </a:fld>
             <a:endParaRPr lang="en-US"/>
           </a:p>
@@ -883,15 +1435,15 @@
         </p:nvSpPr>
         <p:spPr>
           <a:xfrm>
-            <a:off x="722313" y="4406900"/>
-            <a:ext cx="7772400" cy="1362075"/>
+            <a:off x="1284113" y="5875867"/>
+            <a:ext cx="13817600" cy="1816100"/>
           </a:xfrm>
         </p:spPr>
         <p:txBody>
           <a:bodyPr anchor="t"/>
           <a:lstStyle>
             <a:lvl1pPr algn="l">
-              <a:defRPr sz="4000" b="1" cap="all"/>
+              <a:defRPr sz="3000" b="1" cap="all"/>
             </a:lvl1pPr>
           </a:lstStyle>
           <a:p>
@@ -915,8 +1467,8 @@
         </p:nvSpPr>
         <p:spPr>
           <a:xfrm>
-            <a:off x="722313" y="2906713"/>
-            <a:ext cx="7772400" cy="1500187"/>
+            <a:off x="1284113" y="3875619"/>
+            <a:ext cx="13817600" cy="2000249"/>
           </a:xfrm>
         </p:spPr>
         <p:txBody>
@@ -924,7 +1476,7 @@
           <a:lstStyle>
             <a:lvl1pPr marL="0" indent="0">
               <a:buNone/>
-              <a:defRPr sz="2000">
+              <a:defRPr sz="1500">
                 <a:solidFill>
                   <a:schemeClr val="tx1">
                     <a:tint val="75000"/>
@@ -932,9 +1484,9 @@
                 </a:solidFill>
               </a:defRPr>
             </a:lvl1pPr>
-            <a:lvl2pPr marL="457200" indent="0">
+            <a:lvl2pPr marL="342900" indent="0">
               <a:buNone/>
-              <a:defRPr sz="1800">
+              <a:defRPr sz="1350">
                 <a:solidFill>
                   <a:schemeClr val="tx1">
                     <a:tint val="75000"/>
@@ -942,9 +1494,9 @@
                 </a:solidFill>
               </a:defRPr>
             </a:lvl2pPr>
-            <a:lvl3pPr marL="914400" indent="0">
+            <a:lvl3pPr marL="685800" indent="0">
               <a:buNone/>
-              <a:defRPr sz="1600">
+              <a:defRPr sz="1200">
                 <a:solidFill>
                   <a:schemeClr val="tx1">
                     <a:tint val="75000"/>
@@ -952,9 +1504,9 @@
                 </a:solidFill>
               </a:defRPr>
             </a:lvl3pPr>
-            <a:lvl4pPr marL="1371600" indent="0">
+            <a:lvl4pPr marL="1028700" indent="0">
               <a:buNone/>
-              <a:defRPr sz="1400">
+              <a:defRPr sz="1050">
                 <a:solidFill>
                   <a:schemeClr val="tx1">
                     <a:tint val="75000"/>
@@ -962,9 +1514,9 @@
                 </a:solidFill>
               </a:defRPr>
             </a:lvl4pPr>
-            <a:lvl5pPr marL="1828800" indent="0">
+            <a:lvl5pPr marL="1371600" indent="0">
               <a:buNone/>
-              <a:defRPr sz="1400">
+              <a:defRPr sz="1050">
                 <a:solidFill>
                   <a:schemeClr val="tx1">
                     <a:tint val="75000"/>
@@ -972,9 +1524,9 @@
                 </a:solidFill>
               </a:defRPr>
             </a:lvl5pPr>
-            <a:lvl6pPr marL="2286000" indent="0">
+            <a:lvl6pPr marL="1714500" indent="0">
               <a:buNone/>
-              <a:defRPr sz="1400">
+              <a:defRPr sz="1050">
                 <a:solidFill>
                   <a:schemeClr val="tx1">
                     <a:tint val="75000"/>
@@ -982,9 +1534,9 @@
                 </a:solidFill>
               </a:defRPr>
             </a:lvl6pPr>
-            <a:lvl7pPr marL="2743200" indent="0">
+            <a:lvl7pPr marL="2057400" indent="0">
               <a:buNone/>
-              <a:defRPr sz="1400">
+              <a:defRPr sz="1050">
                 <a:solidFill>
                   <a:schemeClr val="tx1">
                     <a:tint val="75000"/>
@@ -992,9 +1544,9 @@
                 </a:solidFill>
               </a:defRPr>
             </a:lvl7pPr>
-            <a:lvl8pPr marL="3200400" indent="0">
+            <a:lvl8pPr marL="2400300" indent="0">
               <a:buNone/>
-              <a:defRPr sz="1400">
+              <a:defRPr sz="1050">
                 <a:solidFill>
                   <a:schemeClr val="tx1">
                     <a:tint val="75000"/>
@@ -1002,9 +1554,9 @@
                 </a:solidFill>
               </a:defRPr>
             </a:lvl8pPr>
-            <a:lvl9pPr marL="3657600" indent="0">
+            <a:lvl9pPr marL="2743200" indent="0">
               <a:buNone/>
-              <a:defRPr sz="1400">
+              <a:defRPr sz="1050">
                 <a:solidFill>
                   <a:schemeClr val="tx1">
                     <a:tint val="75000"/>
@@ -1040,7 +1592,7 @@
             <a:fld id="{1D8BD707-D9CF-40AE-B4C6-C98DA3205C09}" type="datetimeFigureOut">
               <a:rPr lang="en-US" smtClean="0"/>
               <a:pPr/>
-              <a:t>9/18/2006</a:t>
+              <a:t>5/18/2020</a:t>
             </a:fld>
             <a:endParaRPr lang="en-US"/>
           </a:p>
@@ -1149,39 +1701,39 @@
         </p:nvSpPr>
         <p:spPr>
           <a:xfrm>
-            <a:off x="457200" y="1600200"/>
-            <a:ext cx="4038600" cy="4525963"/>
+            <a:off x="812800" y="2133602"/>
+            <a:ext cx="7179733" cy="6034617"/>
           </a:xfrm>
         </p:spPr>
         <p:txBody>
           <a:bodyPr/>
           <a:lstStyle>
             <a:lvl1pPr>
-              <a:defRPr sz="2800"/>
+              <a:defRPr sz="2100"/>
             </a:lvl1pPr>
             <a:lvl2pPr>
-              <a:defRPr sz="2400"/>
+              <a:defRPr sz="1800"/>
             </a:lvl2pPr>
             <a:lvl3pPr>
-              <a:defRPr sz="2000"/>
+              <a:defRPr sz="1500"/>
             </a:lvl3pPr>
             <a:lvl4pPr>
-              <a:defRPr sz="1800"/>
+              <a:defRPr sz="1350"/>
             </a:lvl4pPr>
             <a:lvl5pPr>
-              <a:defRPr sz="1800"/>
+              <a:defRPr sz="1350"/>
             </a:lvl5pPr>
             <a:lvl6pPr>
-              <a:defRPr sz="1800"/>
+              <a:defRPr sz="1350"/>
             </a:lvl6pPr>
             <a:lvl7pPr>
-              <a:defRPr sz="1800"/>
+              <a:defRPr sz="1350"/>
             </a:lvl7pPr>
             <a:lvl8pPr>
-              <a:defRPr sz="1800"/>
+              <a:defRPr sz="1350"/>
             </a:lvl8pPr>
             <a:lvl9pPr>
-              <a:defRPr sz="1800"/>
+              <a:defRPr sz="1350"/>
             </a:lvl9pPr>
           </a:lstStyle>
           <a:p>
@@ -1234,39 +1786,39 @@
         </p:nvSpPr>
         <p:spPr>
           <a:xfrm>
-            <a:off x="4648200" y="1600200"/>
-            <a:ext cx="4038600" cy="4525963"/>
+            <a:off x="8263467" y="2133602"/>
+            <a:ext cx="7179733" cy="6034617"/>
           </a:xfrm>
         </p:spPr>
         <p:txBody>
           <a:bodyPr/>
           <a:lstStyle>
             <a:lvl1pPr>
-              <a:defRPr sz="2800"/>
+              <a:defRPr sz="2100"/>
             </a:lvl1pPr>
             <a:lvl2pPr>
-              <a:defRPr sz="2400"/>
+              <a:defRPr sz="1800"/>
             </a:lvl2pPr>
             <a:lvl3pPr>
-              <a:defRPr sz="2000"/>
+              <a:defRPr sz="1500"/>
             </a:lvl3pPr>
             <a:lvl4pPr>
-              <a:defRPr sz="1800"/>
+              <a:defRPr sz="1350"/>
             </a:lvl4pPr>
             <a:lvl5pPr>
-              <a:defRPr sz="1800"/>
+              <a:defRPr sz="1350"/>
             </a:lvl5pPr>
             <a:lvl6pPr>
-              <a:defRPr sz="1800"/>
+              <a:defRPr sz="1350"/>
             </a:lvl6pPr>
             <a:lvl7pPr>
-              <a:defRPr sz="1800"/>
+              <a:defRPr sz="1350"/>
             </a:lvl7pPr>
             <a:lvl8pPr>
-              <a:defRPr sz="1800"/>
+              <a:defRPr sz="1350"/>
             </a:lvl8pPr>
             <a:lvl9pPr>
-              <a:defRPr sz="1800"/>
+              <a:defRPr sz="1350"/>
             </a:lvl9pPr>
           </a:lstStyle>
           <a:p>
@@ -1325,7 +1877,7 @@
             <a:fld id="{1D8BD707-D9CF-40AE-B4C6-C98DA3205C09}" type="datetimeFigureOut">
               <a:rPr lang="en-US" smtClean="0"/>
               <a:pPr/>
-              <a:t>9/18/2006</a:t>
+              <a:t>5/18/2020</a:t>
             </a:fld>
             <a:endParaRPr lang="en-US"/>
           </a:p>
@@ -1438,8 +1990,8 @@
         </p:nvSpPr>
         <p:spPr>
           <a:xfrm>
-            <a:off x="457200" y="1535113"/>
-            <a:ext cx="4040188" cy="639762"/>
+            <a:off x="812801" y="2046817"/>
+            <a:ext cx="7182556" cy="853016"/>
           </a:xfrm>
         </p:spPr>
         <p:txBody>
@@ -1447,39 +1999,39 @@
           <a:lstStyle>
             <a:lvl1pPr marL="0" indent="0">
               <a:buNone/>
-              <a:defRPr sz="2400" b="1"/>
+              <a:defRPr sz="1800" b="1"/>
             </a:lvl1pPr>
-            <a:lvl2pPr marL="457200" indent="0">
+            <a:lvl2pPr marL="342900" indent="0">
               <a:buNone/>
-              <a:defRPr sz="2000" b="1"/>
+              <a:defRPr sz="1500" b="1"/>
             </a:lvl2pPr>
-            <a:lvl3pPr marL="914400" indent="0">
+            <a:lvl3pPr marL="685800" indent="0">
               <a:buNone/>
-              <a:defRPr sz="1800" b="1"/>
+              <a:defRPr sz="1350" b="1"/>
             </a:lvl3pPr>
-            <a:lvl4pPr marL="1371600" indent="0">
+            <a:lvl4pPr marL="1028700" indent="0">
               <a:buNone/>
-              <a:defRPr sz="1600" b="1"/>
+              <a:defRPr sz="1200" b="1"/>
             </a:lvl4pPr>
-            <a:lvl5pPr marL="1828800" indent="0">
+            <a:lvl5pPr marL="1371600" indent="0">
               <a:buNone/>
-              <a:defRPr sz="1600" b="1"/>
+              <a:defRPr sz="1200" b="1"/>
             </a:lvl5pPr>
-            <a:lvl6pPr marL="2286000" indent="0">
+            <a:lvl6pPr marL="1714500" indent="0">
               <a:buNone/>
-              <a:defRPr sz="1600" b="1"/>
+              <a:defRPr sz="1200" b="1"/>
             </a:lvl6pPr>
-            <a:lvl7pPr marL="2743200" indent="0">
+            <a:lvl7pPr marL="2057400" indent="0">
               <a:buNone/>
-              <a:defRPr sz="1600" b="1"/>
+              <a:defRPr sz="1200" b="1"/>
             </a:lvl7pPr>
-            <a:lvl8pPr marL="3200400" indent="0">
+            <a:lvl8pPr marL="2400300" indent="0">
               <a:buNone/>
-              <a:defRPr sz="1600" b="1"/>
+              <a:defRPr sz="1200" b="1"/>
             </a:lvl8pPr>
-            <a:lvl9pPr marL="3657600" indent="0">
+            <a:lvl9pPr marL="2743200" indent="0">
               <a:buNone/>
-              <a:defRPr sz="1600" b="1"/>
+              <a:defRPr sz="1200" b="1"/>
             </a:lvl9pPr>
           </a:lstStyle>
           <a:p>
@@ -1503,39 +2055,39 @@
         </p:nvSpPr>
         <p:spPr>
           <a:xfrm>
-            <a:off x="457200" y="2174875"/>
-            <a:ext cx="4040188" cy="3951288"/>
+            <a:off x="812801" y="2899833"/>
+            <a:ext cx="7182556" cy="5268384"/>
           </a:xfrm>
         </p:spPr>
         <p:txBody>
           <a:bodyPr/>
           <a:lstStyle>
             <a:lvl1pPr>
-              <a:defRPr sz="2400"/>
+              <a:defRPr sz="1800"/>
             </a:lvl1pPr>
             <a:lvl2pPr>
-              <a:defRPr sz="2000"/>
+              <a:defRPr sz="1500"/>
             </a:lvl2pPr>
             <a:lvl3pPr>
-              <a:defRPr sz="1800"/>
+              <a:defRPr sz="1350"/>
             </a:lvl3pPr>
             <a:lvl4pPr>
-              <a:defRPr sz="1600"/>
+              <a:defRPr sz="1200"/>
             </a:lvl4pPr>
             <a:lvl5pPr>
-              <a:defRPr sz="1600"/>
+              <a:defRPr sz="1200"/>
             </a:lvl5pPr>
             <a:lvl6pPr>
-              <a:defRPr sz="1600"/>
+              <a:defRPr sz="1200"/>
             </a:lvl6pPr>
             <a:lvl7pPr>
-              <a:defRPr sz="1600"/>
+              <a:defRPr sz="1200"/>
             </a:lvl7pPr>
             <a:lvl8pPr>
-              <a:defRPr sz="1600"/>
+              <a:defRPr sz="1200"/>
             </a:lvl8pPr>
             <a:lvl9pPr>
-              <a:defRPr sz="1600"/>
+              <a:defRPr sz="1200"/>
             </a:lvl9pPr>
           </a:lstStyle>
           <a:p>
@@ -1588,8 +2140,8 @@
         </p:nvSpPr>
         <p:spPr>
           <a:xfrm>
-            <a:off x="4645025" y="1535113"/>
-            <a:ext cx="4041775" cy="639762"/>
+            <a:off x="8257824" y="2046817"/>
+            <a:ext cx="7185377" cy="853016"/>
           </a:xfrm>
         </p:spPr>
         <p:txBody>
@@ -1597,39 +2149,39 @@
           <a:lstStyle>
             <a:lvl1pPr marL="0" indent="0">
               <a:buNone/>
-              <a:defRPr sz="2400" b="1"/>
+              <a:defRPr sz="1800" b="1"/>
             </a:lvl1pPr>
-            <a:lvl2pPr marL="457200" indent="0">
+            <a:lvl2pPr marL="342900" indent="0">
               <a:buNone/>
-              <a:defRPr sz="2000" b="1"/>
+              <a:defRPr sz="1500" b="1"/>
             </a:lvl2pPr>
-            <a:lvl3pPr marL="914400" indent="0">
+            <a:lvl3pPr marL="685800" indent="0">
               <a:buNone/>
-              <a:defRPr sz="1800" b="1"/>
+              <a:defRPr sz="1350" b="1"/>
             </a:lvl3pPr>
-            <a:lvl4pPr marL="1371600" indent="0">
+            <a:lvl4pPr marL="1028700" indent="0">
               <a:buNone/>
-              <a:defRPr sz="1600" b="1"/>
+              <a:defRPr sz="1200" b="1"/>
             </a:lvl4pPr>
-            <a:lvl5pPr marL="1828800" indent="0">
+            <a:lvl5pPr marL="1371600" indent="0">
               <a:buNone/>
-              <a:defRPr sz="1600" b="1"/>
+              <a:defRPr sz="1200" b="1"/>
             </a:lvl5pPr>
-            <a:lvl6pPr marL="2286000" indent="0">
+            <a:lvl6pPr marL="1714500" indent="0">
               <a:buNone/>
-              <a:defRPr sz="1600" b="1"/>
+              <a:defRPr sz="1200" b="1"/>
             </a:lvl6pPr>
-            <a:lvl7pPr marL="2743200" indent="0">
+            <a:lvl7pPr marL="2057400" indent="0">
               <a:buNone/>
-              <a:defRPr sz="1600" b="1"/>
+              <a:defRPr sz="1200" b="1"/>
             </a:lvl7pPr>
-            <a:lvl8pPr marL="3200400" indent="0">
+            <a:lvl8pPr marL="2400300" indent="0">
               <a:buNone/>
-              <a:defRPr sz="1600" b="1"/>
+              <a:defRPr sz="1200" b="1"/>
             </a:lvl8pPr>
-            <a:lvl9pPr marL="3657600" indent="0">
+            <a:lvl9pPr marL="2743200" indent="0">
               <a:buNone/>
-              <a:defRPr sz="1600" b="1"/>
+              <a:defRPr sz="1200" b="1"/>
             </a:lvl9pPr>
           </a:lstStyle>
           <a:p>
@@ -1653,39 +2205,39 @@
         </p:nvSpPr>
         <p:spPr>
           <a:xfrm>
-            <a:off x="4645025" y="2174875"/>
-            <a:ext cx="4041775" cy="3951288"/>
+            <a:off x="8257824" y="2899833"/>
+            <a:ext cx="7185377" cy="5268384"/>
           </a:xfrm>
         </p:spPr>
         <p:txBody>
           <a:bodyPr/>
           <a:lstStyle>
             <a:lvl1pPr>
-              <a:defRPr sz="2400"/>
+              <a:defRPr sz="1800"/>
             </a:lvl1pPr>
             <a:lvl2pPr>
-              <a:defRPr sz="2000"/>
+              <a:defRPr sz="1500"/>
             </a:lvl2pPr>
             <a:lvl3pPr>
-              <a:defRPr sz="1800"/>
+              <a:defRPr sz="1350"/>
             </a:lvl3pPr>
             <a:lvl4pPr>
-              <a:defRPr sz="1600"/>
+              <a:defRPr sz="1200"/>
             </a:lvl4pPr>
             <a:lvl5pPr>
-              <a:defRPr sz="1600"/>
+              <a:defRPr sz="1200"/>
             </a:lvl5pPr>
             <a:lvl6pPr>
-              <a:defRPr sz="1600"/>
+              <a:defRPr sz="1200"/>
             </a:lvl6pPr>
             <a:lvl7pPr>
-              <a:defRPr sz="1600"/>
+              <a:defRPr sz="1200"/>
             </a:lvl7pPr>
             <a:lvl8pPr>
-              <a:defRPr sz="1600"/>
+              <a:defRPr sz="1200"/>
             </a:lvl8pPr>
             <a:lvl9pPr>
-              <a:defRPr sz="1600"/>
+              <a:defRPr sz="1200"/>
             </a:lvl9pPr>
           </a:lstStyle>
           <a:p>
@@ -1744,7 +2296,7 @@
             <a:fld id="{1D8BD707-D9CF-40AE-B4C6-C98DA3205C09}" type="datetimeFigureOut">
               <a:rPr lang="en-US" smtClean="0"/>
               <a:pPr/>
-              <a:t>9/18/2006</a:t>
+              <a:t>5/18/2020</a:t>
             </a:fld>
             <a:endParaRPr lang="en-US"/>
           </a:p>
@@ -1859,7 +2411,7 @@
             <a:fld id="{1D8BD707-D9CF-40AE-B4C6-C98DA3205C09}" type="datetimeFigureOut">
               <a:rPr lang="en-US" smtClean="0"/>
               <a:pPr/>
-              <a:t>9/18/2006</a:t>
+              <a:t>5/18/2020</a:t>
             </a:fld>
             <a:endParaRPr lang="en-US"/>
           </a:p>
@@ -1951,7 +2503,7 @@
             <a:fld id="{1D8BD707-D9CF-40AE-B4C6-C98DA3205C09}" type="datetimeFigureOut">
               <a:rPr lang="en-US" smtClean="0"/>
               <a:pPr/>
-              <a:t>9/18/2006</a:t>
+              <a:t>5/18/2020</a:t>
             </a:fld>
             <a:endParaRPr lang="en-US"/>
           </a:p>
@@ -2037,15 +2589,15 @@
         </p:nvSpPr>
         <p:spPr>
           <a:xfrm>
-            <a:off x="457200" y="273050"/>
-            <a:ext cx="3008313" cy="1162050"/>
+            <a:off x="812801" y="364067"/>
+            <a:ext cx="5348113" cy="1549400"/>
           </a:xfrm>
         </p:spPr>
         <p:txBody>
           <a:bodyPr anchor="b"/>
           <a:lstStyle>
             <a:lvl1pPr algn="l">
-              <a:defRPr sz="2000" b="1"/>
+              <a:defRPr sz="1500" b="1"/>
             </a:lvl1pPr>
           </a:lstStyle>
           <a:p>
@@ -2069,39 +2621,39 @@
         </p:nvSpPr>
         <p:spPr>
           <a:xfrm>
-            <a:off x="3575050" y="273050"/>
-            <a:ext cx="5111750" cy="5853113"/>
+            <a:off x="6355644" y="364068"/>
+            <a:ext cx="9087557" cy="7804151"/>
           </a:xfrm>
         </p:spPr>
         <p:txBody>
           <a:bodyPr/>
           <a:lstStyle>
             <a:lvl1pPr>
-              <a:defRPr sz="3200"/>
+              <a:defRPr sz="2400"/>
             </a:lvl1pPr>
             <a:lvl2pPr>
-              <a:defRPr sz="2800"/>
+              <a:defRPr sz="2100"/>
             </a:lvl2pPr>
             <a:lvl3pPr>
-              <a:defRPr sz="2400"/>
+              <a:defRPr sz="1800"/>
             </a:lvl3pPr>
             <a:lvl4pPr>
-              <a:defRPr sz="2000"/>
+              <a:defRPr sz="1500"/>
             </a:lvl4pPr>
             <a:lvl5pPr>
-              <a:defRPr sz="2000"/>
+              <a:defRPr sz="1500"/>
             </a:lvl5pPr>
             <a:lvl6pPr>
-              <a:defRPr sz="2000"/>
+              <a:defRPr sz="1500"/>
             </a:lvl6pPr>
             <a:lvl7pPr>
-              <a:defRPr sz="2000"/>
+              <a:defRPr sz="1500"/>
             </a:lvl7pPr>
             <a:lvl8pPr>
-              <a:defRPr sz="2000"/>
+              <a:defRPr sz="1500"/>
             </a:lvl8pPr>
             <a:lvl9pPr>
-              <a:defRPr sz="2000"/>
+              <a:defRPr sz="1500"/>
             </a:lvl9pPr>
           </a:lstStyle>
           <a:p>
@@ -2154,8 +2706,8 @@
         </p:nvSpPr>
         <p:spPr>
           <a:xfrm>
-            <a:off x="457200" y="1435100"/>
-            <a:ext cx="3008313" cy="4691063"/>
+            <a:off x="812801" y="1913468"/>
+            <a:ext cx="5348113" cy="6254751"/>
           </a:xfrm>
         </p:spPr>
         <p:txBody>
@@ -2163,39 +2715,39 @@
           <a:lstStyle>
             <a:lvl1pPr marL="0" indent="0">
               <a:buNone/>
-              <a:defRPr sz="1400"/>
+              <a:defRPr sz="1050"/>
             </a:lvl1pPr>
-            <a:lvl2pPr marL="457200" indent="0">
-              <a:buNone/>
-              <a:defRPr sz="1200"/>
-            </a:lvl2pPr>
-            <a:lvl3pPr marL="914400" indent="0">
-              <a:buNone/>
-              <a:defRPr sz="1000"/>
-            </a:lvl3pPr>
-            <a:lvl4pPr marL="1371600" indent="0">
+            <a:lvl2pPr marL="342900" indent="0">
               <a:buNone/>
               <a:defRPr sz="900"/>
+            </a:lvl2pPr>
+            <a:lvl3pPr marL="685800" indent="0">
+              <a:buNone/>
+              <a:defRPr sz="750"/>
+            </a:lvl3pPr>
+            <a:lvl4pPr marL="1028700" indent="0">
+              <a:buNone/>
+              <a:defRPr sz="675"/>
             </a:lvl4pPr>
-            <a:lvl5pPr marL="1828800" indent="0">
+            <a:lvl5pPr marL="1371600" indent="0">
               <a:buNone/>
-              <a:defRPr sz="900"/>
+              <a:defRPr sz="675"/>
             </a:lvl5pPr>
-            <a:lvl6pPr marL="2286000" indent="0">
+            <a:lvl6pPr marL="1714500" indent="0">
               <a:buNone/>
-              <a:defRPr sz="900"/>
+              <a:defRPr sz="675"/>
             </a:lvl6pPr>
-            <a:lvl7pPr marL="2743200" indent="0">
+            <a:lvl7pPr marL="2057400" indent="0">
               <a:buNone/>
-              <a:defRPr sz="900"/>
+              <a:defRPr sz="675"/>
             </a:lvl7pPr>
-            <a:lvl8pPr marL="3200400" indent="0">
+            <a:lvl8pPr marL="2400300" indent="0">
               <a:buNone/>
-              <a:defRPr sz="900"/>
+              <a:defRPr sz="675"/>
             </a:lvl8pPr>
-            <a:lvl9pPr marL="3657600" indent="0">
+            <a:lvl9pPr marL="2743200" indent="0">
               <a:buNone/>
-              <a:defRPr sz="900"/>
+              <a:defRPr sz="675"/>
             </a:lvl9pPr>
           </a:lstStyle>
           <a:p>
@@ -2225,7 +2777,7 @@
             <a:fld id="{1D8BD707-D9CF-40AE-B4C6-C98DA3205C09}" type="datetimeFigureOut">
               <a:rPr lang="en-US" smtClean="0"/>
               <a:pPr/>
-              <a:t>9/18/2006</a:t>
+              <a:t>5/18/2020</a:t>
             </a:fld>
             <a:endParaRPr lang="en-US"/>
           </a:p>
@@ -2311,15 +2863,15 @@
         </p:nvSpPr>
         <p:spPr>
           <a:xfrm>
-            <a:off x="1792288" y="4800600"/>
-            <a:ext cx="5486400" cy="566738"/>
+            <a:off x="3186290" y="6400801"/>
+            <a:ext cx="9753600" cy="755651"/>
           </a:xfrm>
         </p:spPr>
         <p:txBody>
           <a:bodyPr anchor="b"/>
           <a:lstStyle>
             <a:lvl1pPr algn="l">
-              <a:defRPr sz="2000" b="1"/>
+              <a:defRPr sz="1500" b="1"/>
             </a:lvl1pPr>
           </a:lstStyle>
           <a:p>
@@ -2343,8 +2895,8 @@
         </p:nvSpPr>
         <p:spPr>
           <a:xfrm>
-            <a:off x="1792288" y="612775"/>
-            <a:ext cx="5486400" cy="4114800"/>
+            <a:off x="3186290" y="817033"/>
+            <a:ext cx="9753600" cy="5486400"/>
           </a:xfrm>
         </p:spPr>
         <p:txBody>
@@ -2352,39 +2904,39 @@
           <a:lstStyle>
             <a:lvl1pPr marL="0" indent="0">
               <a:buNone/>
-              <a:defRPr sz="3200"/>
+              <a:defRPr sz="2400"/>
             </a:lvl1pPr>
-            <a:lvl2pPr marL="457200" indent="0">
+            <a:lvl2pPr marL="342900" indent="0">
               <a:buNone/>
-              <a:defRPr sz="2800"/>
+              <a:defRPr sz="2100"/>
             </a:lvl2pPr>
-            <a:lvl3pPr marL="914400" indent="0">
+            <a:lvl3pPr marL="685800" indent="0">
               <a:buNone/>
-              <a:defRPr sz="2400"/>
+              <a:defRPr sz="1800"/>
             </a:lvl3pPr>
-            <a:lvl4pPr marL="1371600" indent="0">
+            <a:lvl4pPr marL="1028700" indent="0">
               <a:buNone/>
-              <a:defRPr sz="2000"/>
+              <a:defRPr sz="1500"/>
             </a:lvl4pPr>
-            <a:lvl5pPr marL="1828800" indent="0">
+            <a:lvl5pPr marL="1371600" indent="0">
               <a:buNone/>
-              <a:defRPr sz="2000"/>
+              <a:defRPr sz="1500"/>
             </a:lvl5pPr>
-            <a:lvl6pPr marL="2286000" indent="0">
+            <a:lvl6pPr marL="1714500" indent="0">
               <a:buNone/>
-              <a:defRPr sz="2000"/>
+              <a:defRPr sz="1500"/>
             </a:lvl6pPr>
-            <a:lvl7pPr marL="2743200" indent="0">
+            <a:lvl7pPr marL="2057400" indent="0">
               <a:buNone/>
-              <a:defRPr sz="2000"/>
+              <a:defRPr sz="1500"/>
             </a:lvl7pPr>
-            <a:lvl8pPr marL="3200400" indent="0">
+            <a:lvl8pPr marL="2400300" indent="0">
               <a:buNone/>
-              <a:defRPr sz="2000"/>
+              <a:defRPr sz="1500"/>
             </a:lvl8pPr>
-            <a:lvl9pPr marL="3657600" indent="0">
+            <a:lvl9pPr marL="2743200" indent="0">
               <a:buNone/>
-              <a:defRPr sz="2000"/>
+              <a:defRPr sz="1500"/>
             </a:lvl9pPr>
           </a:lstStyle>
           <a:p>
@@ -2404,8 +2956,8 @@
         </p:nvSpPr>
         <p:spPr>
           <a:xfrm>
-            <a:off x="1792288" y="5367338"/>
-            <a:ext cx="5486400" cy="804862"/>
+            <a:off x="3186290" y="7156452"/>
+            <a:ext cx="9753600" cy="1073149"/>
           </a:xfrm>
         </p:spPr>
         <p:txBody>
@@ -2413,39 +2965,39 @@
           <a:lstStyle>
             <a:lvl1pPr marL="0" indent="0">
               <a:buNone/>
-              <a:defRPr sz="1400"/>
+              <a:defRPr sz="1050"/>
             </a:lvl1pPr>
-            <a:lvl2pPr marL="457200" indent="0">
-              <a:buNone/>
-              <a:defRPr sz="1200"/>
-            </a:lvl2pPr>
-            <a:lvl3pPr marL="914400" indent="0">
-              <a:buNone/>
-              <a:defRPr sz="1000"/>
-            </a:lvl3pPr>
-            <a:lvl4pPr marL="1371600" indent="0">
+            <a:lvl2pPr marL="342900" indent="0">
               <a:buNone/>
               <a:defRPr sz="900"/>
+            </a:lvl2pPr>
+            <a:lvl3pPr marL="685800" indent="0">
+              <a:buNone/>
+              <a:defRPr sz="750"/>
+            </a:lvl3pPr>
+            <a:lvl4pPr marL="1028700" indent="0">
+              <a:buNone/>
+              <a:defRPr sz="675"/>
             </a:lvl4pPr>
-            <a:lvl5pPr marL="1828800" indent="0">
+            <a:lvl5pPr marL="1371600" indent="0">
               <a:buNone/>
-              <a:defRPr sz="900"/>
+              <a:defRPr sz="675"/>
             </a:lvl5pPr>
-            <a:lvl6pPr marL="2286000" indent="0">
+            <a:lvl6pPr marL="1714500" indent="0">
               <a:buNone/>
-              <a:defRPr sz="900"/>
+              <a:defRPr sz="675"/>
             </a:lvl6pPr>
-            <a:lvl7pPr marL="2743200" indent="0">
+            <a:lvl7pPr marL="2057400" indent="0">
               <a:buNone/>
-              <a:defRPr sz="900"/>
+              <a:defRPr sz="675"/>
             </a:lvl7pPr>
-            <a:lvl8pPr marL="3200400" indent="0">
+            <a:lvl8pPr marL="2400300" indent="0">
               <a:buNone/>
-              <a:defRPr sz="900"/>
+              <a:defRPr sz="675"/>
             </a:lvl8pPr>
-            <a:lvl9pPr marL="3657600" indent="0">
+            <a:lvl9pPr marL="2743200" indent="0">
               <a:buNone/>
-              <a:defRPr sz="900"/>
+              <a:defRPr sz="675"/>
             </a:lvl9pPr>
           </a:lstStyle>
           <a:p>
@@ -2475,7 +3027,7 @@
             <a:fld id="{1D8BD707-D9CF-40AE-B4C6-C98DA3205C09}" type="datetimeFigureOut">
               <a:rPr lang="en-US" smtClean="0"/>
               <a:pPr/>
-              <a:t>9/18/2006</a:t>
+              <a:t>5/18/2020</a:t>
             </a:fld>
             <a:endParaRPr lang="en-US"/>
           </a:p>
@@ -2566,8 +3118,8 @@
         </p:nvSpPr>
         <p:spPr>
           <a:xfrm>
-            <a:off x="457200" y="274638"/>
-            <a:ext cx="8229600" cy="1143000"/>
+            <a:off x="812800" y="366184"/>
+            <a:ext cx="14630400" cy="1524000"/>
           </a:xfrm>
           <a:prstGeom prst="rect">
             <a:avLst/>
@@ -2599,8 +3151,8 @@
         </p:nvSpPr>
         <p:spPr>
           <a:xfrm>
-            <a:off x="457200" y="1600200"/>
-            <a:ext cx="8229600" cy="4525963"/>
+            <a:off x="812800" y="2133602"/>
+            <a:ext cx="14630400" cy="6034617"/>
           </a:xfrm>
           <a:prstGeom prst="rect">
             <a:avLst/>
@@ -2661,8 +3213,8 @@
         </p:nvSpPr>
         <p:spPr>
           <a:xfrm>
-            <a:off x="457200" y="6356350"/>
-            <a:ext cx="2133600" cy="365125"/>
+            <a:off x="812800" y="8475135"/>
+            <a:ext cx="3793067" cy="486833"/>
           </a:xfrm>
           <a:prstGeom prst="rect">
             <a:avLst/>
@@ -2672,7 +3224,7 @@
           <a:bodyPr vert="horz" lIns="91440" tIns="45720" rIns="91440" bIns="45720" rtlCol="0" anchor="ctr"/>
           <a:lstStyle>
             <a:lvl1pPr algn="l">
-              <a:defRPr sz="1200">
+              <a:defRPr sz="900">
                 <a:solidFill>
                   <a:schemeClr val="tx1">
                     <a:tint val="75000"/>
@@ -2685,7 +3237,7 @@
             <a:fld id="{1D8BD707-D9CF-40AE-B4C6-C98DA3205C09}" type="datetimeFigureOut">
               <a:rPr lang="en-US" smtClean="0"/>
               <a:pPr/>
-              <a:t>9/18/2006</a:t>
+              <a:t>5/18/2020</a:t>
             </a:fld>
             <a:endParaRPr lang="en-US"/>
           </a:p>
@@ -2703,8 +3255,8 @@
         </p:nvSpPr>
         <p:spPr>
           <a:xfrm>
-            <a:off x="3124200" y="6356350"/>
-            <a:ext cx="2895600" cy="365125"/>
+            <a:off x="5554134" y="8475135"/>
+            <a:ext cx="5147733" cy="486833"/>
           </a:xfrm>
           <a:prstGeom prst="rect">
             <a:avLst/>
@@ -2714,7 +3266,7 @@
           <a:bodyPr vert="horz" lIns="91440" tIns="45720" rIns="91440" bIns="45720" rtlCol="0" anchor="ctr"/>
           <a:lstStyle>
             <a:lvl1pPr algn="ctr">
-              <a:defRPr sz="1200">
+              <a:defRPr sz="900">
                 <a:solidFill>
                   <a:schemeClr val="tx1">
                     <a:tint val="75000"/>
@@ -2740,8 +3292,8 @@
         </p:nvSpPr>
         <p:spPr>
           <a:xfrm>
-            <a:off x="6553200" y="6356350"/>
-            <a:ext cx="2133600" cy="365125"/>
+            <a:off x="11650133" y="8475135"/>
+            <a:ext cx="3793067" cy="486833"/>
           </a:xfrm>
           <a:prstGeom prst="rect">
             <a:avLst/>
@@ -2751,7 +3303,7 @@
           <a:bodyPr vert="horz" lIns="91440" tIns="45720" rIns="91440" bIns="45720" rtlCol="0" anchor="ctr"/>
           <a:lstStyle>
             <a:lvl1pPr algn="r">
-              <a:defRPr sz="1200">
+              <a:defRPr sz="900">
                 <a:solidFill>
                   <a:schemeClr val="tx1">
                     <a:tint val="75000"/>
@@ -2788,12 +3340,12 @@
   </p:sldLayoutIdLst>
   <p:txStyles>
     <p:titleStyle>
-      <a:lvl1pPr algn="ctr" defTabSz="914400" rtl="0" eaLnBrk="1" latinLnBrk="0" hangingPunct="1">
+      <a:lvl1pPr algn="ctr" defTabSz="685800" rtl="0" eaLnBrk="1" latinLnBrk="0" hangingPunct="1">
         <a:spcBef>
           <a:spcPct val="0"/>
         </a:spcBef>
         <a:buNone/>
-        <a:defRPr sz="4400" kern="1200">
+        <a:defRPr sz="3300" kern="1200">
           <a:solidFill>
             <a:schemeClr val="tx1"/>
           </a:solidFill>
@@ -2804,37 +3356,7 @@
       </a:lvl1pPr>
     </p:titleStyle>
     <p:bodyStyle>
-      <a:lvl1pPr marL="342900" indent="-342900" algn="l" defTabSz="914400" rtl="0" eaLnBrk="1" latinLnBrk="0" hangingPunct="1">
-        <a:spcBef>
-          <a:spcPct val="20000"/>
-        </a:spcBef>
-        <a:buFont typeface="Arial" pitchFamily="34" charset="0"/>
-        <a:buChar char="•"/>
-        <a:defRPr sz="3200" kern="1200">
-          <a:solidFill>
-            <a:schemeClr val="tx1"/>
-          </a:solidFill>
-          <a:latin typeface="+mn-lt"/>
-          <a:ea typeface="+mn-ea"/>
-          <a:cs typeface="+mn-cs"/>
-        </a:defRPr>
-      </a:lvl1pPr>
-      <a:lvl2pPr marL="742950" indent="-285750" algn="l" defTabSz="914400" rtl="0" eaLnBrk="1" latinLnBrk="0" hangingPunct="1">
-        <a:spcBef>
-          <a:spcPct val="20000"/>
-        </a:spcBef>
-        <a:buFont typeface="Arial" pitchFamily="34" charset="0"/>
-        <a:buChar char="–"/>
-        <a:defRPr sz="2800" kern="1200">
-          <a:solidFill>
-            <a:schemeClr val="tx1"/>
-          </a:solidFill>
-          <a:latin typeface="+mn-lt"/>
-          <a:ea typeface="+mn-ea"/>
-          <a:cs typeface="+mn-cs"/>
-        </a:defRPr>
-      </a:lvl2pPr>
-      <a:lvl3pPr marL="1143000" indent="-228600" algn="l" defTabSz="914400" rtl="0" eaLnBrk="1" latinLnBrk="0" hangingPunct="1">
+      <a:lvl1pPr marL="257175" indent="-257175" algn="l" defTabSz="685800" rtl="0" eaLnBrk="1" latinLnBrk="0" hangingPunct="1">
         <a:spcBef>
           <a:spcPct val="20000"/>
         </a:spcBef>
@@ -2848,14 +3370,44 @@
           <a:ea typeface="+mn-ea"/>
           <a:cs typeface="+mn-cs"/>
         </a:defRPr>
-      </a:lvl3pPr>
-      <a:lvl4pPr marL="1600200" indent="-228600" algn="l" defTabSz="914400" rtl="0" eaLnBrk="1" latinLnBrk="0" hangingPunct="1">
+      </a:lvl1pPr>
+      <a:lvl2pPr marL="557213" indent="-214313" algn="l" defTabSz="685800" rtl="0" eaLnBrk="1" latinLnBrk="0" hangingPunct="1">
         <a:spcBef>
           <a:spcPct val="20000"/>
         </a:spcBef>
         <a:buFont typeface="Arial" pitchFamily="34" charset="0"/>
         <a:buChar char="–"/>
-        <a:defRPr sz="2000" kern="1200">
+        <a:defRPr sz="2100" kern="1200">
+          <a:solidFill>
+            <a:schemeClr val="tx1"/>
+          </a:solidFill>
+          <a:latin typeface="+mn-lt"/>
+          <a:ea typeface="+mn-ea"/>
+          <a:cs typeface="+mn-cs"/>
+        </a:defRPr>
+      </a:lvl2pPr>
+      <a:lvl3pPr marL="857250" indent="-171450" algn="l" defTabSz="685800" rtl="0" eaLnBrk="1" latinLnBrk="0" hangingPunct="1">
+        <a:spcBef>
+          <a:spcPct val="20000"/>
+        </a:spcBef>
+        <a:buFont typeface="Arial" pitchFamily="34" charset="0"/>
+        <a:buChar char="•"/>
+        <a:defRPr sz="1800" kern="1200">
+          <a:solidFill>
+            <a:schemeClr val="tx1"/>
+          </a:solidFill>
+          <a:latin typeface="+mn-lt"/>
+          <a:ea typeface="+mn-ea"/>
+          <a:cs typeface="+mn-cs"/>
+        </a:defRPr>
+      </a:lvl3pPr>
+      <a:lvl4pPr marL="1200150" indent="-171450" algn="l" defTabSz="685800" rtl="0" eaLnBrk="1" latinLnBrk="0" hangingPunct="1">
+        <a:spcBef>
+          <a:spcPct val="20000"/>
+        </a:spcBef>
+        <a:buFont typeface="Arial" pitchFamily="34" charset="0"/>
+        <a:buChar char="–"/>
+        <a:defRPr sz="1500" kern="1200">
           <a:solidFill>
             <a:schemeClr val="tx1"/>
           </a:solidFill>
@@ -2864,13 +3416,13 @@
           <a:cs typeface="+mn-cs"/>
         </a:defRPr>
       </a:lvl4pPr>
-      <a:lvl5pPr marL="2057400" indent="-228600" algn="l" defTabSz="914400" rtl="0" eaLnBrk="1" latinLnBrk="0" hangingPunct="1">
+      <a:lvl5pPr marL="1543050" indent="-171450" algn="l" defTabSz="685800" rtl="0" eaLnBrk="1" latinLnBrk="0" hangingPunct="1">
         <a:spcBef>
           <a:spcPct val="20000"/>
         </a:spcBef>
         <a:buFont typeface="Arial" pitchFamily="34" charset="0"/>
         <a:buChar char="»"/>
-        <a:defRPr sz="2000" kern="1200">
+        <a:defRPr sz="1500" kern="1200">
           <a:solidFill>
             <a:schemeClr val="tx1"/>
           </a:solidFill>
@@ -2879,13 +3431,13 @@
           <a:cs typeface="+mn-cs"/>
         </a:defRPr>
       </a:lvl5pPr>
-      <a:lvl6pPr marL="2514600" indent="-228600" algn="l" defTabSz="914400" rtl="0" eaLnBrk="1" latinLnBrk="0" hangingPunct="1">
+      <a:lvl6pPr marL="1885950" indent="-171450" algn="l" defTabSz="685800" rtl="0" eaLnBrk="1" latinLnBrk="0" hangingPunct="1">
         <a:spcBef>
           <a:spcPct val="20000"/>
         </a:spcBef>
         <a:buFont typeface="Arial" pitchFamily="34" charset="0"/>
         <a:buChar char="•"/>
-        <a:defRPr sz="2000" kern="1200">
+        <a:defRPr sz="1500" kern="1200">
           <a:solidFill>
             <a:schemeClr val="tx1"/>
           </a:solidFill>
@@ -2894,13 +3446,13 @@
           <a:cs typeface="+mn-cs"/>
         </a:defRPr>
       </a:lvl6pPr>
-      <a:lvl7pPr marL="2971800" indent="-228600" algn="l" defTabSz="914400" rtl="0" eaLnBrk="1" latinLnBrk="0" hangingPunct="1">
+      <a:lvl7pPr marL="2228850" indent="-171450" algn="l" defTabSz="685800" rtl="0" eaLnBrk="1" latinLnBrk="0" hangingPunct="1">
         <a:spcBef>
           <a:spcPct val="20000"/>
         </a:spcBef>
         <a:buFont typeface="Arial" pitchFamily="34" charset="0"/>
         <a:buChar char="•"/>
-        <a:defRPr sz="2000" kern="1200">
+        <a:defRPr sz="1500" kern="1200">
           <a:solidFill>
             <a:schemeClr val="tx1"/>
           </a:solidFill>
@@ -2909,13 +3461,13 @@
           <a:cs typeface="+mn-cs"/>
         </a:defRPr>
       </a:lvl7pPr>
-      <a:lvl8pPr marL="3429000" indent="-228600" algn="l" defTabSz="914400" rtl="0" eaLnBrk="1" latinLnBrk="0" hangingPunct="1">
+      <a:lvl8pPr marL="2571750" indent="-171450" algn="l" defTabSz="685800" rtl="0" eaLnBrk="1" latinLnBrk="0" hangingPunct="1">
         <a:spcBef>
           <a:spcPct val="20000"/>
         </a:spcBef>
         <a:buFont typeface="Arial" pitchFamily="34" charset="0"/>
         <a:buChar char="•"/>
-        <a:defRPr sz="2000" kern="1200">
+        <a:defRPr sz="1500" kern="1200">
           <a:solidFill>
             <a:schemeClr val="tx1"/>
           </a:solidFill>
@@ -2924,13 +3476,13 @@
           <a:cs typeface="+mn-cs"/>
         </a:defRPr>
       </a:lvl8pPr>
-      <a:lvl9pPr marL="3886200" indent="-228600" algn="l" defTabSz="914400" rtl="0" eaLnBrk="1" latinLnBrk="0" hangingPunct="1">
+      <a:lvl9pPr marL="2914650" indent="-171450" algn="l" defTabSz="685800" rtl="0" eaLnBrk="1" latinLnBrk="0" hangingPunct="1">
         <a:spcBef>
           <a:spcPct val="20000"/>
         </a:spcBef>
         <a:buFont typeface="Arial" pitchFamily="34" charset="0"/>
         <a:buChar char="•"/>
-        <a:defRPr sz="2000" kern="1200">
+        <a:defRPr sz="1500" kern="1200">
           <a:solidFill>
             <a:schemeClr val="tx1"/>
           </a:solidFill>
@@ -2944,8 +3496,8 @@
       <a:defPPr>
         <a:defRPr lang="en-US"/>
       </a:defPPr>
-      <a:lvl1pPr marL="0" algn="l" defTabSz="914400" rtl="0" eaLnBrk="1" latinLnBrk="0" hangingPunct="1">
-        <a:defRPr sz="1800" kern="1200">
+      <a:lvl1pPr marL="0" algn="l" defTabSz="685800" rtl="0" eaLnBrk="1" latinLnBrk="0" hangingPunct="1">
+        <a:defRPr sz="1350" kern="1200">
           <a:solidFill>
             <a:schemeClr val="tx1"/>
           </a:solidFill>
@@ -2954,8 +3506,8 @@
           <a:cs typeface="+mn-cs"/>
         </a:defRPr>
       </a:lvl1pPr>
-      <a:lvl2pPr marL="457200" algn="l" defTabSz="914400" rtl="0" eaLnBrk="1" latinLnBrk="0" hangingPunct="1">
-        <a:defRPr sz="1800" kern="1200">
+      <a:lvl2pPr marL="342900" algn="l" defTabSz="685800" rtl="0" eaLnBrk="1" latinLnBrk="0" hangingPunct="1">
+        <a:defRPr sz="1350" kern="1200">
           <a:solidFill>
             <a:schemeClr val="tx1"/>
           </a:solidFill>
@@ -2964,8 +3516,8 @@
           <a:cs typeface="+mn-cs"/>
         </a:defRPr>
       </a:lvl2pPr>
-      <a:lvl3pPr marL="914400" algn="l" defTabSz="914400" rtl="0" eaLnBrk="1" latinLnBrk="0" hangingPunct="1">
-        <a:defRPr sz="1800" kern="1200">
+      <a:lvl3pPr marL="685800" algn="l" defTabSz="685800" rtl="0" eaLnBrk="1" latinLnBrk="0" hangingPunct="1">
+        <a:defRPr sz="1350" kern="1200">
           <a:solidFill>
             <a:schemeClr val="tx1"/>
           </a:solidFill>
@@ -2974,8 +3526,8 @@
           <a:cs typeface="+mn-cs"/>
         </a:defRPr>
       </a:lvl3pPr>
-      <a:lvl4pPr marL="1371600" algn="l" defTabSz="914400" rtl="0" eaLnBrk="1" latinLnBrk="0" hangingPunct="1">
-        <a:defRPr sz="1800" kern="1200">
+      <a:lvl4pPr marL="1028700" algn="l" defTabSz="685800" rtl="0" eaLnBrk="1" latinLnBrk="0" hangingPunct="1">
+        <a:defRPr sz="1350" kern="1200">
           <a:solidFill>
             <a:schemeClr val="tx1"/>
           </a:solidFill>
@@ -2984,8 +3536,8 @@
           <a:cs typeface="+mn-cs"/>
         </a:defRPr>
       </a:lvl4pPr>
-      <a:lvl5pPr marL="1828800" algn="l" defTabSz="914400" rtl="0" eaLnBrk="1" latinLnBrk="0" hangingPunct="1">
-        <a:defRPr sz="1800" kern="1200">
+      <a:lvl5pPr marL="1371600" algn="l" defTabSz="685800" rtl="0" eaLnBrk="1" latinLnBrk="0" hangingPunct="1">
+        <a:defRPr sz="1350" kern="1200">
           <a:solidFill>
             <a:schemeClr val="tx1"/>
           </a:solidFill>
@@ -2994,8 +3546,8 @@
           <a:cs typeface="+mn-cs"/>
         </a:defRPr>
       </a:lvl5pPr>
-      <a:lvl6pPr marL="2286000" algn="l" defTabSz="914400" rtl="0" eaLnBrk="1" latinLnBrk="0" hangingPunct="1">
-        <a:defRPr sz="1800" kern="1200">
+      <a:lvl6pPr marL="1714500" algn="l" defTabSz="685800" rtl="0" eaLnBrk="1" latinLnBrk="0" hangingPunct="1">
+        <a:defRPr sz="1350" kern="1200">
           <a:solidFill>
             <a:schemeClr val="tx1"/>
           </a:solidFill>
@@ -3004,8 +3556,8 @@
           <a:cs typeface="+mn-cs"/>
         </a:defRPr>
       </a:lvl6pPr>
-      <a:lvl7pPr marL="2743200" algn="l" defTabSz="914400" rtl="0" eaLnBrk="1" latinLnBrk="0" hangingPunct="1">
-        <a:defRPr sz="1800" kern="1200">
+      <a:lvl7pPr marL="2057400" algn="l" defTabSz="685800" rtl="0" eaLnBrk="1" latinLnBrk="0" hangingPunct="1">
+        <a:defRPr sz="1350" kern="1200">
           <a:solidFill>
             <a:schemeClr val="tx1"/>
           </a:solidFill>
@@ -3014,8 +3566,8 @@
           <a:cs typeface="+mn-cs"/>
         </a:defRPr>
       </a:lvl7pPr>
-      <a:lvl8pPr marL="3200400" algn="l" defTabSz="914400" rtl="0" eaLnBrk="1" latinLnBrk="0" hangingPunct="1">
-        <a:defRPr sz="1800" kern="1200">
+      <a:lvl8pPr marL="2400300" algn="l" defTabSz="685800" rtl="0" eaLnBrk="1" latinLnBrk="0" hangingPunct="1">
+        <a:defRPr sz="1350" kern="1200">
           <a:solidFill>
             <a:schemeClr val="tx1"/>
           </a:solidFill>
@@ -3024,8 +3576,8 @@
           <a:cs typeface="+mn-cs"/>
         </a:defRPr>
       </a:lvl8pPr>
-      <a:lvl9pPr marL="3657600" algn="l" defTabSz="914400" rtl="0" eaLnBrk="1" latinLnBrk="0" hangingPunct="1">
-        <a:defRPr sz="1800" kern="1200">
+      <a:lvl9pPr marL="2743200" algn="l" defTabSz="685800" rtl="0" eaLnBrk="1" latinLnBrk="0" hangingPunct="1">
+        <a:defRPr sz="1350" kern="1200">
           <a:solidFill>
             <a:schemeClr val="tx1"/>
           </a:solidFill>
@@ -3037,6 +3589,7146 @@
     </p:otherStyle>
   </p:txStyles>
 </p:sldMaster>
+</file>
+
+<file path=ppt/slides/slide1.xml><?xml version="1.0" encoding="utf-8"?>
+<p:sld xmlns:a="http://schemas.openxmlformats.org/drawingml/2006/main" xmlns:r="http://schemas.openxmlformats.org/officeDocument/2006/relationships" xmlns:p="http://schemas.openxmlformats.org/presentationml/2006/main">
+  <p:cSld>
+    <p:spTree>
+      <p:nvGrpSpPr>
+        <p:cNvPr id="1" name=""/>
+        <p:cNvGrpSpPr/>
+        <p:nvPr/>
+      </p:nvGrpSpPr>
+      <p:grpSpPr>
+        <a:xfrm>
+          <a:off x="0" y="0"/>
+          <a:ext cx="0" cy="0"/>
+          <a:chOff x="0" y="0"/>
+          <a:chExt cx="0" cy="0"/>
+        </a:xfrm>
+      </p:grpSpPr>
+      <p:sp>
+        <p:nvSpPr>
+          <p:cNvPr id="50" name="TextBox 49"/>
+          <p:cNvSpPr txBox="1"/>
+          <p:nvPr/>
+        </p:nvSpPr>
+        <p:spPr>
+          <a:xfrm>
+            <a:off x="0" y="8610600"/>
+            <a:ext cx="16256000" cy="369332"/>
+          </a:xfrm>
+          <a:prstGeom prst="rect">
+            <a:avLst/>
+          </a:prstGeom>
+          <a:noFill/>
+        </p:spPr>
+        <p:txBody>
+          <a:bodyPr wrap="square" rtlCol="0">
+            <a:spAutoFit/>
+          </a:bodyPr>
+          <a:lstStyle/>
+          <a:p>
+            <a:pPr algn="ctr"/>
+            <a:r>
+              <a:rPr lang="en-IN" b="1" dirty="0"/>
+              <a:t>Flowchart 1: </a:t>
+            </a:r>
+            <a:r>
+              <a:rPr lang="en-IN" dirty="0"/>
+              <a:t>Researcher’s </a:t>
+            </a:r>
+            <a:r>
+              <a:rPr lang="en-IN" dirty="0" smtClean="0"/>
+              <a:t>Dairy [Security Layer Not Included in Diagram]</a:t>
+            </a:r>
+            <a:endParaRPr lang="en-IN" dirty="0"/>
+          </a:p>
+        </p:txBody>
+      </p:sp>
+      <p:grpSp>
+        <p:nvGrpSpPr>
+          <p:cNvPr id="27" name="Group 26"/>
+          <p:cNvGrpSpPr/>
+          <p:nvPr/>
+        </p:nvGrpSpPr>
+        <p:grpSpPr>
+          <a:xfrm>
+            <a:off x="50800" y="152400"/>
+            <a:ext cx="5169408" cy="7741920"/>
+            <a:chOff x="590550" y="106680"/>
+            <a:chExt cx="5753100" cy="7741920"/>
+          </a:xfrm>
+        </p:grpSpPr>
+        <p:sp>
+          <p:nvSpPr>
+            <p:cNvPr id="28" name="Down Arrow 27"/>
+            <p:cNvSpPr/>
+            <p:nvPr/>
+          </p:nvSpPr>
+          <p:spPr>
+            <a:xfrm>
+              <a:off x="3191256" y="4876800"/>
+              <a:ext cx="533400" cy="457200"/>
+            </a:xfrm>
+            <a:prstGeom prst="downArrow">
+              <a:avLst/>
+            </a:prstGeom>
+            <a:gradFill flip="none" rotWithShape="1">
+              <a:gsLst>
+                <a:gs pos="0">
+                  <a:schemeClr val="bg1">
+                    <a:lumMod val="50000"/>
+                    <a:shade val="30000"/>
+                    <a:satMod val="115000"/>
+                  </a:schemeClr>
+                </a:gs>
+                <a:gs pos="50000">
+                  <a:schemeClr val="bg1">
+                    <a:lumMod val="50000"/>
+                    <a:shade val="67500"/>
+                    <a:satMod val="115000"/>
+                  </a:schemeClr>
+                </a:gs>
+                <a:gs pos="100000">
+                  <a:schemeClr val="bg1">
+                    <a:lumMod val="50000"/>
+                    <a:shade val="100000"/>
+                    <a:satMod val="115000"/>
+                  </a:schemeClr>
+                </a:gs>
+              </a:gsLst>
+              <a:lin ang="5400000" scaled="1"/>
+              <a:tileRect/>
+            </a:gradFill>
+            <a:ln>
+              <a:noFill/>
+            </a:ln>
+          </p:spPr>
+          <p:style>
+            <a:lnRef idx="2">
+              <a:schemeClr val="accent1">
+                <a:shade val="50000"/>
+              </a:schemeClr>
+            </a:lnRef>
+            <a:fillRef idx="1">
+              <a:schemeClr val="accent1"/>
+            </a:fillRef>
+            <a:effectRef idx="0">
+              <a:schemeClr val="accent1"/>
+            </a:effectRef>
+            <a:fontRef idx="minor">
+              <a:schemeClr val="lt1"/>
+            </a:fontRef>
+          </p:style>
+          <p:txBody>
+            <a:bodyPr rtlCol="0" anchor="ctr"/>
+            <a:lstStyle/>
+            <a:p>
+              <a:pPr algn="ctr"/>
+              <a:endParaRPr lang="en-IN" sz="1600"/>
+            </a:p>
+          </p:txBody>
+        </p:sp>
+        <p:sp>
+          <p:nvSpPr>
+            <p:cNvPr id="29" name="Down Arrow 28"/>
+            <p:cNvSpPr/>
+            <p:nvPr/>
+          </p:nvSpPr>
+          <p:spPr>
+            <a:xfrm>
+              <a:off x="3200400" y="3810000"/>
+              <a:ext cx="533400" cy="457200"/>
+            </a:xfrm>
+            <a:prstGeom prst="downArrow">
+              <a:avLst/>
+            </a:prstGeom>
+            <a:gradFill flip="none" rotWithShape="1">
+              <a:gsLst>
+                <a:gs pos="0">
+                  <a:schemeClr val="bg1">
+                    <a:lumMod val="50000"/>
+                    <a:shade val="30000"/>
+                    <a:satMod val="115000"/>
+                  </a:schemeClr>
+                </a:gs>
+                <a:gs pos="50000">
+                  <a:schemeClr val="bg1">
+                    <a:lumMod val="50000"/>
+                    <a:shade val="67500"/>
+                    <a:satMod val="115000"/>
+                  </a:schemeClr>
+                </a:gs>
+                <a:gs pos="100000">
+                  <a:schemeClr val="bg1">
+                    <a:lumMod val="50000"/>
+                    <a:shade val="100000"/>
+                    <a:satMod val="115000"/>
+                  </a:schemeClr>
+                </a:gs>
+              </a:gsLst>
+              <a:lin ang="5400000" scaled="1"/>
+              <a:tileRect/>
+            </a:gradFill>
+            <a:ln>
+              <a:noFill/>
+            </a:ln>
+          </p:spPr>
+          <p:style>
+            <a:lnRef idx="2">
+              <a:schemeClr val="accent1">
+                <a:shade val="50000"/>
+              </a:schemeClr>
+            </a:lnRef>
+            <a:fillRef idx="1">
+              <a:schemeClr val="accent1"/>
+            </a:fillRef>
+            <a:effectRef idx="0">
+              <a:schemeClr val="accent1"/>
+            </a:effectRef>
+            <a:fontRef idx="minor">
+              <a:schemeClr val="lt1"/>
+            </a:fontRef>
+          </p:style>
+          <p:txBody>
+            <a:bodyPr rtlCol="0" anchor="ctr"/>
+            <a:lstStyle/>
+            <a:p>
+              <a:pPr algn="ctr"/>
+              <a:endParaRPr lang="en-IN" sz="1600"/>
+            </a:p>
+          </p:txBody>
+        </p:sp>
+        <p:sp>
+          <p:nvSpPr>
+            <p:cNvPr id="30" name="Down Arrow 29"/>
+            <p:cNvSpPr/>
+            <p:nvPr/>
+          </p:nvSpPr>
+          <p:spPr>
+            <a:xfrm>
+              <a:off x="3200400" y="2895600"/>
+              <a:ext cx="533400" cy="457200"/>
+            </a:xfrm>
+            <a:prstGeom prst="downArrow">
+              <a:avLst/>
+            </a:prstGeom>
+            <a:gradFill flip="none" rotWithShape="1">
+              <a:gsLst>
+                <a:gs pos="0">
+                  <a:schemeClr val="bg1">
+                    <a:lumMod val="50000"/>
+                    <a:shade val="30000"/>
+                    <a:satMod val="115000"/>
+                  </a:schemeClr>
+                </a:gs>
+                <a:gs pos="50000">
+                  <a:schemeClr val="bg1">
+                    <a:lumMod val="50000"/>
+                    <a:shade val="67500"/>
+                    <a:satMod val="115000"/>
+                  </a:schemeClr>
+                </a:gs>
+                <a:gs pos="100000">
+                  <a:schemeClr val="bg1">
+                    <a:lumMod val="50000"/>
+                    <a:shade val="100000"/>
+                    <a:satMod val="115000"/>
+                  </a:schemeClr>
+                </a:gs>
+              </a:gsLst>
+              <a:lin ang="5400000" scaled="1"/>
+              <a:tileRect/>
+            </a:gradFill>
+            <a:ln>
+              <a:noFill/>
+            </a:ln>
+          </p:spPr>
+          <p:style>
+            <a:lnRef idx="2">
+              <a:schemeClr val="accent1">
+                <a:shade val="50000"/>
+              </a:schemeClr>
+            </a:lnRef>
+            <a:fillRef idx="1">
+              <a:schemeClr val="accent1"/>
+            </a:fillRef>
+            <a:effectRef idx="0">
+              <a:schemeClr val="accent1"/>
+            </a:effectRef>
+            <a:fontRef idx="minor">
+              <a:schemeClr val="lt1"/>
+            </a:fontRef>
+          </p:style>
+          <p:txBody>
+            <a:bodyPr rtlCol="0" anchor="ctr"/>
+            <a:lstStyle/>
+            <a:p>
+              <a:pPr algn="ctr"/>
+              <a:endParaRPr lang="en-IN" sz="1600"/>
+            </a:p>
+          </p:txBody>
+        </p:sp>
+        <p:sp>
+          <p:nvSpPr>
+            <p:cNvPr id="31" name="Down Arrow 30"/>
+            <p:cNvSpPr/>
+            <p:nvPr/>
+          </p:nvSpPr>
+          <p:spPr>
+            <a:xfrm>
+              <a:off x="3191256" y="381000"/>
+              <a:ext cx="533400" cy="457200"/>
+            </a:xfrm>
+            <a:prstGeom prst="downArrow">
+              <a:avLst/>
+            </a:prstGeom>
+            <a:gradFill flip="none" rotWithShape="1">
+              <a:gsLst>
+                <a:gs pos="0">
+                  <a:schemeClr val="bg1">
+                    <a:lumMod val="50000"/>
+                    <a:shade val="30000"/>
+                    <a:satMod val="115000"/>
+                  </a:schemeClr>
+                </a:gs>
+                <a:gs pos="50000">
+                  <a:schemeClr val="bg1">
+                    <a:lumMod val="50000"/>
+                    <a:shade val="67500"/>
+                    <a:satMod val="115000"/>
+                  </a:schemeClr>
+                </a:gs>
+                <a:gs pos="100000">
+                  <a:schemeClr val="bg1">
+                    <a:lumMod val="50000"/>
+                    <a:shade val="100000"/>
+                    <a:satMod val="115000"/>
+                  </a:schemeClr>
+                </a:gs>
+              </a:gsLst>
+              <a:lin ang="5400000" scaled="1"/>
+              <a:tileRect/>
+            </a:gradFill>
+            <a:ln>
+              <a:noFill/>
+            </a:ln>
+          </p:spPr>
+          <p:style>
+            <a:lnRef idx="2">
+              <a:schemeClr val="accent1">
+                <a:shade val="50000"/>
+              </a:schemeClr>
+            </a:lnRef>
+            <a:fillRef idx="1">
+              <a:schemeClr val="accent1"/>
+            </a:fillRef>
+            <a:effectRef idx="0">
+              <a:schemeClr val="accent1"/>
+            </a:effectRef>
+            <a:fontRef idx="minor">
+              <a:schemeClr val="lt1"/>
+            </a:fontRef>
+          </p:style>
+          <p:txBody>
+            <a:bodyPr rtlCol="0" anchor="ctr"/>
+            <a:lstStyle/>
+            <a:p>
+              <a:pPr algn="ctr"/>
+              <a:endParaRPr lang="en-IN" sz="1600"/>
+            </a:p>
+          </p:txBody>
+        </p:sp>
+        <p:sp>
+          <p:nvSpPr>
+            <p:cNvPr id="32" name="Bent-Up Arrow 31"/>
+            <p:cNvSpPr/>
+            <p:nvPr/>
+          </p:nvSpPr>
+          <p:spPr>
+            <a:xfrm flipH="1" flipV="1">
+              <a:off x="1524000" y="6172200"/>
+              <a:ext cx="1066800" cy="1190244"/>
+            </a:xfrm>
+            <a:prstGeom prst="bentUpArrow">
+              <a:avLst/>
+            </a:prstGeom>
+            <a:gradFill flip="none" rotWithShape="1">
+              <a:gsLst>
+                <a:gs pos="0">
+                  <a:schemeClr val="bg1">
+                    <a:lumMod val="50000"/>
+                    <a:shade val="30000"/>
+                    <a:satMod val="115000"/>
+                  </a:schemeClr>
+                </a:gs>
+                <a:gs pos="50000">
+                  <a:schemeClr val="bg1">
+                    <a:lumMod val="50000"/>
+                    <a:shade val="67500"/>
+                    <a:satMod val="115000"/>
+                  </a:schemeClr>
+                </a:gs>
+                <a:gs pos="100000">
+                  <a:schemeClr val="bg1">
+                    <a:lumMod val="50000"/>
+                    <a:shade val="100000"/>
+                    <a:satMod val="115000"/>
+                  </a:schemeClr>
+                </a:gs>
+              </a:gsLst>
+              <a:lin ang="5400000" scaled="1"/>
+              <a:tileRect/>
+            </a:gradFill>
+            <a:ln>
+              <a:noFill/>
+            </a:ln>
+          </p:spPr>
+          <p:style>
+            <a:lnRef idx="2">
+              <a:schemeClr val="accent1">
+                <a:shade val="50000"/>
+              </a:schemeClr>
+            </a:lnRef>
+            <a:fillRef idx="1">
+              <a:schemeClr val="accent1"/>
+            </a:fillRef>
+            <a:effectRef idx="0">
+              <a:schemeClr val="accent1"/>
+            </a:effectRef>
+            <a:fontRef idx="minor">
+              <a:schemeClr val="lt1"/>
+            </a:fontRef>
+          </p:style>
+          <p:txBody>
+            <a:bodyPr rtlCol="0" anchor="ctr"/>
+            <a:lstStyle/>
+            <a:p>
+              <a:pPr algn="ctr"/>
+              <a:endParaRPr lang="en-IN" sz="1600"/>
+            </a:p>
+          </p:txBody>
+        </p:sp>
+        <p:sp>
+          <p:nvSpPr>
+            <p:cNvPr id="33" name="Bent-Up Arrow 32"/>
+            <p:cNvSpPr/>
+            <p:nvPr/>
+          </p:nvSpPr>
+          <p:spPr>
+            <a:xfrm flipV="1">
+              <a:off x="4343400" y="6172200"/>
+              <a:ext cx="1066800" cy="1266444"/>
+            </a:xfrm>
+            <a:prstGeom prst="bentUpArrow">
+              <a:avLst/>
+            </a:prstGeom>
+            <a:gradFill flip="none" rotWithShape="1">
+              <a:gsLst>
+                <a:gs pos="0">
+                  <a:schemeClr val="bg1">
+                    <a:lumMod val="50000"/>
+                    <a:shade val="30000"/>
+                    <a:satMod val="115000"/>
+                  </a:schemeClr>
+                </a:gs>
+                <a:gs pos="50000">
+                  <a:schemeClr val="bg1">
+                    <a:lumMod val="50000"/>
+                    <a:shade val="67500"/>
+                    <a:satMod val="115000"/>
+                  </a:schemeClr>
+                </a:gs>
+                <a:gs pos="100000">
+                  <a:schemeClr val="bg1">
+                    <a:lumMod val="50000"/>
+                    <a:shade val="100000"/>
+                    <a:satMod val="115000"/>
+                  </a:schemeClr>
+                </a:gs>
+              </a:gsLst>
+              <a:lin ang="5400000" scaled="1"/>
+              <a:tileRect/>
+            </a:gradFill>
+            <a:ln>
+              <a:noFill/>
+            </a:ln>
+          </p:spPr>
+          <p:style>
+            <a:lnRef idx="2">
+              <a:schemeClr val="accent1">
+                <a:shade val="50000"/>
+              </a:schemeClr>
+            </a:lnRef>
+            <a:fillRef idx="1">
+              <a:schemeClr val="accent1"/>
+            </a:fillRef>
+            <a:effectRef idx="0">
+              <a:schemeClr val="accent1"/>
+            </a:effectRef>
+            <a:fontRef idx="minor">
+              <a:schemeClr val="lt1"/>
+            </a:fontRef>
+          </p:style>
+          <p:txBody>
+            <a:bodyPr rtlCol="0" anchor="ctr"/>
+            <a:lstStyle/>
+            <a:p>
+              <a:pPr algn="ctr"/>
+              <a:endParaRPr lang="en-IN" sz="1600"/>
+            </a:p>
+          </p:txBody>
+        </p:sp>
+        <p:sp>
+          <p:nvSpPr>
+            <p:cNvPr id="34" name="Flowchart: Alternate Process 33"/>
+            <p:cNvSpPr/>
+            <p:nvPr/>
+          </p:nvSpPr>
+          <p:spPr>
+            <a:xfrm>
+              <a:off x="3009900" y="106680"/>
+              <a:ext cx="914400" cy="381000"/>
+            </a:xfrm>
+            <a:prstGeom prst="flowChartAlternateProcess">
+              <a:avLst/>
+            </a:prstGeom>
+            <a:gradFill flip="none" rotWithShape="1">
+              <a:gsLst>
+                <a:gs pos="0">
+                  <a:schemeClr val="accent1">
+                    <a:shade val="30000"/>
+                    <a:satMod val="115000"/>
+                  </a:schemeClr>
+                </a:gs>
+                <a:gs pos="50000">
+                  <a:schemeClr val="accent1">
+                    <a:shade val="67500"/>
+                    <a:satMod val="115000"/>
+                  </a:schemeClr>
+                </a:gs>
+                <a:gs pos="100000">
+                  <a:schemeClr val="accent1">
+                    <a:shade val="100000"/>
+                    <a:satMod val="115000"/>
+                  </a:schemeClr>
+                </a:gs>
+              </a:gsLst>
+              <a:lin ang="13500000" scaled="1"/>
+              <a:tileRect/>
+            </a:gradFill>
+            <a:ln>
+              <a:noFill/>
+            </a:ln>
+            <a:effectLst>
+              <a:outerShdw blurRad="50800" dist="38100" dir="5400000" algn="t" rotWithShape="0">
+                <a:prstClr val="black">
+                  <a:alpha val="40000"/>
+                </a:prstClr>
+              </a:outerShdw>
+            </a:effectLst>
+          </p:spPr>
+          <p:style>
+            <a:lnRef idx="2">
+              <a:schemeClr val="accent1">
+                <a:shade val="50000"/>
+              </a:schemeClr>
+            </a:lnRef>
+            <a:fillRef idx="1">
+              <a:schemeClr val="accent1"/>
+            </a:fillRef>
+            <a:effectRef idx="0">
+              <a:schemeClr val="accent1"/>
+            </a:effectRef>
+            <a:fontRef idx="minor">
+              <a:schemeClr val="lt1"/>
+            </a:fontRef>
+          </p:style>
+          <p:txBody>
+            <a:bodyPr rtlCol="0" anchor="ctr"/>
+            <a:lstStyle/>
+            <a:p>
+              <a:pPr algn="ctr"/>
+              <a:r>
+                <a:rPr lang="en-IN" sz="1600" dirty="0" smtClean="0"/>
+                <a:t>Start</a:t>
+              </a:r>
+              <a:endParaRPr lang="en-IN" sz="1600" dirty="0"/>
+            </a:p>
+          </p:txBody>
+        </p:sp>
+        <p:sp>
+          <p:nvSpPr>
+            <p:cNvPr id="35" name="Rectangle 34"/>
+            <p:cNvSpPr/>
+            <p:nvPr/>
+          </p:nvSpPr>
+          <p:spPr>
+            <a:xfrm>
+              <a:off x="1524000" y="914400"/>
+              <a:ext cx="3886200" cy="2057400"/>
+            </a:xfrm>
+            <a:prstGeom prst="rect">
+              <a:avLst/>
+            </a:prstGeom>
+            <a:gradFill flip="none" rotWithShape="1">
+              <a:gsLst>
+                <a:gs pos="0">
+                  <a:schemeClr val="accent1">
+                    <a:shade val="30000"/>
+                    <a:satMod val="115000"/>
+                  </a:schemeClr>
+                </a:gs>
+                <a:gs pos="50000">
+                  <a:schemeClr val="accent1">
+                    <a:shade val="67500"/>
+                    <a:satMod val="115000"/>
+                  </a:schemeClr>
+                </a:gs>
+                <a:gs pos="100000">
+                  <a:schemeClr val="accent1">
+                    <a:shade val="100000"/>
+                    <a:satMod val="115000"/>
+                  </a:schemeClr>
+                </a:gs>
+              </a:gsLst>
+              <a:lin ang="13500000" scaled="1"/>
+              <a:tileRect/>
+            </a:gradFill>
+            <a:ln>
+              <a:noFill/>
+            </a:ln>
+            <a:effectLst>
+              <a:outerShdw blurRad="50800" dist="38100" dir="5400000" algn="t" rotWithShape="0">
+                <a:prstClr val="black">
+                  <a:alpha val="40000"/>
+                </a:prstClr>
+              </a:outerShdw>
+            </a:effectLst>
+          </p:spPr>
+          <p:style>
+            <a:lnRef idx="2">
+              <a:schemeClr val="accent1">
+                <a:shade val="50000"/>
+              </a:schemeClr>
+            </a:lnRef>
+            <a:fillRef idx="1">
+              <a:schemeClr val="accent1"/>
+            </a:fillRef>
+            <a:effectRef idx="0">
+              <a:schemeClr val="accent1"/>
+            </a:effectRef>
+            <a:fontRef idx="minor">
+              <a:schemeClr val="lt1"/>
+            </a:fontRef>
+          </p:style>
+          <p:txBody>
+            <a:bodyPr rtlCol="0" anchor="ctr"/>
+            <a:lstStyle/>
+            <a:p>
+              <a:r>
+                <a:rPr lang="en-IN" sz="1600" dirty="0" smtClean="0"/>
+                <a:t>Send the Following Details to the Server:</a:t>
+              </a:r>
+            </a:p>
+            <a:p>
+              <a:pPr marL="342900" indent="-342900">
+                <a:buAutoNum type="arabicPeriod"/>
+              </a:pPr>
+              <a:r>
+                <a:rPr lang="en-IN" sz="1600" dirty="0" smtClean="0"/>
+                <a:t>Researcher ID</a:t>
+              </a:r>
+            </a:p>
+            <a:p>
+              <a:pPr marL="342900" indent="-342900">
+                <a:buAutoNum type="arabicPeriod"/>
+              </a:pPr>
+              <a:r>
+                <a:rPr lang="en-IN" sz="1600" dirty="0" smtClean="0"/>
+                <a:t>Note Body</a:t>
+              </a:r>
+            </a:p>
+            <a:p>
+              <a:pPr marL="800100" lvl="1" indent="-342900">
+                <a:buAutoNum type="arabicPeriod"/>
+              </a:pPr>
+              <a:r>
+                <a:rPr lang="en-IN" sz="1600" dirty="0" smtClean="0"/>
+                <a:t>Text</a:t>
+              </a:r>
+            </a:p>
+            <a:p>
+              <a:pPr marL="800100" lvl="1" indent="-342900">
+                <a:buAutoNum type="arabicPeriod"/>
+              </a:pPr>
+              <a:r>
+                <a:rPr lang="en-IN" sz="1600" dirty="0" smtClean="0"/>
+                <a:t>Image(s)</a:t>
+              </a:r>
+            </a:p>
+            <a:p>
+              <a:pPr marL="342900" indent="-342900">
+                <a:buAutoNum type="arabicPeriod"/>
+              </a:pPr>
+              <a:r>
+                <a:rPr lang="en-IN" sz="1600" dirty="0" smtClean="0"/>
+                <a:t>Note Saving Date &amp; Time</a:t>
+              </a:r>
+            </a:p>
+          </p:txBody>
+        </p:sp>
+        <p:sp>
+          <p:nvSpPr>
+            <p:cNvPr id="36" name="Rectangle 35"/>
+            <p:cNvSpPr/>
+            <p:nvPr/>
+          </p:nvSpPr>
+          <p:spPr>
+            <a:xfrm>
+              <a:off x="1524000" y="3429000"/>
+              <a:ext cx="3886200" cy="457200"/>
+            </a:xfrm>
+            <a:prstGeom prst="rect">
+              <a:avLst/>
+            </a:prstGeom>
+            <a:gradFill flip="none" rotWithShape="1">
+              <a:gsLst>
+                <a:gs pos="0">
+                  <a:schemeClr val="accent1">
+                    <a:shade val="30000"/>
+                    <a:satMod val="115000"/>
+                  </a:schemeClr>
+                </a:gs>
+                <a:gs pos="50000">
+                  <a:schemeClr val="accent1">
+                    <a:shade val="67500"/>
+                    <a:satMod val="115000"/>
+                  </a:schemeClr>
+                </a:gs>
+                <a:gs pos="100000">
+                  <a:schemeClr val="accent1">
+                    <a:shade val="100000"/>
+                    <a:satMod val="115000"/>
+                  </a:schemeClr>
+                </a:gs>
+              </a:gsLst>
+              <a:lin ang="13500000" scaled="1"/>
+              <a:tileRect/>
+            </a:gradFill>
+            <a:ln>
+              <a:noFill/>
+            </a:ln>
+            <a:effectLst>
+              <a:outerShdw blurRad="50800" dist="38100" dir="5400000" algn="t" rotWithShape="0">
+                <a:prstClr val="black">
+                  <a:alpha val="40000"/>
+                </a:prstClr>
+              </a:outerShdw>
+            </a:effectLst>
+          </p:spPr>
+          <p:style>
+            <a:lnRef idx="2">
+              <a:schemeClr val="accent1">
+                <a:shade val="50000"/>
+              </a:schemeClr>
+            </a:lnRef>
+            <a:fillRef idx="1">
+              <a:schemeClr val="accent1"/>
+            </a:fillRef>
+            <a:effectRef idx="0">
+              <a:schemeClr val="accent1"/>
+            </a:effectRef>
+            <a:fontRef idx="minor">
+              <a:schemeClr val="lt1"/>
+            </a:fontRef>
+          </p:style>
+          <p:txBody>
+            <a:bodyPr rtlCol="0" anchor="ctr"/>
+            <a:lstStyle/>
+            <a:p>
+              <a:r>
+                <a:rPr lang="en-IN" sz="1600" dirty="0" smtClean="0"/>
+                <a:t>Access the </a:t>
+              </a:r>
+              <a:r>
+                <a:rPr lang="en-IN" sz="1600" dirty="0" smtClean="0"/>
+                <a:t>Sent Details in the Server.</a:t>
+              </a:r>
+              <a:endParaRPr lang="en-IN" sz="1600" dirty="0" smtClean="0"/>
+            </a:p>
+          </p:txBody>
+        </p:sp>
+        <p:sp>
+          <p:nvSpPr>
+            <p:cNvPr id="37" name="Rectangle 36"/>
+            <p:cNvSpPr/>
+            <p:nvPr/>
+          </p:nvSpPr>
+          <p:spPr>
+            <a:xfrm>
+              <a:off x="1524000" y="4343400"/>
+              <a:ext cx="3886200" cy="609600"/>
+            </a:xfrm>
+            <a:prstGeom prst="rect">
+              <a:avLst/>
+            </a:prstGeom>
+            <a:gradFill flip="none" rotWithShape="1">
+              <a:gsLst>
+                <a:gs pos="0">
+                  <a:schemeClr val="accent1">
+                    <a:shade val="30000"/>
+                    <a:satMod val="115000"/>
+                  </a:schemeClr>
+                </a:gs>
+                <a:gs pos="50000">
+                  <a:schemeClr val="accent1">
+                    <a:shade val="67500"/>
+                    <a:satMod val="115000"/>
+                  </a:schemeClr>
+                </a:gs>
+                <a:gs pos="100000">
+                  <a:schemeClr val="accent1">
+                    <a:shade val="100000"/>
+                    <a:satMod val="115000"/>
+                  </a:schemeClr>
+                </a:gs>
+              </a:gsLst>
+              <a:lin ang="13500000" scaled="1"/>
+              <a:tileRect/>
+            </a:gradFill>
+            <a:ln>
+              <a:noFill/>
+            </a:ln>
+            <a:effectLst>
+              <a:outerShdw blurRad="50800" dist="38100" dir="5400000" algn="t" rotWithShape="0">
+                <a:prstClr val="black">
+                  <a:alpha val="40000"/>
+                </a:prstClr>
+              </a:outerShdw>
+            </a:effectLst>
+          </p:spPr>
+          <p:style>
+            <a:lnRef idx="2">
+              <a:schemeClr val="accent1">
+                <a:shade val="50000"/>
+              </a:schemeClr>
+            </a:lnRef>
+            <a:fillRef idx="1">
+              <a:schemeClr val="accent1"/>
+            </a:fillRef>
+            <a:effectRef idx="0">
+              <a:schemeClr val="accent1"/>
+            </a:effectRef>
+            <a:fontRef idx="minor">
+              <a:schemeClr val="lt1"/>
+            </a:fontRef>
+          </p:style>
+          <p:txBody>
+            <a:bodyPr rtlCol="0" anchor="ctr"/>
+            <a:lstStyle/>
+            <a:p>
+              <a:r>
+                <a:rPr lang="en-IN" sz="1600" dirty="0" smtClean="0"/>
+                <a:t>Save the Node of the Researcher along side Researcher ID in the Database.</a:t>
+              </a:r>
+            </a:p>
+          </p:txBody>
+        </p:sp>
+        <p:sp>
+          <p:nvSpPr>
+            <p:cNvPr id="38" name="Flowchart: Alternate Process 37"/>
+            <p:cNvSpPr/>
+            <p:nvPr/>
+          </p:nvSpPr>
+          <p:spPr>
+            <a:xfrm>
+              <a:off x="590550" y="7438644"/>
+              <a:ext cx="2419350" cy="381000"/>
+            </a:xfrm>
+            <a:prstGeom prst="flowChartAlternateProcess">
+              <a:avLst/>
+            </a:prstGeom>
+            <a:gradFill flip="none" rotWithShape="1">
+              <a:gsLst>
+                <a:gs pos="0">
+                  <a:schemeClr val="accent1">
+                    <a:shade val="30000"/>
+                    <a:satMod val="115000"/>
+                  </a:schemeClr>
+                </a:gs>
+                <a:gs pos="50000">
+                  <a:schemeClr val="accent1">
+                    <a:shade val="67500"/>
+                    <a:satMod val="115000"/>
+                  </a:schemeClr>
+                </a:gs>
+                <a:gs pos="100000">
+                  <a:schemeClr val="accent1">
+                    <a:shade val="100000"/>
+                    <a:satMod val="115000"/>
+                  </a:schemeClr>
+                </a:gs>
+              </a:gsLst>
+              <a:lin ang="13500000" scaled="1"/>
+              <a:tileRect/>
+            </a:gradFill>
+            <a:ln>
+              <a:noFill/>
+            </a:ln>
+            <a:effectLst>
+              <a:outerShdw blurRad="50800" dist="38100" dir="5400000" algn="t" rotWithShape="0">
+                <a:prstClr val="black">
+                  <a:alpha val="40000"/>
+                </a:prstClr>
+              </a:outerShdw>
+            </a:effectLst>
+          </p:spPr>
+          <p:style>
+            <a:lnRef idx="2">
+              <a:schemeClr val="accent1">
+                <a:shade val="50000"/>
+              </a:schemeClr>
+            </a:lnRef>
+            <a:fillRef idx="1">
+              <a:schemeClr val="accent1"/>
+            </a:fillRef>
+            <a:effectRef idx="0">
+              <a:schemeClr val="accent1"/>
+            </a:effectRef>
+            <a:fontRef idx="minor">
+              <a:schemeClr val="lt1"/>
+            </a:fontRef>
+          </p:style>
+          <p:txBody>
+            <a:bodyPr rtlCol="0" anchor="ctr"/>
+            <a:lstStyle/>
+            <a:p>
+              <a:pPr algn="ctr"/>
+              <a:r>
+                <a:rPr lang="en-IN" sz="1600" dirty="0" smtClean="0"/>
+                <a:t>Return “</a:t>
+              </a:r>
+              <a:r>
+                <a:rPr lang="en-IN" sz="1600" b="1" dirty="0" smtClean="0">
+                  <a:solidFill>
+                    <a:schemeClr val="accent3">
+                      <a:lumMod val="60000"/>
+                      <a:lumOff val="40000"/>
+                    </a:schemeClr>
+                  </a:solidFill>
+                </a:rPr>
+                <a:t>Success</a:t>
+              </a:r>
+              <a:r>
+                <a:rPr lang="en-IN" sz="1600" dirty="0" smtClean="0"/>
+                <a:t>”</a:t>
+              </a:r>
+              <a:endParaRPr lang="en-IN" sz="1600" dirty="0"/>
+            </a:p>
+          </p:txBody>
+        </p:sp>
+        <p:sp>
+          <p:nvSpPr>
+            <p:cNvPr id="39" name="Flowchart: Alternate Process 38"/>
+            <p:cNvSpPr/>
+            <p:nvPr/>
+          </p:nvSpPr>
+          <p:spPr>
+            <a:xfrm>
+              <a:off x="3924300" y="7467600"/>
+              <a:ext cx="2419350" cy="381000"/>
+            </a:xfrm>
+            <a:prstGeom prst="flowChartAlternateProcess">
+              <a:avLst/>
+            </a:prstGeom>
+            <a:gradFill flip="none" rotWithShape="1">
+              <a:gsLst>
+                <a:gs pos="0">
+                  <a:schemeClr val="accent1">
+                    <a:shade val="30000"/>
+                    <a:satMod val="115000"/>
+                  </a:schemeClr>
+                </a:gs>
+                <a:gs pos="50000">
+                  <a:schemeClr val="accent1">
+                    <a:shade val="67500"/>
+                    <a:satMod val="115000"/>
+                  </a:schemeClr>
+                </a:gs>
+                <a:gs pos="100000">
+                  <a:schemeClr val="accent1">
+                    <a:shade val="100000"/>
+                    <a:satMod val="115000"/>
+                  </a:schemeClr>
+                </a:gs>
+              </a:gsLst>
+              <a:lin ang="13500000" scaled="1"/>
+              <a:tileRect/>
+            </a:gradFill>
+            <a:ln>
+              <a:noFill/>
+            </a:ln>
+            <a:effectLst>
+              <a:outerShdw blurRad="50800" dist="38100" dir="5400000" algn="t" rotWithShape="0">
+                <a:prstClr val="black">
+                  <a:alpha val="40000"/>
+                </a:prstClr>
+              </a:outerShdw>
+            </a:effectLst>
+          </p:spPr>
+          <p:style>
+            <a:lnRef idx="2">
+              <a:schemeClr val="accent1">
+                <a:shade val="50000"/>
+              </a:schemeClr>
+            </a:lnRef>
+            <a:fillRef idx="1">
+              <a:schemeClr val="accent1"/>
+            </a:fillRef>
+            <a:effectRef idx="0">
+              <a:schemeClr val="accent1"/>
+            </a:effectRef>
+            <a:fontRef idx="minor">
+              <a:schemeClr val="lt1"/>
+            </a:fontRef>
+          </p:style>
+          <p:txBody>
+            <a:bodyPr rtlCol="0" anchor="ctr"/>
+            <a:lstStyle/>
+            <a:p>
+              <a:pPr algn="ctr"/>
+              <a:r>
+                <a:rPr lang="en-IN" sz="1600" dirty="0" smtClean="0"/>
+                <a:t>Return “</a:t>
+              </a:r>
+              <a:r>
+                <a:rPr lang="en-IN" sz="1600" b="1" dirty="0" smtClean="0">
+                  <a:solidFill>
+                    <a:schemeClr val="accent2">
+                      <a:lumMod val="20000"/>
+                      <a:lumOff val="80000"/>
+                    </a:schemeClr>
+                  </a:solidFill>
+                </a:rPr>
+                <a:t>Failure</a:t>
+              </a:r>
+              <a:r>
+                <a:rPr lang="en-IN" sz="1600" dirty="0" smtClean="0"/>
+                <a:t>”</a:t>
+              </a:r>
+              <a:endParaRPr lang="en-IN" sz="1600" dirty="0"/>
+            </a:p>
+          </p:txBody>
+        </p:sp>
+        <p:sp>
+          <p:nvSpPr>
+            <p:cNvPr id="40" name="Flowchart: Decision 39"/>
+            <p:cNvSpPr/>
+            <p:nvPr/>
+          </p:nvSpPr>
+          <p:spPr>
+            <a:xfrm>
+              <a:off x="2159508" y="5434584"/>
+              <a:ext cx="2590800" cy="1722120"/>
+            </a:xfrm>
+            <a:prstGeom prst="flowChartDecision">
+              <a:avLst/>
+            </a:prstGeom>
+            <a:gradFill flip="none" rotWithShape="1">
+              <a:gsLst>
+                <a:gs pos="0">
+                  <a:schemeClr val="accent1">
+                    <a:shade val="30000"/>
+                    <a:satMod val="115000"/>
+                  </a:schemeClr>
+                </a:gs>
+                <a:gs pos="50000">
+                  <a:schemeClr val="accent1">
+                    <a:shade val="67500"/>
+                    <a:satMod val="115000"/>
+                  </a:schemeClr>
+                </a:gs>
+                <a:gs pos="100000">
+                  <a:schemeClr val="accent1">
+                    <a:shade val="100000"/>
+                    <a:satMod val="115000"/>
+                  </a:schemeClr>
+                </a:gs>
+              </a:gsLst>
+              <a:lin ang="13500000" scaled="1"/>
+              <a:tileRect/>
+            </a:gradFill>
+            <a:ln>
+              <a:noFill/>
+            </a:ln>
+            <a:effectLst>
+              <a:outerShdw blurRad="50800" dist="38100" dir="5400000" algn="t" rotWithShape="0">
+                <a:prstClr val="black">
+                  <a:alpha val="40000"/>
+                </a:prstClr>
+              </a:outerShdw>
+            </a:effectLst>
+          </p:spPr>
+          <p:style>
+            <a:lnRef idx="2">
+              <a:schemeClr val="accent1">
+                <a:shade val="50000"/>
+              </a:schemeClr>
+            </a:lnRef>
+            <a:fillRef idx="1">
+              <a:schemeClr val="accent1"/>
+            </a:fillRef>
+            <a:effectRef idx="0">
+              <a:schemeClr val="accent1"/>
+            </a:effectRef>
+            <a:fontRef idx="minor">
+              <a:schemeClr val="lt1"/>
+            </a:fontRef>
+          </p:style>
+          <p:txBody>
+            <a:bodyPr rtlCol="0" anchor="ctr"/>
+            <a:lstStyle/>
+            <a:p>
+              <a:pPr algn="ctr"/>
+              <a:r>
+                <a:rPr lang="en-IN" sz="1600" dirty="0" smtClean="0"/>
+                <a:t>DB Request Successful?</a:t>
+              </a:r>
+              <a:endParaRPr lang="en-IN" sz="1600" dirty="0"/>
+            </a:p>
+          </p:txBody>
+        </p:sp>
+      </p:grpSp>
+      <p:grpSp>
+        <p:nvGrpSpPr>
+          <p:cNvPr id="41" name="Group 40"/>
+          <p:cNvGrpSpPr/>
+          <p:nvPr/>
+        </p:nvGrpSpPr>
+        <p:grpSpPr>
+          <a:xfrm>
+            <a:off x="5384800" y="182880"/>
+            <a:ext cx="5295900" cy="7741920"/>
+            <a:chOff x="590550" y="106680"/>
+            <a:chExt cx="5753100" cy="7741920"/>
+          </a:xfrm>
+        </p:grpSpPr>
+        <p:sp>
+          <p:nvSpPr>
+            <p:cNvPr id="42" name="Down Arrow 41"/>
+            <p:cNvSpPr/>
+            <p:nvPr/>
+          </p:nvSpPr>
+          <p:spPr>
+            <a:xfrm>
+              <a:off x="3191256" y="4876800"/>
+              <a:ext cx="533400" cy="457200"/>
+            </a:xfrm>
+            <a:prstGeom prst="downArrow">
+              <a:avLst/>
+            </a:prstGeom>
+            <a:gradFill flip="none" rotWithShape="1">
+              <a:gsLst>
+                <a:gs pos="0">
+                  <a:schemeClr val="bg1">
+                    <a:lumMod val="50000"/>
+                    <a:shade val="30000"/>
+                    <a:satMod val="115000"/>
+                  </a:schemeClr>
+                </a:gs>
+                <a:gs pos="50000">
+                  <a:schemeClr val="bg1">
+                    <a:lumMod val="50000"/>
+                    <a:shade val="67500"/>
+                    <a:satMod val="115000"/>
+                  </a:schemeClr>
+                </a:gs>
+                <a:gs pos="100000">
+                  <a:schemeClr val="bg1">
+                    <a:lumMod val="50000"/>
+                    <a:shade val="100000"/>
+                    <a:satMod val="115000"/>
+                  </a:schemeClr>
+                </a:gs>
+              </a:gsLst>
+              <a:lin ang="5400000" scaled="1"/>
+              <a:tileRect/>
+            </a:gradFill>
+            <a:ln>
+              <a:noFill/>
+            </a:ln>
+          </p:spPr>
+          <p:style>
+            <a:lnRef idx="2">
+              <a:schemeClr val="accent1">
+                <a:shade val="50000"/>
+              </a:schemeClr>
+            </a:lnRef>
+            <a:fillRef idx="1">
+              <a:schemeClr val="accent1"/>
+            </a:fillRef>
+            <a:effectRef idx="0">
+              <a:schemeClr val="accent1"/>
+            </a:effectRef>
+            <a:fontRef idx="minor">
+              <a:schemeClr val="lt1"/>
+            </a:fontRef>
+          </p:style>
+          <p:txBody>
+            <a:bodyPr rtlCol="0" anchor="ctr"/>
+            <a:lstStyle/>
+            <a:p>
+              <a:pPr algn="ctr"/>
+              <a:endParaRPr lang="en-IN" sz="1600"/>
+            </a:p>
+          </p:txBody>
+        </p:sp>
+        <p:sp>
+          <p:nvSpPr>
+            <p:cNvPr id="43" name="Down Arrow 42"/>
+            <p:cNvSpPr/>
+            <p:nvPr/>
+          </p:nvSpPr>
+          <p:spPr>
+            <a:xfrm>
+              <a:off x="3200400" y="3810000"/>
+              <a:ext cx="533400" cy="457200"/>
+            </a:xfrm>
+            <a:prstGeom prst="downArrow">
+              <a:avLst/>
+            </a:prstGeom>
+            <a:gradFill flip="none" rotWithShape="1">
+              <a:gsLst>
+                <a:gs pos="0">
+                  <a:schemeClr val="bg1">
+                    <a:lumMod val="50000"/>
+                    <a:shade val="30000"/>
+                    <a:satMod val="115000"/>
+                  </a:schemeClr>
+                </a:gs>
+                <a:gs pos="50000">
+                  <a:schemeClr val="bg1">
+                    <a:lumMod val="50000"/>
+                    <a:shade val="67500"/>
+                    <a:satMod val="115000"/>
+                  </a:schemeClr>
+                </a:gs>
+                <a:gs pos="100000">
+                  <a:schemeClr val="bg1">
+                    <a:lumMod val="50000"/>
+                    <a:shade val="100000"/>
+                    <a:satMod val="115000"/>
+                  </a:schemeClr>
+                </a:gs>
+              </a:gsLst>
+              <a:lin ang="5400000" scaled="1"/>
+              <a:tileRect/>
+            </a:gradFill>
+            <a:ln>
+              <a:noFill/>
+            </a:ln>
+          </p:spPr>
+          <p:style>
+            <a:lnRef idx="2">
+              <a:schemeClr val="accent1">
+                <a:shade val="50000"/>
+              </a:schemeClr>
+            </a:lnRef>
+            <a:fillRef idx="1">
+              <a:schemeClr val="accent1"/>
+            </a:fillRef>
+            <a:effectRef idx="0">
+              <a:schemeClr val="accent1"/>
+            </a:effectRef>
+            <a:fontRef idx="minor">
+              <a:schemeClr val="lt1"/>
+            </a:fontRef>
+          </p:style>
+          <p:txBody>
+            <a:bodyPr rtlCol="0" anchor="ctr"/>
+            <a:lstStyle/>
+            <a:p>
+              <a:pPr algn="ctr"/>
+              <a:endParaRPr lang="en-IN" sz="1600"/>
+            </a:p>
+          </p:txBody>
+        </p:sp>
+        <p:sp>
+          <p:nvSpPr>
+            <p:cNvPr id="44" name="Down Arrow 43"/>
+            <p:cNvSpPr/>
+            <p:nvPr/>
+          </p:nvSpPr>
+          <p:spPr>
+            <a:xfrm>
+              <a:off x="3200400" y="2895600"/>
+              <a:ext cx="533400" cy="457200"/>
+            </a:xfrm>
+            <a:prstGeom prst="downArrow">
+              <a:avLst/>
+            </a:prstGeom>
+            <a:gradFill flip="none" rotWithShape="1">
+              <a:gsLst>
+                <a:gs pos="0">
+                  <a:schemeClr val="bg1">
+                    <a:lumMod val="50000"/>
+                    <a:shade val="30000"/>
+                    <a:satMod val="115000"/>
+                  </a:schemeClr>
+                </a:gs>
+                <a:gs pos="50000">
+                  <a:schemeClr val="bg1">
+                    <a:lumMod val="50000"/>
+                    <a:shade val="67500"/>
+                    <a:satMod val="115000"/>
+                  </a:schemeClr>
+                </a:gs>
+                <a:gs pos="100000">
+                  <a:schemeClr val="bg1">
+                    <a:lumMod val="50000"/>
+                    <a:shade val="100000"/>
+                    <a:satMod val="115000"/>
+                  </a:schemeClr>
+                </a:gs>
+              </a:gsLst>
+              <a:lin ang="5400000" scaled="1"/>
+              <a:tileRect/>
+            </a:gradFill>
+            <a:ln>
+              <a:noFill/>
+            </a:ln>
+          </p:spPr>
+          <p:style>
+            <a:lnRef idx="2">
+              <a:schemeClr val="accent1">
+                <a:shade val="50000"/>
+              </a:schemeClr>
+            </a:lnRef>
+            <a:fillRef idx="1">
+              <a:schemeClr val="accent1"/>
+            </a:fillRef>
+            <a:effectRef idx="0">
+              <a:schemeClr val="accent1"/>
+            </a:effectRef>
+            <a:fontRef idx="minor">
+              <a:schemeClr val="lt1"/>
+            </a:fontRef>
+          </p:style>
+          <p:txBody>
+            <a:bodyPr rtlCol="0" anchor="ctr"/>
+            <a:lstStyle/>
+            <a:p>
+              <a:pPr algn="ctr"/>
+              <a:endParaRPr lang="en-IN" sz="1600"/>
+            </a:p>
+          </p:txBody>
+        </p:sp>
+        <p:sp>
+          <p:nvSpPr>
+            <p:cNvPr id="45" name="Down Arrow 44"/>
+            <p:cNvSpPr/>
+            <p:nvPr/>
+          </p:nvSpPr>
+          <p:spPr>
+            <a:xfrm>
+              <a:off x="3191256" y="381000"/>
+              <a:ext cx="533400" cy="457200"/>
+            </a:xfrm>
+            <a:prstGeom prst="downArrow">
+              <a:avLst/>
+            </a:prstGeom>
+            <a:gradFill flip="none" rotWithShape="1">
+              <a:gsLst>
+                <a:gs pos="0">
+                  <a:schemeClr val="bg1">
+                    <a:lumMod val="50000"/>
+                    <a:shade val="30000"/>
+                    <a:satMod val="115000"/>
+                  </a:schemeClr>
+                </a:gs>
+                <a:gs pos="50000">
+                  <a:schemeClr val="bg1">
+                    <a:lumMod val="50000"/>
+                    <a:shade val="67500"/>
+                    <a:satMod val="115000"/>
+                  </a:schemeClr>
+                </a:gs>
+                <a:gs pos="100000">
+                  <a:schemeClr val="bg1">
+                    <a:lumMod val="50000"/>
+                    <a:shade val="100000"/>
+                    <a:satMod val="115000"/>
+                  </a:schemeClr>
+                </a:gs>
+              </a:gsLst>
+              <a:lin ang="5400000" scaled="1"/>
+              <a:tileRect/>
+            </a:gradFill>
+            <a:ln>
+              <a:noFill/>
+            </a:ln>
+          </p:spPr>
+          <p:style>
+            <a:lnRef idx="2">
+              <a:schemeClr val="accent1">
+                <a:shade val="50000"/>
+              </a:schemeClr>
+            </a:lnRef>
+            <a:fillRef idx="1">
+              <a:schemeClr val="accent1"/>
+            </a:fillRef>
+            <a:effectRef idx="0">
+              <a:schemeClr val="accent1"/>
+            </a:effectRef>
+            <a:fontRef idx="minor">
+              <a:schemeClr val="lt1"/>
+            </a:fontRef>
+          </p:style>
+          <p:txBody>
+            <a:bodyPr rtlCol="0" anchor="ctr"/>
+            <a:lstStyle/>
+            <a:p>
+              <a:pPr algn="ctr"/>
+              <a:endParaRPr lang="en-IN" sz="1600"/>
+            </a:p>
+          </p:txBody>
+        </p:sp>
+        <p:sp>
+          <p:nvSpPr>
+            <p:cNvPr id="46" name="Bent-Up Arrow 45"/>
+            <p:cNvSpPr/>
+            <p:nvPr/>
+          </p:nvSpPr>
+          <p:spPr>
+            <a:xfrm flipH="1" flipV="1">
+              <a:off x="1524000" y="6172200"/>
+              <a:ext cx="1066800" cy="1190244"/>
+            </a:xfrm>
+            <a:prstGeom prst="bentUpArrow">
+              <a:avLst/>
+            </a:prstGeom>
+            <a:gradFill flip="none" rotWithShape="1">
+              <a:gsLst>
+                <a:gs pos="0">
+                  <a:schemeClr val="bg1">
+                    <a:lumMod val="50000"/>
+                    <a:shade val="30000"/>
+                    <a:satMod val="115000"/>
+                  </a:schemeClr>
+                </a:gs>
+                <a:gs pos="50000">
+                  <a:schemeClr val="bg1">
+                    <a:lumMod val="50000"/>
+                    <a:shade val="67500"/>
+                    <a:satMod val="115000"/>
+                  </a:schemeClr>
+                </a:gs>
+                <a:gs pos="100000">
+                  <a:schemeClr val="bg1">
+                    <a:lumMod val="50000"/>
+                    <a:shade val="100000"/>
+                    <a:satMod val="115000"/>
+                  </a:schemeClr>
+                </a:gs>
+              </a:gsLst>
+              <a:lin ang="5400000" scaled="1"/>
+              <a:tileRect/>
+            </a:gradFill>
+            <a:ln>
+              <a:noFill/>
+            </a:ln>
+          </p:spPr>
+          <p:style>
+            <a:lnRef idx="2">
+              <a:schemeClr val="accent1">
+                <a:shade val="50000"/>
+              </a:schemeClr>
+            </a:lnRef>
+            <a:fillRef idx="1">
+              <a:schemeClr val="accent1"/>
+            </a:fillRef>
+            <a:effectRef idx="0">
+              <a:schemeClr val="accent1"/>
+            </a:effectRef>
+            <a:fontRef idx="minor">
+              <a:schemeClr val="lt1"/>
+            </a:fontRef>
+          </p:style>
+          <p:txBody>
+            <a:bodyPr rtlCol="0" anchor="ctr"/>
+            <a:lstStyle/>
+            <a:p>
+              <a:pPr algn="ctr"/>
+              <a:endParaRPr lang="en-IN" sz="1600"/>
+            </a:p>
+          </p:txBody>
+        </p:sp>
+        <p:sp>
+          <p:nvSpPr>
+            <p:cNvPr id="47" name="Bent-Up Arrow 46"/>
+            <p:cNvSpPr/>
+            <p:nvPr/>
+          </p:nvSpPr>
+          <p:spPr>
+            <a:xfrm flipV="1">
+              <a:off x="4343400" y="6172200"/>
+              <a:ext cx="1066800" cy="1266444"/>
+            </a:xfrm>
+            <a:prstGeom prst="bentUpArrow">
+              <a:avLst/>
+            </a:prstGeom>
+            <a:gradFill flip="none" rotWithShape="1">
+              <a:gsLst>
+                <a:gs pos="0">
+                  <a:schemeClr val="bg1">
+                    <a:lumMod val="50000"/>
+                    <a:shade val="30000"/>
+                    <a:satMod val="115000"/>
+                  </a:schemeClr>
+                </a:gs>
+                <a:gs pos="50000">
+                  <a:schemeClr val="bg1">
+                    <a:lumMod val="50000"/>
+                    <a:shade val="67500"/>
+                    <a:satMod val="115000"/>
+                  </a:schemeClr>
+                </a:gs>
+                <a:gs pos="100000">
+                  <a:schemeClr val="bg1">
+                    <a:lumMod val="50000"/>
+                    <a:shade val="100000"/>
+                    <a:satMod val="115000"/>
+                  </a:schemeClr>
+                </a:gs>
+              </a:gsLst>
+              <a:lin ang="5400000" scaled="1"/>
+              <a:tileRect/>
+            </a:gradFill>
+            <a:ln>
+              <a:noFill/>
+            </a:ln>
+          </p:spPr>
+          <p:style>
+            <a:lnRef idx="2">
+              <a:schemeClr val="accent1">
+                <a:shade val="50000"/>
+              </a:schemeClr>
+            </a:lnRef>
+            <a:fillRef idx="1">
+              <a:schemeClr val="accent1"/>
+            </a:fillRef>
+            <a:effectRef idx="0">
+              <a:schemeClr val="accent1"/>
+            </a:effectRef>
+            <a:fontRef idx="minor">
+              <a:schemeClr val="lt1"/>
+            </a:fontRef>
+          </p:style>
+          <p:txBody>
+            <a:bodyPr rtlCol="0" anchor="ctr"/>
+            <a:lstStyle/>
+            <a:p>
+              <a:pPr algn="ctr"/>
+              <a:endParaRPr lang="en-IN" sz="1600"/>
+            </a:p>
+          </p:txBody>
+        </p:sp>
+        <p:sp>
+          <p:nvSpPr>
+            <p:cNvPr id="49" name="Flowchart: Alternate Process 48"/>
+            <p:cNvSpPr/>
+            <p:nvPr/>
+          </p:nvSpPr>
+          <p:spPr>
+            <a:xfrm>
+              <a:off x="3009900" y="106680"/>
+              <a:ext cx="914400" cy="381000"/>
+            </a:xfrm>
+            <a:prstGeom prst="flowChartAlternateProcess">
+              <a:avLst/>
+            </a:prstGeom>
+            <a:gradFill flip="none" rotWithShape="1">
+              <a:gsLst>
+                <a:gs pos="0">
+                  <a:schemeClr val="accent1">
+                    <a:shade val="30000"/>
+                    <a:satMod val="115000"/>
+                  </a:schemeClr>
+                </a:gs>
+                <a:gs pos="50000">
+                  <a:schemeClr val="accent1">
+                    <a:shade val="67500"/>
+                    <a:satMod val="115000"/>
+                  </a:schemeClr>
+                </a:gs>
+                <a:gs pos="100000">
+                  <a:schemeClr val="accent1">
+                    <a:shade val="100000"/>
+                    <a:satMod val="115000"/>
+                  </a:schemeClr>
+                </a:gs>
+              </a:gsLst>
+              <a:lin ang="13500000" scaled="1"/>
+              <a:tileRect/>
+            </a:gradFill>
+            <a:ln>
+              <a:noFill/>
+            </a:ln>
+            <a:effectLst>
+              <a:outerShdw blurRad="50800" dist="38100" dir="5400000" algn="t" rotWithShape="0">
+                <a:prstClr val="black">
+                  <a:alpha val="40000"/>
+                </a:prstClr>
+              </a:outerShdw>
+            </a:effectLst>
+          </p:spPr>
+          <p:style>
+            <a:lnRef idx="2">
+              <a:schemeClr val="accent1">
+                <a:shade val="50000"/>
+              </a:schemeClr>
+            </a:lnRef>
+            <a:fillRef idx="1">
+              <a:schemeClr val="accent1"/>
+            </a:fillRef>
+            <a:effectRef idx="0">
+              <a:schemeClr val="accent1"/>
+            </a:effectRef>
+            <a:fontRef idx="minor">
+              <a:schemeClr val="lt1"/>
+            </a:fontRef>
+          </p:style>
+          <p:txBody>
+            <a:bodyPr rtlCol="0" anchor="ctr"/>
+            <a:lstStyle/>
+            <a:p>
+              <a:pPr algn="ctr"/>
+              <a:r>
+                <a:rPr lang="en-IN" sz="1600" dirty="0" smtClean="0"/>
+                <a:t>Start</a:t>
+              </a:r>
+              <a:endParaRPr lang="en-IN" sz="1600" dirty="0"/>
+            </a:p>
+          </p:txBody>
+        </p:sp>
+        <p:sp>
+          <p:nvSpPr>
+            <p:cNvPr id="51" name="Rectangle 50"/>
+            <p:cNvSpPr/>
+            <p:nvPr/>
+          </p:nvSpPr>
+          <p:spPr>
+            <a:xfrm>
+              <a:off x="1524000" y="914400"/>
+              <a:ext cx="3886200" cy="2057400"/>
+            </a:xfrm>
+            <a:prstGeom prst="rect">
+              <a:avLst/>
+            </a:prstGeom>
+            <a:gradFill flip="none" rotWithShape="1">
+              <a:gsLst>
+                <a:gs pos="0">
+                  <a:schemeClr val="accent1">
+                    <a:shade val="30000"/>
+                    <a:satMod val="115000"/>
+                  </a:schemeClr>
+                </a:gs>
+                <a:gs pos="50000">
+                  <a:schemeClr val="accent1">
+                    <a:shade val="67500"/>
+                    <a:satMod val="115000"/>
+                  </a:schemeClr>
+                </a:gs>
+                <a:gs pos="100000">
+                  <a:schemeClr val="accent1">
+                    <a:shade val="100000"/>
+                    <a:satMod val="115000"/>
+                  </a:schemeClr>
+                </a:gs>
+              </a:gsLst>
+              <a:lin ang="13500000" scaled="1"/>
+              <a:tileRect/>
+            </a:gradFill>
+            <a:ln>
+              <a:noFill/>
+            </a:ln>
+            <a:effectLst>
+              <a:outerShdw blurRad="50800" dist="38100" dir="5400000" algn="t" rotWithShape="0">
+                <a:prstClr val="black">
+                  <a:alpha val="40000"/>
+                </a:prstClr>
+              </a:outerShdw>
+            </a:effectLst>
+          </p:spPr>
+          <p:style>
+            <a:lnRef idx="2">
+              <a:schemeClr val="accent1">
+                <a:shade val="50000"/>
+              </a:schemeClr>
+            </a:lnRef>
+            <a:fillRef idx="1">
+              <a:schemeClr val="accent1"/>
+            </a:fillRef>
+            <a:effectRef idx="0">
+              <a:schemeClr val="accent1"/>
+            </a:effectRef>
+            <a:fontRef idx="minor">
+              <a:schemeClr val="lt1"/>
+            </a:fontRef>
+          </p:style>
+          <p:txBody>
+            <a:bodyPr rtlCol="0" anchor="ctr"/>
+            <a:lstStyle/>
+            <a:p>
+              <a:r>
+                <a:rPr lang="en-IN" sz="1600" dirty="0" smtClean="0"/>
+                <a:t>Send the Following Details to the Server:</a:t>
+              </a:r>
+            </a:p>
+            <a:p>
+              <a:pPr marL="342900" indent="-342900">
+                <a:buAutoNum type="arabicPeriod"/>
+              </a:pPr>
+              <a:r>
+                <a:rPr lang="en-IN" sz="1600" dirty="0" smtClean="0"/>
+                <a:t>Researcher </a:t>
+              </a:r>
+              <a:r>
+                <a:rPr lang="en-IN" sz="1600" dirty="0" smtClean="0"/>
+                <a:t>ID</a:t>
+              </a:r>
+            </a:p>
+            <a:p>
+              <a:endParaRPr lang="en-IN" sz="1600" dirty="0" smtClean="0"/>
+            </a:p>
+          </p:txBody>
+        </p:sp>
+        <p:sp>
+          <p:nvSpPr>
+            <p:cNvPr id="52" name="Rectangle 51"/>
+            <p:cNvSpPr/>
+            <p:nvPr/>
+          </p:nvSpPr>
+          <p:spPr>
+            <a:xfrm>
+              <a:off x="1524000" y="3429000"/>
+              <a:ext cx="3886200" cy="457200"/>
+            </a:xfrm>
+            <a:prstGeom prst="rect">
+              <a:avLst/>
+            </a:prstGeom>
+            <a:gradFill flip="none" rotWithShape="1">
+              <a:gsLst>
+                <a:gs pos="0">
+                  <a:schemeClr val="accent1">
+                    <a:shade val="30000"/>
+                    <a:satMod val="115000"/>
+                  </a:schemeClr>
+                </a:gs>
+                <a:gs pos="50000">
+                  <a:schemeClr val="accent1">
+                    <a:shade val="67500"/>
+                    <a:satMod val="115000"/>
+                  </a:schemeClr>
+                </a:gs>
+                <a:gs pos="100000">
+                  <a:schemeClr val="accent1">
+                    <a:shade val="100000"/>
+                    <a:satMod val="115000"/>
+                  </a:schemeClr>
+                </a:gs>
+              </a:gsLst>
+              <a:lin ang="13500000" scaled="1"/>
+              <a:tileRect/>
+            </a:gradFill>
+            <a:ln>
+              <a:noFill/>
+            </a:ln>
+            <a:effectLst>
+              <a:outerShdw blurRad="50800" dist="38100" dir="5400000" algn="t" rotWithShape="0">
+                <a:prstClr val="black">
+                  <a:alpha val="40000"/>
+                </a:prstClr>
+              </a:outerShdw>
+            </a:effectLst>
+          </p:spPr>
+          <p:style>
+            <a:lnRef idx="2">
+              <a:schemeClr val="accent1">
+                <a:shade val="50000"/>
+              </a:schemeClr>
+            </a:lnRef>
+            <a:fillRef idx="1">
+              <a:schemeClr val="accent1"/>
+            </a:fillRef>
+            <a:effectRef idx="0">
+              <a:schemeClr val="accent1"/>
+            </a:effectRef>
+            <a:fontRef idx="minor">
+              <a:schemeClr val="lt1"/>
+            </a:fontRef>
+          </p:style>
+          <p:txBody>
+            <a:bodyPr rtlCol="0" anchor="ctr"/>
+            <a:lstStyle/>
+            <a:p>
+              <a:r>
+                <a:rPr lang="en-IN" sz="1600" dirty="0" smtClean="0"/>
+                <a:t>Access the </a:t>
+              </a:r>
+              <a:r>
+                <a:rPr lang="en-IN" sz="1600" dirty="0" smtClean="0"/>
+                <a:t>Sent Details </a:t>
+              </a:r>
+              <a:r>
+                <a:rPr lang="en-IN" sz="1600" dirty="0" smtClean="0"/>
+                <a:t>in the </a:t>
+              </a:r>
+              <a:r>
+                <a:rPr lang="en-IN" sz="1600" dirty="0" smtClean="0"/>
+                <a:t>Server.</a:t>
+              </a:r>
+              <a:endParaRPr lang="en-IN" sz="1600" dirty="0" smtClean="0"/>
+            </a:p>
+          </p:txBody>
+        </p:sp>
+        <p:sp>
+          <p:nvSpPr>
+            <p:cNvPr id="53" name="Rectangle 52"/>
+            <p:cNvSpPr/>
+            <p:nvPr/>
+          </p:nvSpPr>
+          <p:spPr>
+            <a:xfrm>
+              <a:off x="1524000" y="4343400"/>
+              <a:ext cx="3886200" cy="609600"/>
+            </a:xfrm>
+            <a:prstGeom prst="rect">
+              <a:avLst/>
+            </a:prstGeom>
+            <a:gradFill flip="none" rotWithShape="1">
+              <a:gsLst>
+                <a:gs pos="0">
+                  <a:schemeClr val="accent1">
+                    <a:shade val="30000"/>
+                    <a:satMod val="115000"/>
+                  </a:schemeClr>
+                </a:gs>
+                <a:gs pos="50000">
+                  <a:schemeClr val="accent1">
+                    <a:shade val="67500"/>
+                    <a:satMod val="115000"/>
+                  </a:schemeClr>
+                </a:gs>
+                <a:gs pos="100000">
+                  <a:schemeClr val="accent1">
+                    <a:shade val="100000"/>
+                    <a:satMod val="115000"/>
+                  </a:schemeClr>
+                </a:gs>
+              </a:gsLst>
+              <a:lin ang="13500000" scaled="1"/>
+              <a:tileRect/>
+            </a:gradFill>
+            <a:ln>
+              <a:noFill/>
+            </a:ln>
+            <a:effectLst>
+              <a:outerShdw blurRad="50800" dist="38100" dir="5400000" algn="t" rotWithShape="0">
+                <a:prstClr val="black">
+                  <a:alpha val="40000"/>
+                </a:prstClr>
+              </a:outerShdw>
+            </a:effectLst>
+          </p:spPr>
+          <p:style>
+            <a:lnRef idx="2">
+              <a:schemeClr val="accent1">
+                <a:shade val="50000"/>
+              </a:schemeClr>
+            </a:lnRef>
+            <a:fillRef idx="1">
+              <a:schemeClr val="accent1"/>
+            </a:fillRef>
+            <a:effectRef idx="0">
+              <a:schemeClr val="accent1"/>
+            </a:effectRef>
+            <a:fontRef idx="minor">
+              <a:schemeClr val="lt1"/>
+            </a:fontRef>
+          </p:style>
+          <p:txBody>
+            <a:bodyPr rtlCol="0" anchor="ctr"/>
+            <a:lstStyle/>
+            <a:p>
+              <a:r>
+                <a:rPr lang="en-IN" sz="1600" dirty="0" smtClean="0"/>
+                <a:t>Fetch all the Notes with that Researcher ID from the Database.</a:t>
+              </a:r>
+              <a:endParaRPr lang="en-IN" sz="1600" dirty="0" smtClean="0"/>
+            </a:p>
+          </p:txBody>
+        </p:sp>
+        <p:sp>
+          <p:nvSpPr>
+            <p:cNvPr id="54" name="Flowchart: Alternate Process 53"/>
+            <p:cNvSpPr/>
+            <p:nvPr/>
+          </p:nvSpPr>
+          <p:spPr>
+            <a:xfrm>
+              <a:off x="590550" y="7438644"/>
+              <a:ext cx="2419350" cy="381000"/>
+            </a:xfrm>
+            <a:prstGeom prst="flowChartAlternateProcess">
+              <a:avLst/>
+            </a:prstGeom>
+            <a:gradFill flip="none" rotWithShape="1">
+              <a:gsLst>
+                <a:gs pos="0">
+                  <a:schemeClr val="accent1">
+                    <a:shade val="30000"/>
+                    <a:satMod val="115000"/>
+                  </a:schemeClr>
+                </a:gs>
+                <a:gs pos="50000">
+                  <a:schemeClr val="accent1">
+                    <a:shade val="67500"/>
+                    <a:satMod val="115000"/>
+                  </a:schemeClr>
+                </a:gs>
+                <a:gs pos="100000">
+                  <a:schemeClr val="accent1">
+                    <a:shade val="100000"/>
+                    <a:satMod val="115000"/>
+                  </a:schemeClr>
+                </a:gs>
+              </a:gsLst>
+              <a:lin ang="13500000" scaled="1"/>
+              <a:tileRect/>
+            </a:gradFill>
+            <a:ln>
+              <a:noFill/>
+            </a:ln>
+            <a:effectLst>
+              <a:outerShdw blurRad="50800" dist="38100" dir="5400000" algn="t" rotWithShape="0">
+                <a:prstClr val="black">
+                  <a:alpha val="40000"/>
+                </a:prstClr>
+              </a:outerShdw>
+            </a:effectLst>
+          </p:spPr>
+          <p:style>
+            <a:lnRef idx="2">
+              <a:schemeClr val="accent1">
+                <a:shade val="50000"/>
+              </a:schemeClr>
+            </a:lnRef>
+            <a:fillRef idx="1">
+              <a:schemeClr val="accent1"/>
+            </a:fillRef>
+            <a:effectRef idx="0">
+              <a:schemeClr val="accent1"/>
+            </a:effectRef>
+            <a:fontRef idx="minor">
+              <a:schemeClr val="lt1"/>
+            </a:fontRef>
+          </p:style>
+          <p:txBody>
+            <a:bodyPr rtlCol="0" anchor="ctr"/>
+            <a:lstStyle/>
+            <a:p>
+              <a:pPr algn="ctr"/>
+              <a:r>
+                <a:rPr lang="en-IN" sz="1600" dirty="0"/>
+                <a:t>Return “</a:t>
+              </a:r>
+              <a:r>
+                <a:rPr lang="en-IN" sz="1600" b="1" dirty="0">
+                  <a:solidFill>
+                    <a:schemeClr val="accent3">
+                      <a:lumMod val="60000"/>
+                      <a:lumOff val="40000"/>
+                    </a:schemeClr>
+                  </a:solidFill>
+                </a:rPr>
+                <a:t>Success</a:t>
+              </a:r>
+              <a:r>
+                <a:rPr lang="en-IN" sz="1600" dirty="0"/>
+                <a:t>”</a:t>
+              </a:r>
+              <a:endParaRPr lang="en-IN" sz="1600" dirty="0"/>
+            </a:p>
+          </p:txBody>
+        </p:sp>
+        <p:sp>
+          <p:nvSpPr>
+            <p:cNvPr id="55" name="Flowchart: Alternate Process 54"/>
+            <p:cNvSpPr/>
+            <p:nvPr/>
+          </p:nvSpPr>
+          <p:spPr>
+            <a:xfrm>
+              <a:off x="3924300" y="7467600"/>
+              <a:ext cx="2419350" cy="381000"/>
+            </a:xfrm>
+            <a:prstGeom prst="flowChartAlternateProcess">
+              <a:avLst/>
+            </a:prstGeom>
+            <a:gradFill flip="none" rotWithShape="1">
+              <a:gsLst>
+                <a:gs pos="0">
+                  <a:schemeClr val="accent1">
+                    <a:shade val="30000"/>
+                    <a:satMod val="115000"/>
+                  </a:schemeClr>
+                </a:gs>
+                <a:gs pos="50000">
+                  <a:schemeClr val="accent1">
+                    <a:shade val="67500"/>
+                    <a:satMod val="115000"/>
+                  </a:schemeClr>
+                </a:gs>
+                <a:gs pos="100000">
+                  <a:schemeClr val="accent1">
+                    <a:shade val="100000"/>
+                    <a:satMod val="115000"/>
+                  </a:schemeClr>
+                </a:gs>
+              </a:gsLst>
+              <a:lin ang="13500000" scaled="1"/>
+              <a:tileRect/>
+            </a:gradFill>
+            <a:ln>
+              <a:noFill/>
+            </a:ln>
+            <a:effectLst>
+              <a:outerShdw blurRad="50800" dist="38100" dir="5400000" algn="t" rotWithShape="0">
+                <a:prstClr val="black">
+                  <a:alpha val="40000"/>
+                </a:prstClr>
+              </a:outerShdw>
+            </a:effectLst>
+          </p:spPr>
+          <p:style>
+            <a:lnRef idx="2">
+              <a:schemeClr val="accent1">
+                <a:shade val="50000"/>
+              </a:schemeClr>
+            </a:lnRef>
+            <a:fillRef idx="1">
+              <a:schemeClr val="accent1"/>
+            </a:fillRef>
+            <a:effectRef idx="0">
+              <a:schemeClr val="accent1"/>
+            </a:effectRef>
+            <a:fontRef idx="minor">
+              <a:schemeClr val="lt1"/>
+            </a:fontRef>
+          </p:style>
+          <p:txBody>
+            <a:bodyPr rtlCol="0" anchor="ctr"/>
+            <a:lstStyle/>
+            <a:p>
+              <a:pPr algn="ctr"/>
+              <a:r>
+                <a:rPr lang="en-IN" sz="1600" dirty="0"/>
+                <a:t>Return “</a:t>
+              </a:r>
+              <a:r>
+                <a:rPr lang="en-IN" sz="1600" b="1" dirty="0">
+                  <a:solidFill>
+                    <a:schemeClr val="accent2">
+                      <a:lumMod val="20000"/>
+                      <a:lumOff val="80000"/>
+                    </a:schemeClr>
+                  </a:solidFill>
+                </a:rPr>
+                <a:t>Failure</a:t>
+              </a:r>
+              <a:r>
+                <a:rPr lang="en-IN" sz="1600" dirty="0"/>
+                <a:t>”</a:t>
+              </a:r>
+              <a:endParaRPr lang="en-IN" sz="1600" dirty="0"/>
+            </a:p>
+          </p:txBody>
+        </p:sp>
+        <p:sp>
+          <p:nvSpPr>
+            <p:cNvPr id="56" name="Flowchart: Decision 55"/>
+            <p:cNvSpPr/>
+            <p:nvPr/>
+          </p:nvSpPr>
+          <p:spPr>
+            <a:xfrm>
+              <a:off x="2159508" y="5434584"/>
+              <a:ext cx="2590800" cy="1722120"/>
+            </a:xfrm>
+            <a:prstGeom prst="flowChartDecision">
+              <a:avLst/>
+            </a:prstGeom>
+            <a:gradFill flip="none" rotWithShape="1">
+              <a:gsLst>
+                <a:gs pos="0">
+                  <a:schemeClr val="accent1">
+                    <a:shade val="30000"/>
+                    <a:satMod val="115000"/>
+                  </a:schemeClr>
+                </a:gs>
+                <a:gs pos="50000">
+                  <a:schemeClr val="accent1">
+                    <a:shade val="67500"/>
+                    <a:satMod val="115000"/>
+                  </a:schemeClr>
+                </a:gs>
+                <a:gs pos="100000">
+                  <a:schemeClr val="accent1">
+                    <a:shade val="100000"/>
+                    <a:satMod val="115000"/>
+                  </a:schemeClr>
+                </a:gs>
+              </a:gsLst>
+              <a:lin ang="13500000" scaled="1"/>
+              <a:tileRect/>
+            </a:gradFill>
+            <a:ln>
+              <a:noFill/>
+            </a:ln>
+            <a:effectLst>
+              <a:outerShdw blurRad="50800" dist="38100" dir="5400000" algn="t" rotWithShape="0">
+                <a:prstClr val="black">
+                  <a:alpha val="40000"/>
+                </a:prstClr>
+              </a:outerShdw>
+            </a:effectLst>
+          </p:spPr>
+          <p:style>
+            <a:lnRef idx="2">
+              <a:schemeClr val="accent1">
+                <a:shade val="50000"/>
+              </a:schemeClr>
+            </a:lnRef>
+            <a:fillRef idx="1">
+              <a:schemeClr val="accent1"/>
+            </a:fillRef>
+            <a:effectRef idx="0">
+              <a:schemeClr val="accent1"/>
+            </a:effectRef>
+            <a:fontRef idx="minor">
+              <a:schemeClr val="lt1"/>
+            </a:fontRef>
+          </p:style>
+          <p:txBody>
+            <a:bodyPr rtlCol="0" anchor="ctr"/>
+            <a:lstStyle/>
+            <a:p>
+              <a:pPr algn="ctr"/>
+              <a:r>
+                <a:rPr lang="en-IN" sz="1600" dirty="0" smtClean="0"/>
+                <a:t>DB Request Successful?</a:t>
+              </a:r>
+              <a:endParaRPr lang="en-IN" sz="1600" dirty="0"/>
+            </a:p>
+          </p:txBody>
+        </p:sp>
+      </p:grpSp>
+      <p:grpSp>
+        <p:nvGrpSpPr>
+          <p:cNvPr id="57" name="Group 56"/>
+          <p:cNvGrpSpPr/>
+          <p:nvPr/>
+        </p:nvGrpSpPr>
+        <p:grpSpPr>
+          <a:xfrm>
+            <a:off x="10909300" y="228600"/>
+            <a:ext cx="5295900" cy="7741920"/>
+            <a:chOff x="590550" y="106680"/>
+            <a:chExt cx="5753100" cy="7741920"/>
+          </a:xfrm>
+        </p:grpSpPr>
+        <p:sp>
+          <p:nvSpPr>
+            <p:cNvPr id="58" name="Down Arrow 57"/>
+            <p:cNvSpPr/>
+            <p:nvPr/>
+          </p:nvSpPr>
+          <p:spPr>
+            <a:xfrm>
+              <a:off x="3191256" y="4876800"/>
+              <a:ext cx="533400" cy="457200"/>
+            </a:xfrm>
+            <a:prstGeom prst="downArrow">
+              <a:avLst/>
+            </a:prstGeom>
+            <a:gradFill flip="none" rotWithShape="1">
+              <a:gsLst>
+                <a:gs pos="0">
+                  <a:schemeClr val="bg1">
+                    <a:lumMod val="50000"/>
+                    <a:shade val="30000"/>
+                    <a:satMod val="115000"/>
+                  </a:schemeClr>
+                </a:gs>
+                <a:gs pos="50000">
+                  <a:schemeClr val="bg1">
+                    <a:lumMod val="50000"/>
+                    <a:shade val="67500"/>
+                    <a:satMod val="115000"/>
+                  </a:schemeClr>
+                </a:gs>
+                <a:gs pos="100000">
+                  <a:schemeClr val="bg1">
+                    <a:lumMod val="50000"/>
+                    <a:shade val="100000"/>
+                    <a:satMod val="115000"/>
+                  </a:schemeClr>
+                </a:gs>
+              </a:gsLst>
+              <a:lin ang="5400000" scaled="1"/>
+              <a:tileRect/>
+            </a:gradFill>
+            <a:ln>
+              <a:noFill/>
+            </a:ln>
+          </p:spPr>
+          <p:style>
+            <a:lnRef idx="2">
+              <a:schemeClr val="accent1">
+                <a:shade val="50000"/>
+              </a:schemeClr>
+            </a:lnRef>
+            <a:fillRef idx="1">
+              <a:schemeClr val="accent1"/>
+            </a:fillRef>
+            <a:effectRef idx="0">
+              <a:schemeClr val="accent1"/>
+            </a:effectRef>
+            <a:fontRef idx="minor">
+              <a:schemeClr val="lt1"/>
+            </a:fontRef>
+          </p:style>
+          <p:txBody>
+            <a:bodyPr rtlCol="0" anchor="ctr"/>
+            <a:lstStyle/>
+            <a:p>
+              <a:pPr algn="ctr"/>
+              <a:endParaRPr lang="en-IN" sz="1600"/>
+            </a:p>
+          </p:txBody>
+        </p:sp>
+        <p:sp>
+          <p:nvSpPr>
+            <p:cNvPr id="59" name="Down Arrow 58"/>
+            <p:cNvSpPr/>
+            <p:nvPr/>
+          </p:nvSpPr>
+          <p:spPr>
+            <a:xfrm>
+              <a:off x="3200400" y="3810000"/>
+              <a:ext cx="533400" cy="457200"/>
+            </a:xfrm>
+            <a:prstGeom prst="downArrow">
+              <a:avLst/>
+            </a:prstGeom>
+            <a:gradFill flip="none" rotWithShape="1">
+              <a:gsLst>
+                <a:gs pos="0">
+                  <a:schemeClr val="bg1">
+                    <a:lumMod val="50000"/>
+                    <a:shade val="30000"/>
+                    <a:satMod val="115000"/>
+                  </a:schemeClr>
+                </a:gs>
+                <a:gs pos="50000">
+                  <a:schemeClr val="bg1">
+                    <a:lumMod val="50000"/>
+                    <a:shade val="67500"/>
+                    <a:satMod val="115000"/>
+                  </a:schemeClr>
+                </a:gs>
+                <a:gs pos="100000">
+                  <a:schemeClr val="bg1">
+                    <a:lumMod val="50000"/>
+                    <a:shade val="100000"/>
+                    <a:satMod val="115000"/>
+                  </a:schemeClr>
+                </a:gs>
+              </a:gsLst>
+              <a:lin ang="5400000" scaled="1"/>
+              <a:tileRect/>
+            </a:gradFill>
+            <a:ln>
+              <a:noFill/>
+            </a:ln>
+          </p:spPr>
+          <p:style>
+            <a:lnRef idx="2">
+              <a:schemeClr val="accent1">
+                <a:shade val="50000"/>
+              </a:schemeClr>
+            </a:lnRef>
+            <a:fillRef idx="1">
+              <a:schemeClr val="accent1"/>
+            </a:fillRef>
+            <a:effectRef idx="0">
+              <a:schemeClr val="accent1"/>
+            </a:effectRef>
+            <a:fontRef idx="minor">
+              <a:schemeClr val="lt1"/>
+            </a:fontRef>
+          </p:style>
+          <p:txBody>
+            <a:bodyPr rtlCol="0" anchor="ctr"/>
+            <a:lstStyle/>
+            <a:p>
+              <a:pPr algn="ctr"/>
+              <a:endParaRPr lang="en-IN" sz="1600"/>
+            </a:p>
+          </p:txBody>
+        </p:sp>
+        <p:sp>
+          <p:nvSpPr>
+            <p:cNvPr id="60" name="Down Arrow 59"/>
+            <p:cNvSpPr/>
+            <p:nvPr/>
+          </p:nvSpPr>
+          <p:spPr>
+            <a:xfrm>
+              <a:off x="3200400" y="2895600"/>
+              <a:ext cx="533400" cy="457200"/>
+            </a:xfrm>
+            <a:prstGeom prst="downArrow">
+              <a:avLst/>
+            </a:prstGeom>
+            <a:gradFill flip="none" rotWithShape="1">
+              <a:gsLst>
+                <a:gs pos="0">
+                  <a:schemeClr val="bg1">
+                    <a:lumMod val="50000"/>
+                    <a:shade val="30000"/>
+                    <a:satMod val="115000"/>
+                  </a:schemeClr>
+                </a:gs>
+                <a:gs pos="50000">
+                  <a:schemeClr val="bg1">
+                    <a:lumMod val="50000"/>
+                    <a:shade val="67500"/>
+                    <a:satMod val="115000"/>
+                  </a:schemeClr>
+                </a:gs>
+                <a:gs pos="100000">
+                  <a:schemeClr val="bg1">
+                    <a:lumMod val="50000"/>
+                    <a:shade val="100000"/>
+                    <a:satMod val="115000"/>
+                  </a:schemeClr>
+                </a:gs>
+              </a:gsLst>
+              <a:lin ang="5400000" scaled="1"/>
+              <a:tileRect/>
+            </a:gradFill>
+            <a:ln>
+              <a:noFill/>
+            </a:ln>
+          </p:spPr>
+          <p:style>
+            <a:lnRef idx="2">
+              <a:schemeClr val="accent1">
+                <a:shade val="50000"/>
+              </a:schemeClr>
+            </a:lnRef>
+            <a:fillRef idx="1">
+              <a:schemeClr val="accent1"/>
+            </a:fillRef>
+            <a:effectRef idx="0">
+              <a:schemeClr val="accent1"/>
+            </a:effectRef>
+            <a:fontRef idx="minor">
+              <a:schemeClr val="lt1"/>
+            </a:fontRef>
+          </p:style>
+          <p:txBody>
+            <a:bodyPr rtlCol="0" anchor="ctr"/>
+            <a:lstStyle/>
+            <a:p>
+              <a:pPr algn="ctr"/>
+              <a:endParaRPr lang="en-IN" sz="1600"/>
+            </a:p>
+          </p:txBody>
+        </p:sp>
+        <p:sp>
+          <p:nvSpPr>
+            <p:cNvPr id="61" name="Down Arrow 60"/>
+            <p:cNvSpPr/>
+            <p:nvPr/>
+          </p:nvSpPr>
+          <p:spPr>
+            <a:xfrm>
+              <a:off x="3191256" y="381000"/>
+              <a:ext cx="533400" cy="457200"/>
+            </a:xfrm>
+            <a:prstGeom prst="downArrow">
+              <a:avLst/>
+            </a:prstGeom>
+            <a:gradFill flip="none" rotWithShape="1">
+              <a:gsLst>
+                <a:gs pos="0">
+                  <a:schemeClr val="bg1">
+                    <a:lumMod val="50000"/>
+                    <a:shade val="30000"/>
+                    <a:satMod val="115000"/>
+                  </a:schemeClr>
+                </a:gs>
+                <a:gs pos="50000">
+                  <a:schemeClr val="bg1">
+                    <a:lumMod val="50000"/>
+                    <a:shade val="67500"/>
+                    <a:satMod val="115000"/>
+                  </a:schemeClr>
+                </a:gs>
+                <a:gs pos="100000">
+                  <a:schemeClr val="bg1">
+                    <a:lumMod val="50000"/>
+                    <a:shade val="100000"/>
+                    <a:satMod val="115000"/>
+                  </a:schemeClr>
+                </a:gs>
+              </a:gsLst>
+              <a:lin ang="5400000" scaled="1"/>
+              <a:tileRect/>
+            </a:gradFill>
+            <a:ln>
+              <a:noFill/>
+            </a:ln>
+          </p:spPr>
+          <p:style>
+            <a:lnRef idx="2">
+              <a:schemeClr val="accent1">
+                <a:shade val="50000"/>
+              </a:schemeClr>
+            </a:lnRef>
+            <a:fillRef idx="1">
+              <a:schemeClr val="accent1"/>
+            </a:fillRef>
+            <a:effectRef idx="0">
+              <a:schemeClr val="accent1"/>
+            </a:effectRef>
+            <a:fontRef idx="minor">
+              <a:schemeClr val="lt1"/>
+            </a:fontRef>
+          </p:style>
+          <p:txBody>
+            <a:bodyPr rtlCol="0" anchor="ctr"/>
+            <a:lstStyle/>
+            <a:p>
+              <a:pPr algn="ctr"/>
+              <a:endParaRPr lang="en-IN" sz="1600"/>
+            </a:p>
+          </p:txBody>
+        </p:sp>
+        <p:sp>
+          <p:nvSpPr>
+            <p:cNvPr id="62" name="Bent-Up Arrow 61"/>
+            <p:cNvSpPr/>
+            <p:nvPr/>
+          </p:nvSpPr>
+          <p:spPr>
+            <a:xfrm flipH="1" flipV="1">
+              <a:off x="1524000" y="6172200"/>
+              <a:ext cx="1066800" cy="1190244"/>
+            </a:xfrm>
+            <a:prstGeom prst="bentUpArrow">
+              <a:avLst/>
+            </a:prstGeom>
+            <a:gradFill flip="none" rotWithShape="1">
+              <a:gsLst>
+                <a:gs pos="0">
+                  <a:schemeClr val="bg1">
+                    <a:lumMod val="50000"/>
+                    <a:shade val="30000"/>
+                    <a:satMod val="115000"/>
+                  </a:schemeClr>
+                </a:gs>
+                <a:gs pos="50000">
+                  <a:schemeClr val="bg1">
+                    <a:lumMod val="50000"/>
+                    <a:shade val="67500"/>
+                    <a:satMod val="115000"/>
+                  </a:schemeClr>
+                </a:gs>
+                <a:gs pos="100000">
+                  <a:schemeClr val="bg1">
+                    <a:lumMod val="50000"/>
+                    <a:shade val="100000"/>
+                    <a:satMod val="115000"/>
+                  </a:schemeClr>
+                </a:gs>
+              </a:gsLst>
+              <a:lin ang="5400000" scaled="1"/>
+              <a:tileRect/>
+            </a:gradFill>
+            <a:ln>
+              <a:noFill/>
+            </a:ln>
+          </p:spPr>
+          <p:style>
+            <a:lnRef idx="2">
+              <a:schemeClr val="accent1">
+                <a:shade val="50000"/>
+              </a:schemeClr>
+            </a:lnRef>
+            <a:fillRef idx="1">
+              <a:schemeClr val="accent1"/>
+            </a:fillRef>
+            <a:effectRef idx="0">
+              <a:schemeClr val="accent1"/>
+            </a:effectRef>
+            <a:fontRef idx="minor">
+              <a:schemeClr val="lt1"/>
+            </a:fontRef>
+          </p:style>
+          <p:txBody>
+            <a:bodyPr rtlCol="0" anchor="ctr"/>
+            <a:lstStyle/>
+            <a:p>
+              <a:pPr algn="ctr"/>
+              <a:endParaRPr lang="en-IN" sz="1600"/>
+            </a:p>
+          </p:txBody>
+        </p:sp>
+        <p:sp>
+          <p:nvSpPr>
+            <p:cNvPr id="63" name="Bent-Up Arrow 62"/>
+            <p:cNvSpPr/>
+            <p:nvPr/>
+          </p:nvSpPr>
+          <p:spPr>
+            <a:xfrm flipV="1">
+              <a:off x="4343400" y="6172200"/>
+              <a:ext cx="1066800" cy="1266444"/>
+            </a:xfrm>
+            <a:prstGeom prst="bentUpArrow">
+              <a:avLst/>
+            </a:prstGeom>
+            <a:gradFill flip="none" rotWithShape="1">
+              <a:gsLst>
+                <a:gs pos="0">
+                  <a:schemeClr val="bg1">
+                    <a:lumMod val="50000"/>
+                    <a:shade val="30000"/>
+                    <a:satMod val="115000"/>
+                  </a:schemeClr>
+                </a:gs>
+                <a:gs pos="50000">
+                  <a:schemeClr val="bg1">
+                    <a:lumMod val="50000"/>
+                    <a:shade val="67500"/>
+                    <a:satMod val="115000"/>
+                  </a:schemeClr>
+                </a:gs>
+                <a:gs pos="100000">
+                  <a:schemeClr val="bg1">
+                    <a:lumMod val="50000"/>
+                    <a:shade val="100000"/>
+                    <a:satMod val="115000"/>
+                  </a:schemeClr>
+                </a:gs>
+              </a:gsLst>
+              <a:lin ang="5400000" scaled="1"/>
+              <a:tileRect/>
+            </a:gradFill>
+            <a:ln>
+              <a:noFill/>
+            </a:ln>
+          </p:spPr>
+          <p:style>
+            <a:lnRef idx="2">
+              <a:schemeClr val="accent1">
+                <a:shade val="50000"/>
+              </a:schemeClr>
+            </a:lnRef>
+            <a:fillRef idx="1">
+              <a:schemeClr val="accent1"/>
+            </a:fillRef>
+            <a:effectRef idx="0">
+              <a:schemeClr val="accent1"/>
+            </a:effectRef>
+            <a:fontRef idx="minor">
+              <a:schemeClr val="lt1"/>
+            </a:fontRef>
+          </p:style>
+          <p:txBody>
+            <a:bodyPr rtlCol="0" anchor="ctr"/>
+            <a:lstStyle/>
+            <a:p>
+              <a:pPr algn="ctr"/>
+              <a:endParaRPr lang="en-IN" sz="1600"/>
+            </a:p>
+          </p:txBody>
+        </p:sp>
+        <p:sp>
+          <p:nvSpPr>
+            <p:cNvPr id="64" name="Flowchart: Alternate Process 63"/>
+            <p:cNvSpPr/>
+            <p:nvPr/>
+          </p:nvSpPr>
+          <p:spPr>
+            <a:xfrm>
+              <a:off x="3009900" y="106680"/>
+              <a:ext cx="914400" cy="381000"/>
+            </a:xfrm>
+            <a:prstGeom prst="flowChartAlternateProcess">
+              <a:avLst/>
+            </a:prstGeom>
+            <a:gradFill flip="none" rotWithShape="1">
+              <a:gsLst>
+                <a:gs pos="0">
+                  <a:schemeClr val="accent1">
+                    <a:shade val="30000"/>
+                    <a:satMod val="115000"/>
+                  </a:schemeClr>
+                </a:gs>
+                <a:gs pos="50000">
+                  <a:schemeClr val="accent1">
+                    <a:shade val="67500"/>
+                    <a:satMod val="115000"/>
+                  </a:schemeClr>
+                </a:gs>
+                <a:gs pos="100000">
+                  <a:schemeClr val="accent1">
+                    <a:shade val="100000"/>
+                    <a:satMod val="115000"/>
+                  </a:schemeClr>
+                </a:gs>
+              </a:gsLst>
+              <a:lin ang="13500000" scaled="1"/>
+              <a:tileRect/>
+            </a:gradFill>
+            <a:ln>
+              <a:noFill/>
+            </a:ln>
+            <a:effectLst>
+              <a:outerShdw blurRad="50800" dist="38100" dir="5400000" algn="t" rotWithShape="0">
+                <a:prstClr val="black">
+                  <a:alpha val="40000"/>
+                </a:prstClr>
+              </a:outerShdw>
+            </a:effectLst>
+          </p:spPr>
+          <p:style>
+            <a:lnRef idx="2">
+              <a:schemeClr val="accent1">
+                <a:shade val="50000"/>
+              </a:schemeClr>
+            </a:lnRef>
+            <a:fillRef idx="1">
+              <a:schemeClr val="accent1"/>
+            </a:fillRef>
+            <a:effectRef idx="0">
+              <a:schemeClr val="accent1"/>
+            </a:effectRef>
+            <a:fontRef idx="minor">
+              <a:schemeClr val="lt1"/>
+            </a:fontRef>
+          </p:style>
+          <p:txBody>
+            <a:bodyPr rtlCol="0" anchor="ctr"/>
+            <a:lstStyle/>
+            <a:p>
+              <a:pPr algn="ctr"/>
+              <a:r>
+                <a:rPr lang="en-IN" sz="1600" dirty="0" smtClean="0"/>
+                <a:t>Start</a:t>
+              </a:r>
+              <a:endParaRPr lang="en-IN" sz="1600" dirty="0"/>
+            </a:p>
+          </p:txBody>
+        </p:sp>
+        <p:sp>
+          <p:nvSpPr>
+            <p:cNvPr id="65" name="Rectangle 64"/>
+            <p:cNvSpPr/>
+            <p:nvPr/>
+          </p:nvSpPr>
+          <p:spPr>
+            <a:xfrm>
+              <a:off x="1524000" y="914400"/>
+              <a:ext cx="3886200" cy="2057400"/>
+            </a:xfrm>
+            <a:prstGeom prst="rect">
+              <a:avLst/>
+            </a:prstGeom>
+            <a:gradFill flip="none" rotWithShape="1">
+              <a:gsLst>
+                <a:gs pos="0">
+                  <a:schemeClr val="accent1">
+                    <a:shade val="30000"/>
+                    <a:satMod val="115000"/>
+                  </a:schemeClr>
+                </a:gs>
+                <a:gs pos="50000">
+                  <a:schemeClr val="accent1">
+                    <a:shade val="67500"/>
+                    <a:satMod val="115000"/>
+                  </a:schemeClr>
+                </a:gs>
+                <a:gs pos="100000">
+                  <a:schemeClr val="accent1">
+                    <a:shade val="100000"/>
+                    <a:satMod val="115000"/>
+                  </a:schemeClr>
+                </a:gs>
+              </a:gsLst>
+              <a:lin ang="13500000" scaled="1"/>
+              <a:tileRect/>
+            </a:gradFill>
+            <a:ln>
+              <a:noFill/>
+            </a:ln>
+            <a:effectLst>
+              <a:outerShdw blurRad="50800" dist="38100" dir="5400000" algn="t" rotWithShape="0">
+                <a:prstClr val="black">
+                  <a:alpha val="40000"/>
+                </a:prstClr>
+              </a:outerShdw>
+            </a:effectLst>
+          </p:spPr>
+          <p:style>
+            <a:lnRef idx="2">
+              <a:schemeClr val="accent1">
+                <a:shade val="50000"/>
+              </a:schemeClr>
+            </a:lnRef>
+            <a:fillRef idx="1">
+              <a:schemeClr val="accent1"/>
+            </a:fillRef>
+            <a:effectRef idx="0">
+              <a:schemeClr val="accent1"/>
+            </a:effectRef>
+            <a:fontRef idx="minor">
+              <a:schemeClr val="lt1"/>
+            </a:fontRef>
+          </p:style>
+          <p:txBody>
+            <a:bodyPr rtlCol="0" anchor="ctr"/>
+            <a:lstStyle/>
+            <a:p>
+              <a:r>
+                <a:rPr lang="en-IN" sz="1600" dirty="0" smtClean="0"/>
+                <a:t>Send the Following Details to the Server:</a:t>
+              </a:r>
+            </a:p>
+            <a:p>
+              <a:pPr marL="342900" indent="-342900">
+                <a:buAutoNum type="arabicPeriod"/>
+              </a:pPr>
+              <a:r>
+                <a:rPr lang="en-IN" sz="1600" dirty="0" smtClean="0"/>
+                <a:t>Researcher </a:t>
+              </a:r>
+              <a:r>
+                <a:rPr lang="en-IN" sz="1600" dirty="0" smtClean="0"/>
+                <a:t>ID</a:t>
+              </a:r>
+            </a:p>
+            <a:p>
+              <a:pPr marL="342900" indent="-342900">
+                <a:buAutoNum type="arabicPeriod"/>
+              </a:pPr>
+              <a:r>
+                <a:rPr lang="en-IN" sz="1600" dirty="0" smtClean="0"/>
+                <a:t>Note ID</a:t>
+              </a:r>
+              <a:endParaRPr lang="en-IN" sz="1600" dirty="0" smtClean="0"/>
+            </a:p>
+            <a:p>
+              <a:endParaRPr lang="en-IN" sz="1600" dirty="0" smtClean="0"/>
+            </a:p>
+          </p:txBody>
+        </p:sp>
+        <p:sp>
+          <p:nvSpPr>
+            <p:cNvPr id="66" name="Rectangle 65"/>
+            <p:cNvSpPr/>
+            <p:nvPr/>
+          </p:nvSpPr>
+          <p:spPr>
+            <a:xfrm>
+              <a:off x="1524000" y="3429000"/>
+              <a:ext cx="3886200" cy="457200"/>
+            </a:xfrm>
+            <a:prstGeom prst="rect">
+              <a:avLst/>
+            </a:prstGeom>
+            <a:gradFill flip="none" rotWithShape="1">
+              <a:gsLst>
+                <a:gs pos="0">
+                  <a:schemeClr val="accent1">
+                    <a:shade val="30000"/>
+                    <a:satMod val="115000"/>
+                  </a:schemeClr>
+                </a:gs>
+                <a:gs pos="50000">
+                  <a:schemeClr val="accent1">
+                    <a:shade val="67500"/>
+                    <a:satMod val="115000"/>
+                  </a:schemeClr>
+                </a:gs>
+                <a:gs pos="100000">
+                  <a:schemeClr val="accent1">
+                    <a:shade val="100000"/>
+                    <a:satMod val="115000"/>
+                  </a:schemeClr>
+                </a:gs>
+              </a:gsLst>
+              <a:lin ang="13500000" scaled="1"/>
+              <a:tileRect/>
+            </a:gradFill>
+            <a:ln>
+              <a:noFill/>
+            </a:ln>
+            <a:effectLst>
+              <a:outerShdw blurRad="50800" dist="38100" dir="5400000" algn="t" rotWithShape="0">
+                <a:prstClr val="black">
+                  <a:alpha val="40000"/>
+                </a:prstClr>
+              </a:outerShdw>
+            </a:effectLst>
+          </p:spPr>
+          <p:style>
+            <a:lnRef idx="2">
+              <a:schemeClr val="accent1">
+                <a:shade val="50000"/>
+              </a:schemeClr>
+            </a:lnRef>
+            <a:fillRef idx="1">
+              <a:schemeClr val="accent1"/>
+            </a:fillRef>
+            <a:effectRef idx="0">
+              <a:schemeClr val="accent1"/>
+            </a:effectRef>
+            <a:fontRef idx="minor">
+              <a:schemeClr val="lt1"/>
+            </a:fontRef>
+          </p:style>
+          <p:txBody>
+            <a:bodyPr rtlCol="0" anchor="ctr"/>
+            <a:lstStyle/>
+            <a:p>
+              <a:r>
+                <a:rPr lang="en-IN" sz="1600" dirty="0" smtClean="0"/>
+                <a:t>Access the </a:t>
+              </a:r>
+              <a:r>
+                <a:rPr lang="en-IN" sz="1600" dirty="0" smtClean="0"/>
+                <a:t>Sent Details </a:t>
+              </a:r>
+              <a:r>
+                <a:rPr lang="en-IN" sz="1600" dirty="0" smtClean="0"/>
+                <a:t>in the </a:t>
+              </a:r>
+              <a:r>
+                <a:rPr lang="en-IN" sz="1600" dirty="0" smtClean="0"/>
+                <a:t>Server.</a:t>
+              </a:r>
+              <a:endParaRPr lang="en-IN" sz="1600" dirty="0" smtClean="0"/>
+            </a:p>
+          </p:txBody>
+        </p:sp>
+        <p:sp>
+          <p:nvSpPr>
+            <p:cNvPr id="67" name="Rectangle 66"/>
+            <p:cNvSpPr/>
+            <p:nvPr/>
+          </p:nvSpPr>
+          <p:spPr>
+            <a:xfrm>
+              <a:off x="1524000" y="4343400"/>
+              <a:ext cx="3886200" cy="609600"/>
+            </a:xfrm>
+            <a:prstGeom prst="rect">
+              <a:avLst/>
+            </a:prstGeom>
+            <a:gradFill flip="none" rotWithShape="1">
+              <a:gsLst>
+                <a:gs pos="0">
+                  <a:schemeClr val="accent1">
+                    <a:shade val="30000"/>
+                    <a:satMod val="115000"/>
+                  </a:schemeClr>
+                </a:gs>
+                <a:gs pos="50000">
+                  <a:schemeClr val="accent1">
+                    <a:shade val="67500"/>
+                    <a:satMod val="115000"/>
+                  </a:schemeClr>
+                </a:gs>
+                <a:gs pos="100000">
+                  <a:schemeClr val="accent1">
+                    <a:shade val="100000"/>
+                    <a:satMod val="115000"/>
+                  </a:schemeClr>
+                </a:gs>
+              </a:gsLst>
+              <a:lin ang="13500000" scaled="1"/>
+              <a:tileRect/>
+            </a:gradFill>
+            <a:ln>
+              <a:noFill/>
+            </a:ln>
+            <a:effectLst>
+              <a:outerShdw blurRad="50800" dist="38100" dir="5400000" algn="t" rotWithShape="0">
+                <a:prstClr val="black">
+                  <a:alpha val="40000"/>
+                </a:prstClr>
+              </a:outerShdw>
+            </a:effectLst>
+          </p:spPr>
+          <p:style>
+            <a:lnRef idx="2">
+              <a:schemeClr val="accent1">
+                <a:shade val="50000"/>
+              </a:schemeClr>
+            </a:lnRef>
+            <a:fillRef idx="1">
+              <a:schemeClr val="accent1"/>
+            </a:fillRef>
+            <a:effectRef idx="0">
+              <a:schemeClr val="accent1"/>
+            </a:effectRef>
+            <a:fontRef idx="minor">
+              <a:schemeClr val="lt1"/>
+            </a:fontRef>
+          </p:style>
+          <p:txBody>
+            <a:bodyPr rtlCol="0" anchor="ctr"/>
+            <a:lstStyle/>
+            <a:p>
+              <a:r>
+                <a:rPr lang="en-IN" sz="1600" dirty="0" smtClean="0"/>
+                <a:t>Fetch the requested Note ID from the given Researcher ID from the Database.</a:t>
+              </a:r>
+              <a:endParaRPr lang="en-IN" sz="1600" dirty="0" smtClean="0"/>
+            </a:p>
+          </p:txBody>
+        </p:sp>
+        <p:sp>
+          <p:nvSpPr>
+            <p:cNvPr id="68" name="Flowchart: Alternate Process 67"/>
+            <p:cNvSpPr/>
+            <p:nvPr/>
+          </p:nvSpPr>
+          <p:spPr>
+            <a:xfrm>
+              <a:off x="590550" y="7438644"/>
+              <a:ext cx="2419350" cy="381000"/>
+            </a:xfrm>
+            <a:prstGeom prst="flowChartAlternateProcess">
+              <a:avLst/>
+            </a:prstGeom>
+            <a:gradFill flip="none" rotWithShape="1">
+              <a:gsLst>
+                <a:gs pos="0">
+                  <a:schemeClr val="accent1">
+                    <a:shade val="30000"/>
+                    <a:satMod val="115000"/>
+                  </a:schemeClr>
+                </a:gs>
+                <a:gs pos="50000">
+                  <a:schemeClr val="accent1">
+                    <a:shade val="67500"/>
+                    <a:satMod val="115000"/>
+                  </a:schemeClr>
+                </a:gs>
+                <a:gs pos="100000">
+                  <a:schemeClr val="accent1">
+                    <a:shade val="100000"/>
+                    <a:satMod val="115000"/>
+                  </a:schemeClr>
+                </a:gs>
+              </a:gsLst>
+              <a:lin ang="13500000" scaled="1"/>
+              <a:tileRect/>
+            </a:gradFill>
+            <a:ln>
+              <a:noFill/>
+            </a:ln>
+            <a:effectLst>
+              <a:outerShdw blurRad="50800" dist="38100" dir="5400000" algn="t" rotWithShape="0">
+                <a:prstClr val="black">
+                  <a:alpha val="40000"/>
+                </a:prstClr>
+              </a:outerShdw>
+            </a:effectLst>
+          </p:spPr>
+          <p:style>
+            <a:lnRef idx="2">
+              <a:schemeClr val="accent1">
+                <a:shade val="50000"/>
+              </a:schemeClr>
+            </a:lnRef>
+            <a:fillRef idx="1">
+              <a:schemeClr val="accent1"/>
+            </a:fillRef>
+            <a:effectRef idx="0">
+              <a:schemeClr val="accent1"/>
+            </a:effectRef>
+            <a:fontRef idx="minor">
+              <a:schemeClr val="lt1"/>
+            </a:fontRef>
+          </p:style>
+          <p:txBody>
+            <a:bodyPr rtlCol="0" anchor="ctr"/>
+            <a:lstStyle/>
+            <a:p>
+              <a:pPr algn="ctr"/>
+              <a:r>
+                <a:rPr lang="en-IN" sz="1600" dirty="0"/>
+                <a:t>Return “</a:t>
+              </a:r>
+              <a:r>
+                <a:rPr lang="en-IN" sz="1600" b="1" dirty="0">
+                  <a:solidFill>
+                    <a:schemeClr val="accent3">
+                      <a:lumMod val="60000"/>
+                      <a:lumOff val="40000"/>
+                    </a:schemeClr>
+                  </a:solidFill>
+                </a:rPr>
+                <a:t>Success</a:t>
+              </a:r>
+              <a:r>
+                <a:rPr lang="en-IN" sz="1600" dirty="0"/>
+                <a:t>”</a:t>
+              </a:r>
+              <a:endParaRPr lang="en-IN" sz="1600" dirty="0"/>
+            </a:p>
+          </p:txBody>
+        </p:sp>
+        <p:sp>
+          <p:nvSpPr>
+            <p:cNvPr id="69" name="Flowchart: Alternate Process 68"/>
+            <p:cNvSpPr/>
+            <p:nvPr/>
+          </p:nvSpPr>
+          <p:spPr>
+            <a:xfrm>
+              <a:off x="3924300" y="7467600"/>
+              <a:ext cx="2419350" cy="381000"/>
+            </a:xfrm>
+            <a:prstGeom prst="flowChartAlternateProcess">
+              <a:avLst/>
+            </a:prstGeom>
+            <a:gradFill flip="none" rotWithShape="1">
+              <a:gsLst>
+                <a:gs pos="0">
+                  <a:schemeClr val="accent1">
+                    <a:shade val="30000"/>
+                    <a:satMod val="115000"/>
+                  </a:schemeClr>
+                </a:gs>
+                <a:gs pos="50000">
+                  <a:schemeClr val="accent1">
+                    <a:shade val="67500"/>
+                    <a:satMod val="115000"/>
+                  </a:schemeClr>
+                </a:gs>
+                <a:gs pos="100000">
+                  <a:schemeClr val="accent1">
+                    <a:shade val="100000"/>
+                    <a:satMod val="115000"/>
+                  </a:schemeClr>
+                </a:gs>
+              </a:gsLst>
+              <a:lin ang="13500000" scaled="1"/>
+              <a:tileRect/>
+            </a:gradFill>
+            <a:ln>
+              <a:noFill/>
+            </a:ln>
+            <a:effectLst>
+              <a:outerShdw blurRad="50800" dist="38100" dir="5400000" algn="t" rotWithShape="0">
+                <a:prstClr val="black">
+                  <a:alpha val="40000"/>
+                </a:prstClr>
+              </a:outerShdw>
+            </a:effectLst>
+          </p:spPr>
+          <p:style>
+            <a:lnRef idx="2">
+              <a:schemeClr val="accent1">
+                <a:shade val="50000"/>
+              </a:schemeClr>
+            </a:lnRef>
+            <a:fillRef idx="1">
+              <a:schemeClr val="accent1"/>
+            </a:fillRef>
+            <a:effectRef idx="0">
+              <a:schemeClr val="accent1"/>
+            </a:effectRef>
+            <a:fontRef idx="minor">
+              <a:schemeClr val="lt1"/>
+            </a:fontRef>
+          </p:style>
+          <p:txBody>
+            <a:bodyPr rtlCol="0" anchor="ctr"/>
+            <a:lstStyle/>
+            <a:p>
+              <a:pPr algn="ctr"/>
+              <a:r>
+                <a:rPr lang="en-IN" sz="1600" dirty="0"/>
+                <a:t>Return “</a:t>
+              </a:r>
+              <a:r>
+                <a:rPr lang="en-IN" sz="1600" b="1" dirty="0">
+                  <a:solidFill>
+                    <a:schemeClr val="accent2">
+                      <a:lumMod val="20000"/>
+                      <a:lumOff val="80000"/>
+                    </a:schemeClr>
+                  </a:solidFill>
+                </a:rPr>
+                <a:t>Failure</a:t>
+              </a:r>
+              <a:r>
+                <a:rPr lang="en-IN" sz="1600" dirty="0"/>
+                <a:t>”</a:t>
+              </a:r>
+              <a:endParaRPr lang="en-IN" sz="1600" dirty="0"/>
+            </a:p>
+          </p:txBody>
+        </p:sp>
+        <p:sp>
+          <p:nvSpPr>
+            <p:cNvPr id="70" name="Flowchart: Decision 69"/>
+            <p:cNvSpPr/>
+            <p:nvPr/>
+          </p:nvSpPr>
+          <p:spPr>
+            <a:xfrm>
+              <a:off x="2159508" y="5434584"/>
+              <a:ext cx="2590800" cy="1722120"/>
+            </a:xfrm>
+            <a:prstGeom prst="flowChartDecision">
+              <a:avLst/>
+            </a:prstGeom>
+            <a:gradFill flip="none" rotWithShape="1">
+              <a:gsLst>
+                <a:gs pos="0">
+                  <a:schemeClr val="accent1">
+                    <a:shade val="30000"/>
+                    <a:satMod val="115000"/>
+                  </a:schemeClr>
+                </a:gs>
+                <a:gs pos="50000">
+                  <a:schemeClr val="accent1">
+                    <a:shade val="67500"/>
+                    <a:satMod val="115000"/>
+                  </a:schemeClr>
+                </a:gs>
+                <a:gs pos="100000">
+                  <a:schemeClr val="accent1">
+                    <a:shade val="100000"/>
+                    <a:satMod val="115000"/>
+                  </a:schemeClr>
+                </a:gs>
+              </a:gsLst>
+              <a:lin ang="13500000" scaled="1"/>
+              <a:tileRect/>
+            </a:gradFill>
+            <a:ln>
+              <a:noFill/>
+            </a:ln>
+            <a:effectLst>
+              <a:outerShdw blurRad="50800" dist="38100" dir="5400000" algn="t" rotWithShape="0">
+                <a:prstClr val="black">
+                  <a:alpha val="40000"/>
+                </a:prstClr>
+              </a:outerShdw>
+            </a:effectLst>
+          </p:spPr>
+          <p:style>
+            <a:lnRef idx="2">
+              <a:schemeClr val="accent1">
+                <a:shade val="50000"/>
+              </a:schemeClr>
+            </a:lnRef>
+            <a:fillRef idx="1">
+              <a:schemeClr val="accent1"/>
+            </a:fillRef>
+            <a:effectRef idx="0">
+              <a:schemeClr val="accent1"/>
+            </a:effectRef>
+            <a:fontRef idx="minor">
+              <a:schemeClr val="lt1"/>
+            </a:fontRef>
+          </p:style>
+          <p:txBody>
+            <a:bodyPr rtlCol="0" anchor="ctr"/>
+            <a:lstStyle/>
+            <a:p>
+              <a:pPr algn="ctr"/>
+              <a:r>
+                <a:rPr lang="en-IN" sz="1600" dirty="0" smtClean="0"/>
+                <a:t>DB Request Successful?</a:t>
+              </a:r>
+              <a:endParaRPr lang="en-IN" sz="1600" dirty="0"/>
+            </a:p>
+          </p:txBody>
+        </p:sp>
+      </p:grpSp>
+      <p:sp>
+        <p:nvSpPr>
+          <p:cNvPr id="2" name="Rounded Rectangle 1"/>
+          <p:cNvSpPr/>
+          <p:nvPr/>
+        </p:nvSpPr>
+        <p:spPr>
+          <a:xfrm>
+            <a:off x="812800" y="6705600"/>
+            <a:ext cx="533400" cy="381000"/>
+          </a:xfrm>
+          <a:prstGeom prst="roundRect">
+            <a:avLst/>
+          </a:prstGeom>
+        </p:spPr>
+        <p:style>
+          <a:lnRef idx="2">
+            <a:schemeClr val="accent1">
+              <a:shade val="50000"/>
+            </a:schemeClr>
+          </a:lnRef>
+          <a:fillRef idx="1">
+            <a:schemeClr val="accent1"/>
+          </a:fillRef>
+          <a:effectRef idx="0">
+            <a:schemeClr val="accent1"/>
+          </a:effectRef>
+          <a:fontRef idx="minor">
+            <a:schemeClr val="lt1"/>
+          </a:fontRef>
+        </p:style>
+        <p:txBody>
+          <a:bodyPr rtlCol="0" anchor="ctr"/>
+          <a:lstStyle/>
+          <a:p>
+            <a:pPr algn="ctr"/>
+            <a:r>
+              <a:rPr lang="en-IN" sz="1600" dirty="0" smtClean="0"/>
+              <a:t>YES</a:t>
+            </a:r>
+            <a:endParaRPr lang="en-IN" sz="1600" dirty="0"/>
+          </a:p>
+        </p:txBody>
+      </p:sp>
+      <p:sp>
+        <p:nvSpPr>
+          <p:cNvPr id="71" name="Rounded Rectangle 70"/>
+          <p:cNvSpPr/>
+          <p:nvPr/>
+        </p:nvSpPr>
+        <p:spPr>
+          <a:xfrm>
+            <a:off x="3871205" y="6698742"/>
+            <a:ext cx="533400" cy="381000"/>
+          </a:xfrm>
+          <a:prstGeom prst="roundRect">
+            <a:avLst/>
+          </a:prstGeom>
+        </p:spPr>
+        <p:style>
+          <a:lnRef idx="2">
+            <a:schemeClr val="accent1">
+              <a:shade val="50000"/>
+            </a:schemeClr>
+          </a:lnRef>
+          <a:fillRef idx="1">
+            <a:schemeClr val="accent1"/>
+          </a:fillRef>
+          <a:effectRef idx="0">
+            <a:schemeClr val="accent1"/>
+          </a:effectRef>
+          <a:fontRef idx="minor">
+            <a:schemeClr val="lt1"/>
+          </a:fontRef>
+        </p:style>
+        <p:txBody>
+          <a:bodyPr rtlCol="0" anchor="ctr"/>
+          <a:lstStyle/>
+          <a:p>
+            <a:pPr algn="ctr"/>
+            <a:r>
+              <a:rPr lang="en-IN" sz="1600" dirty="0" smtClean="0"/>
+              <a:t>NO</a:t>
+            </a:r>
+            <a:endParaRPr lang="en-IN" sz="1600" dirty="0"/>
+          </a:p>
+        </p:txBody>
+      </p:sp>
+      <p:sp>
+        <p:nvSpPr>
+          <p:cNvPr id="72" name="Rounded Rectangle 71"/>
+          <p:cNvSpPr/>
+          <p:nvPr/>
+        </p:nvSpPr>
+        <p:spPr>
+          <a:xfrm>
+            <a:off x="6223000" y="6713601"/>
+            <a:ext cx="533400" cy="381000"/>
+          </a:xfrm>
+          <a:prstGeom prst="roundRect">
+            <a:avLst/>
+          </a:prstGeom>
+        </p:spPr>
+        <p:style>
+          <a:lnRef idx="2">
+            <a:schemeClr val="accent1">
+              <a:shade val="50000"/>
+            </a:schemeClr>
+          </a:lnRef>
+          <a:fillRef idx="1">
+            <a:schemeClr val="accent1"/>
+          </a:fillRef>
+          <a:effectRef idx="0">
+            <a:schemeClr val="accent1"/>
+          </a:effectRef>
+          <a:fontRef idx="minor">
+            <a:schemeClr val="lt1"/>
+          </a:fontRef>
+        </p:style>
+        <p:txBody>
+          <a:bodyPr rtlCol="0" anchor="ctr"/>
+          <a:lstStyle/>
+          <a:p>
+            <a:pPr algn="ctr"/>
+            <a:r>
+              <a:rPr lang="en-IN" sz="1600" dirty="0" smtClean="0"/>
+              <a:t>YES</a:t>
+            </a:r>
+            <a:endParaRPr lang="en-IN" sz="1600" dirty="0"/>
+          </a:p>
+        </p:txBody>
+      </p:sp>
+      <p:sp>
+        <p:nvSpPr>
+          <p:cNvPr id="73" name="Rounded Rectangle 72"/>
+          <p:cNvSpPr/>
+          <p:nvPr/>
+        </p:nvSpPr>
+        <p:spPr>
+          <a:xfrm>
+            <a:off x="9255635" y="6706743"/>
+            <a:ext cx="533400" cy="381000"/>
+          </a:xfrm>
+          <a:prstGeom prst="roundRect">
+            <a:avLst/>
+          </a:prstGeom>
+        </p:spPr>
+        <p:style>
+          <a:lnRef idx="2">
+            <a:schemeClr val="accent1">
+              <a:shade val="50000"/>
+            </a:schemeClr>
+          </a:lnRef>
+          <a:fillRef idx="1">
+            <a:schemeClr val="accent1"/>
+          </a:fillRef>
+          <a:effectRef idx="0">
+            <a:schemeClr val="accent1"/>
+          </a:effectRef>
+          <a:fontRef idx="minor">
+            <a:schemeClr val="lt1"/>
+          </a:fontRef>
+        </p:style>
+        <p:txBody>
+          <a:bodyPr rtlCol="0" anchor="ctr"/>
+          <a:lstStyle/>
+          <a:p>
+            <a:pPr algn="ctr"/>
+            <a:r>
+              <a:rPr lang="en-IN" sz="1600" dirty="0" smtClean="0"/>
+              <a:t>NO</a:t>
+            </a:r>
+            <a:endParaRPr lang="en-IN" sz="1600" dirty="0"/>
+          </a:p>
+        </p:txBody>
+      </p:sp>
+      <p:sp>
+        <p:nvSpPr>
+          <p:cNvPr id="74" name="Rounded Rectangle 73"/>
+          <p:cNvSpPr/>
+          <p:nvPr/>
+        </p:nvSpPr>
+        <p:spPr>
+          <a:xfrm>
+            <a:off x="11709400" y="6736461"/>
+            <a:ext cx="533400" cy="381000"/>
+          </a:xfrm>
+          <a:prstGeom prst="roundRect">
+            <a:avLst/>
+          </a:prstGeom>
+        </p:spPr>
+        <p:style>
+          <a:lnRef idx="2">
+            <a:schemeClr val="accent1">
+              <a:shade val="50000"/>
+            </a:schemeClr>
+          </a:lnRef>
+          <a:fillRef idx="1">
+            <a:schemeClr val="accent1"/>
+          </a:fillRef>
+          <a:effectRef idx="0">
+            <a:schemeClr val="accent1"/>
+          </a:effectRef>
+          <a:fontRef idx="minor">
+            <a:schemeClr val="lt1"/>
+          </a:fontRef>
+        </p:style>
+        <p:txBody>
+          <a:bodyPr rtlCol="0" anchor="ctr"/>
+          <a:lstStyle/>
+          <a:p>
+            <a:pPr algn="ctr"/>
+            <a:r>
+              <a:rPr lang="en-IN" sz="1600" dirty="0" smtClean="0"/>
+              <a:t>YES</a:t>
+            </a:r>
+            <a:endParaRPr lang="en-IN" sz="1600" dirty="0"/>
+          </a:p>
+        </p:txBody>
+      </p:sp>
+      <p:sp>
+        <p:nvSpPr>
+          <p:cNvPr id="75" name="Rounded Rectangle 74"/>
+          <p:cNvSpPr/>
+          <p:nvPr/>
+        </p:nvSpPr>
+        <p:spPr>
+          <a:xfrm>
+            <a:off x="14818060" y="6729603"/>
+            <a:ext cx="533400" cy="381000"/>
+          </a:xfrm>
+          <a:prstGeom prst="roundRect">
+            <a:avLst/>
+          </a:prstGeom>
+        </p:spPr>
+        <p:style>
+          <a:lnRef idx="2">
+            <a:schemeClr val="accent1">
+              <a:shade val="50000"/>
+            </a:schemeClr>
+          </a:lnRef>
+          <a:fillRef idx="1">
+            <a:schemeClr val="accent1"/>
+          </a:fillRef>
+          <a:effectRef idx="0">
+            <a:schemeClr val="accent1"/>
+          </a:effectRef>
+          <a:fontRef idx="minor">
+            <a:schemeClr val="lt1"/>
+          </a:fontRef>
+        </p:style>
+        <p:txBody>
+          <a:bodyPr rtlCol="0" anchor="ctr"/>
+          <a:lstStyle/>
+          <a:p>
+            <a:pPr algn="ctr"/>
+            <a:r>
+              <a:rPr lang="en-IN" sz="1600" dirty="0" smtClean="0"/>
+              <a:t>NO</a:t>
+            </a:r>
+            <a:endParaRPr lang="en-IN" sz="1600" dirty="0"/>
+          </a:p>
+        </p:txBody>
+      </p:sp>
+    </p:spTree>
+    <p:extLst>
+      <p:ext uri="{BB962C8B-B14F-4D97-AF65-F5344CB8AC3E}">
+        <p14:creationId xmlns:p14="http://schemas.microsoft.com/office/powerpoint/2010/main" val="4111858992"/>
+      </p:ext>
+    </p:extLst>
+  </p:cSld>
+  <p:clrMapOvr>
+    <a:masterClrMapping/>
+  </p:clrMapOvr>
+  <p:timing>
+    <p:tnLst>
+      <p:par>
+        <p:cTn id="1" dur="indefinite" restart="never" nodeType="tmRoot"/>
+      </p:par>
+    </p:tnLst>
+  </p:timing>
+</p:sld>
+</file>
+
+<file path=ppt/slides/slide2.xml><?xml version="1.0" encoding="utf-8"?>
+<p:sld xmlns:a="http://schemas.openxmlformats.org/drawingml/2006/main" xmlns:r="http://schemas.openxmlformats.org/officeDocument/2006/relationships" xmlns:p="http://schemas.openxmlformats.org/presentationml/2006/main">
+  <p:cSld>
+    <p:spTree>
+      <p:nvGrpSpPr>
+        <p:cNvPr id="1" name=""/>
+        <p:cNvGrpSpPr/>
+        <p:nvPr/>
+      </p:nvGrpSpPr>
+      <p:grpSpPr>
+        <a:xfrm>
+          <a:off x="0" y="0"/>
+          <a:ext cx="0" cy="0"/>
+          <a:chOff x="0" y="0"/>
+          <a:chExt cx="0" cy="0"/>
+        </a:xfrm>
+      </p:grpSpPr>
+      <p:sp>
+        <p:nvSpPr>
+          <p:cNvPr id="50" name="TextBox 49"/>
+          <p:cNvSpPr txBox="1"/>
+          <p:nvPr/>
+        </p:nvSpPr>
+        <p:spPr>
+          <a:xfrm>
+            <a:off x="0" y="8610600"/>
+            <a:ext cx="16256000" cy="369332"/>
+          </a:xfrm>
+          <a:prstGeom prst="rect">
+            <a:avLst/>
+          </a:prstGeom>
+          <a:noFill/>
+        </p:spPr>
+        <p:txBody>
+          <a:bodyPr wrap="square" rtlCol="0">
+            <a:spAutoFit/>
+          </a:bodyPr>
+          <a:lstStyle/>
+          <a:p>
+            <a:pPr algn="ctr"/>
+            <a:r>
+              <a:rPr lang="en-IN" b="1" dirty="0"/>
+              <a:t>Flowchart 1: </a:t>
+            </a:r>
+            <a:r>
+              <a:rPr lang="en-IN" dirty="0"/>
+              <a:t>Researcher’s </a:t>
+            </a:r>
+            <a:r>
+              <a:rPr lang="en-IN" dirty="0" smtClean="0"/>
+              <a:t>Dairy [Security Layer Not Included in Diagram]</a:t>
+            </a:r>
+            <a:endParaRPr lang="en-IN" dirty="0"/>
+          </a:p>
+        </p:txBody>
+      </p:sp>
+      <p:grpSp>
+        <p:nvGrpSpPr>
+          <p:cNvPr id="27" name="Group 26"/>
+          <p:cNvGrpSpPr/>
+          <p:nvPr/>
+        </p:nvGrpSpPr>
+        <p:grpSpPr>
+          <a:xfrm>
+            <a:off x="50800" y="152400"/>
+            <a:ext cx="5169408" cy="7741920"/>
+            <a:chOff x="590550" y="106680"/>
+            <a:chExt cx="5753100" cy="7741920"/>
+          </a:xfrm>
+        </p:grpSpPr>
+        <p:sp>
+          <p:nvSpPr>
+            <p:cNvPr id="28" name="Down Arrow 27"/>
+            <p:cNvSpPr/>
+            <p:nvPr/>
+          </p:nvSpPr>
+          <p:spPr>
+            <a:xfrm>
+              <a:off x="3191256" y="4876800"/>
+              <a:ext cx="533400" cy="457200"/>
+            </a:xfrm>
+            <a:prstGeom prst="downArrow">
+              <a:avLst/>
+            </a:prstGeom>
+            <a:gradFill flip="none" rotWithShape="1">
+              <a:gsLst>
+                <a:gs pos="0">
+                  <a:schemeClr val="bg1">
+                    <a:lumMod val="50000"/>
+                    <a:shade val="30000"/>
+                    <a:satMod val="115000"/>
+                  </a:schemeClr>
+                </a:gs>
+                <a:gs pos="50000">
+                  <a:schemeClr val="bg1">
+                    <a:lumMod val="50000"/>
+                    <a:shade val="67500"/>
+                    <a:satMod val="115000"/>
+                  </a:schemeClr>
+                </a:gs>
+                <a:gs pos="100000">
+                  <a:schemeClr val="bg1">
+                    <a:lumMod val="50000"/>
+                    <a:shade val="100000"/>
+                    <a:satMod val="115000"/>
+                  </a:schemeClr>
+                </a:gs>
+              </a:gsLst>
+              <a:lin ang="5400000" scaled="1"/>
+              <a:tileRect/>
+            </a:gradFill>
+            <a:ln>
+              <a:noFill/>
+            </a:ln>
+          </p:spPr>
+          <p:style>
+            <a:lnRef idx="2">
+              <a:schemeClr val="accent1">
+                <a:shade val="50000"/>
+              </a:schemeClr>
+            </a:lnRef>
+            <a:fillRef idx="1">
+              <a:schemeClr val="accent1"/>
+            </a:fillRef>
+            <a:effectRef idx="0">
+              <a:schemeClr val="accent1"/>
+            </a:effectRef>
+            <a:fontRef idx="minor">
+              <a:schemeClr val="lt1"/>
+            </a:fontRef>
+          </p:style>
+          <p:txBody>
+            <a:bodyPr rtlCol="0" anchor="ctr"/>
+            <a:lstStyle/>
+            <a:p>
+              <a:pPr algn="ctr"/>
+              <a:endParaRPr lang="en-IN" sz="1600"/>
+            </a:p>
+          </p:txBody>
+        </p:sp>
+        <p:sp>
+          <p:nvSpPr>
+            <p:cNvPr id="29" name="Down Arrow 28"/>
+            <p:cNvSpPr/>
+            <p:nvPr/>
+          </p:nvSpPr>
+          <p:spPr>
+            <a:xfrm>
+              <a:off x="3200400" y="3810000"/>
+              <a:ext cx="533400" cy="457200"/>
+            </a:xfrm>
+            <a:prstGeom prst="downArrow">
+              <a:avLst/>
+            </a:prstGeom>
+            <a:gradFill flip="none" rotWithShape="1">
+              <a:gsLst>
+                <a:gs pos="0">
+                  <a:schemeClr val="bg1">
+                    <a:lumMod val="50000"/>
+                    <a:shade val="30000"/>
+                    <a:satMod val="115000"/>
+                  </a:schemeClr>
+                </a:gs>
+                <a:gs pos="50000">
+                  <a:schemeClr val="bg1">
+                    <a:lumMod val="50000"/>
+                    <a:shade val="67500"/>
+                    <a:satMod val="115000"/>
+                  </a:schemeClr>
+                </a:gs>
+                <a:gs pos="100000">
+                  <a:schemeClr val="bg1">
+                    <a:lumMod val="50000"/>
+                    <a:shade val="100000"/>
+                    <a:satMod val="115000"/>
+                  </a:schemeClr>
+                </a:gs>
+              </a:gsLst>
+              <a:lin ang="5400000" scaled="1"/>
+              <a:tileRect/>
+            </a:gradFill>
+            <a:ln>
+              <a:noFill/>
+            </a:ln>
+          </p:spPr>
+          <p:style>
+            <a:lnRef idx="2">
+              <a:schemeClr val="accent1">
+                <a:shade val="50000"/>
+              </a:schemeClr>
+            </a:lnRef>
+            <a:fillRef idx="1">
+              <a:schemeClr val="accent1"/>
+            </a:fillRef>
+            <a:effectRef idx="0">
+              <a:schemeClr val="accent1"/>
+            </a:effectRef>
+            <a:fontRef idx="minor">
+              <a:schemeClr val="lt1"/>
+            </a:fontRef>
+          </p:style>
+          <p:txBody>
+            <a:bodyPr rtlCol="0" anchor="ctr"/>
+            <a:lstStyle/>
+            <a:p>
+              <a:pPr algn="ctr"/>
+              <a:endParaRPr lang="en-IN" sz="1600"/>
+            </a:p>
+          </p:txBody>
+        </p:sp>
+        <p:sp>
+          <p:nvSpPr>
+            <p:cNvPr id="30" name="Down Arrow 29"/>
+            <p:cNvSpPr/>
+            <p:nvPr/>
+          </p:nvSpPr>
+          <p:spPr>
+            <a:xfrm>
+              <a:off x="3200400" y="2895600"/>
+              <a:ext cx="533400" cy="457200"/>
+            </a:xfrm>
+            <a:prstGeom prst="downArrow">
+              <a:avLst/>
+            </a:prstGeom>
+            <a:gradFill flip="none" rotWithShape="1">
+              <a:gsLst>
+                <a:gs pos="0">
+                  <a:schemeClr val="bg1">
+                    <a:lumMod val="50000"/>
+                    <a:shade val="30000"/>
+                    <a:satMod val="115000"/>
+                  </a:schemeClr>
+                </a:gs>
+                <a:gs pos="50000">
+                  <a:schemeClr val="bg1">
+                    <a:lumMod val="50000"/>
+                    <a:shade val="67500"/>
+                    <a:satMod val="115000"/>
+                  </a:schemeClr>
+                </a:gs>
+                <a:gs pos="100000">
+                  <a:schemeClr val="bg1">
+                    <a:lumMod val="50000"/>
+                    <a:shade val="100000"/>
+                    <a:satMod val="115000"/>
+                  </a:schemeClr>
+                </a:gs>
+              </a:gsLst>
+              <a:lin ang="5400000" scaled="1"/>
+              <a:tileRect/>
+            </a:gradFill>
+            <a:ln>
+              <a:noFill/>
+            </a:ln>
+          </p:spPr>
+          <p:style>
+            <a:lnRef idx="2">
+              <a:schemeClr val="accent1">
+                <a:shade val="50000"/>
+              </a:schemeClr>
+            </a:lnRef>
+            <a:fillRef idx="1">
+              <a:schemeClr val="accent1"/>
+            </a:fillRef>
+            <a:effectRef idx="0">
+              <a:schemeClr val="accent1"/>
+            </a:effectRef>
+            <a:fontRef idx="minor">
+              <a:schemeClr val="lt1"/>
+            </a:fontRef>
+          </p:style>
+          <p:txBody>
+            <a:bodyPr rtlCol="0" anchor="ctr"/>
+            <a:lstStyle/>
+            <a:p>
+              <a:pPr algn="ctr"/>
+              <a:endParaRPr lang="en-IN" sz="1600"/>
+            </a:p>
+          </p:txBody>
+        </p:sp>
+        <p:sp>
+          <p:nvSpPr>
+            <p:cNvPr id="31" name="Down Arrow 30"/>
+            <p:cNvSpPr/>
+            <p:nvPr/>
+          </p:nvSpPr>
+          <p:spPr>
+            <a:xfrm>
+              <a:off x="3191256" y="381000"/>
+              <a:ext cx="533400" cy="457200"/>
+            </a:xfrm>
+            <a:prstGeom prst="downArrow">
+              <a:avLst/>
+            </a:prstGeom>
+            <a:gradFill flip="none" rotWithShape="1">
+              <a:gsLst>
+                <a:gs pos="0">
+                  <a:schemeClr val="bg1">
+                    <a:lumMod val="50000"/>
+                    <a:shade val="30000"/>
+                    <a:satMod val="115000"/>
+                  </a:schemeClr>
+                </a:gs>
+                <a:gs pos="50000">
+                  <a:schemeClr val="bg1">
+                    <a:lumMod val="50000"/>
+                    <a:shade val="67500"/>
+                    <a:satMod val="115000"/>
+                  </a:schemeClr>
+                </a:gs>
+                <a:gs pos="100000">
+                  <a:schemeClr val="bg1">
+                    <a:lumMod val="50000"/>
+                    <a:shade val="100000"/>
+                    <a:satMod val="115000"/>
+                  </a:schemeClr>
+                </a:gs>
+              </a:gsLst>
+              <a:lin ang="5400000" scaled="1"/>
+              <a:tileRect/>
+            </a:gradFill>
+            <a:ln>
+              <a:noFill/>
+            </a:ln>
+          </p:spPr>
+          <p:style>
+            <a:lnRef idx="2">
+              <a:schemeClr val="accent1">
+                <a:shade val="50000"/>
+              </a:schemeClr>
+            </a:lnRef>
+            <a:fillRef idx="1">
+              <a:schemeClr val="accent1"/>
+            </a:fillRef>
+            <a:effectRef idx="0">
+              <a:schemeClr val="accent1"/>
+            </a:effectRef>
+            <a:fontRef idx="minor">
+              <a:schemeClr val="lt1"/>
+            </a:fontRef>
+          </p:style>
+          <p:txBody>
+            <a:bodyPr rtlCol="0" anchor="ctr"/>
+            <a:lstStyle/>
+            <a:p>
+              <a:pPr algn="ctr"/>
+              <a:endParaRPr lang="en-IN" sz="1600"/>
+            </a:p>
+          </p:txBody>
+        </p:sp>
+        <p:sp>
+          <p:nvSpPr>
+            <p:cNvPr id="32" name="Bent-Up Arrow 31"/>
+            <p:cNvSpPr/>
+            <p:nvPr/>
+          </p:nvSpPr>
+          <p:spPr>
+            <a:xfrm flipH="1" flipV="1">
+              <a:off x="1524000" y="6172200"/>
+              <a:ext cx="1066800" cy="1190244"/>
+            </a:xfrm>
+            <a:prstGeom prst="bentUpArrow">
+              <a:avLst/>
+            </a:prstGeom>
+            <a:gradFill flip="none" rotWithShape="1">
+              <a:gsLst>
+                <a:gs pos="0">
+                  <a:schemeClr val="bg1">
+                    <a:lumMod val="50000"/>
+                    <a:shade val="30000"/>
+                    <a:satMod val="115000"/>
+                  </a:schemeClr>
+                </a:gs>
+                <a:gs pos="50000">
+                  <a:schemeClr val="bg1">
+                    <a:lumMod val="50000"/>
+                    <a:shade val="67500"/>
+                    <a:satMod val="115000"/>
+                  </a:schemeClr>
+                </a:gs>
+                <a:gs pos="100000">
+                  <a:schemeClr val="bg1">
+                    <a:lumMod val="50000"/>
+                    <a:shade val="100000"/>
+                    <a:satMod val="115000"/>
+                  </a:schemeClr>
+                </a:gs>
+              </a:gsLst>
+              <a:lin ang="5400000" scaled="1"/>
+              <a:tileRect/>
+            </a:gradFill>
+            <a:ln>
+              <a:noFill/>
+            </a:ln>
+          </p:spPr>
+          <p:style>
+            <a:lnRef idx="2">
+              <a:schemeClr val="accent1">
+                <a:shade val="50000"/>
+              </a:schemeClr>
+            </a:lnRef>
+            <a:fillRef idx="1">
+              <a:schemeClr val="accent1"/>
+            </a:fillRef>
+            <a:effectRef idx="0">
+              <a:schemeClr val="accent1"/>
+            </a:effectRef>
+            <a:fontRef idx="minor">
+              <a:schemeClr val="lt1"/>
+            </a:fontRef>
+          </p:style>
+          <p:txBody>
+            <a:bodyPr rtlCol="0" anchor="ctr"/>
+            <a:lstStyle/>
+            <a:p>
+              <a:pPr algn="ctr"/>
+              <a:endParaRPr lang="en-IN" sz="1600"/>
+            </a:p>
+          </p:txBody>
+        </p:sp>
+        <p:sp>
+          <p:nvSpPr>
+            <p:cNvPr id="33" name="Bent-Up Arrow 32"/>
+            <p:cNvSpPr/>
+            <p:nvPr/>
+          </p:nvSpPr>
+          <p:spPr>
+            <a:xfrm flipV="1">
+              <a:off x="4343400" y="6172200"/>
+              <a:ext cx="1066800" cy="1266444"/>
+            </a:xfrm>
+            <a:prstGeom prst="bentUpArrow">
+              <a:avLst/>
+            </a:prstGeom>
+            <a:gradFill flip="none" rotWithShape="1">
+              <a:gsLst>
+                <a:gs pos="0">
+                  <a:schemeClr val="bg1">
+                    <a:lumMod val="50000"/>
+                    <a:shade val="30000"/>
+                    <a:satMod val="115000"/>
+                  </a:schemeClr>
+                </a:gs>
+                <a:gs pos="50000">
+                  <a:schemeClr val="bg1">
+                    <a:lumMod val="50000"/>
+                    <a:shade val="67500"/>
+                    <a:satMod val="115000"/>
+                  </a:schemeClr>
+                </a:gs>
+                <a:gs pos="100000">
+                  <a:schemeClr val="bg1">
+                    <a:lumMod val="50000"/>
+                    <a:shade val="100000"/>
+                    <a:satMod val="115000"/>
+                  </a:schemeClr>
+                </a:gs>
+              </a:gsLst>
+              <a:lin ang="5400000" scaled="1"/>
+              <a:tileRect/>
+            </a:gradFill>
+            <a:ln>
+              <a:noFill/>
+            </a:ln>
+          </p:spPr>
+          <p:style>
+            <a:lnRef idx="2">
+              <a:schemeClr val="accent1">
+                <a:shade val="50000"/>
+              </a:schemeClr>
+            </a:lnRef>
+            <a:fillRef idx="1">
+              <a:schemeClr val="accent1"/>
+            </a:fillRef>
+            <a:effectRef idx="0">
+              <a:schemeClr val="accent1"/>
+            </a:effectRef>
+            <a:fontRef idx="minor">
+              <a:schemeClr val="lt1"/>
+            </a:fontRef>
+          </p:style>
+          <p:txBody>
+            <a:bodyPr rtlCol="0" anchor="ctr"/>
+            <a:lstStyle/>
+            <a:p>
+              <a:pPr algn="ctr"/>
+              <a:endParaRPr lang="en-IN" sz="1600"/>
+            </a:p>
+          </p:txBody>
+        </p:sp>
+        <p:sp>
+          <p:nvSpPr>
+            <p:cNvPr id="34" name="Flowchart: Alternate Process 33"/>
+            <p:cNvSpPr/>
+            <p:nvPr/>
+          </p:nvSpPr>
+          <p:spPr>
+            <a:xfrm>
+              <a:off x="3009900" y="106680"/>
+              <a:ext cx="914400" cy="381000"/>
+            </a:xfrm>
+            <a:prstGeom prst="flowChartAlternateProcess">
+              <a:avLst/>
+            </a:prstGeom>
+            <a:gradFill flip="none" rotWithShape="1">
+              <a:gsLst>
+                <a:gs pos="0">
+                  <a:schemeClr val="accent1">
+                    <a:shade val="30000"/>
+                    <a:satMod val="115000"/>
+                  </a:schemeClr>
+                </a:gs>
+                <a:gs pos="50000">
+                  <a:schemeClr val="accent1">
+                    <a:shade val="67500"/>
+                    <a:satMod val="115000"/>
+                  </a:schemeClr>
+                </a:gs>
+                <a:gs pos="100000">
+                  <a:schemeClr val="accent1">
+                    <a:shade val="100000"/>
+                    <a:satMod val="115000"/>
+                  </a:schemeClr>
+                </a:gs>
+              </a:gsLst>
+              <a:lin ang="13500000" scaled="1"/>
+              <a:tileRect/>
+            </a:gradFill>
+            <a:ln>
+              <a:noFill/>
+            </a:ln>
+            <a:effectLst>
+              <a:outerShdw blurRad="50800" dist="38100" dir="5400000" algn="t" rotWithShape="0">
+                <a:prstClr val="black">
+                  <a:alpha val="40000"/>
+                </a:prstClr>
+              </a:outerShdw>
+            </a:effectLst>
+          </p:spPr>
+          <p:style>
+            <a:lnRef idx="2">
+              <a:schemeClr val="accent1">
+                <a:shade val="50000"/>
+              </a:schemeClr>
+            </a:lnRef>
+            <a:fillRef idx="1">
+              <a:schemeClr val="accent1"/>
+            </a:fillRef>
+            <a:effectRef idx="0">
+              <a:schemeClr val="accent1"/>
+            </a:effectRef>
+            <a:fontRef idx="minor">
+              <a:schemeClr val="lt1"/>
+            </a:fontRef>
+          </p:style>
+          <p:txBody>
+            <a:bodyPr rtlCol="0" anchor="ctr"/>
+            <a:lstStyle/>
+            <a:p>
+              <a:pPr algn="ctr"/>
+              <a:r>
+                <a:rPr lang="en-IN" sz="1600" dirty="0" smtClean="0"/>
+                <a:t>Start</a:t>
+              </a:r>
+              <a:endParaRPr lang="en-IN" sz="1600" dirty="0"/>
+            </a:p>
+          </p:txBody>
+        </p:sp>
+        <p:sp>
+          <p:nvSpPr>
+            <p:cNvPr id="35" name="Rectangle 34"/>
+            <p:cNvSpPr/>
+            <p:nvPr/>
+          </p:nvSpPr>
+          <p:spPr>
+            <a:xfrm>
+              <a:off x="1524000" y="914400"/>
+              <a:ext cx="3886200" cy="2057400"/>
+            </a:xfrm>
+            <a:prstGeom prst="rect">
+              <a:avLst/>
+            </a:prstGeom>
+            <a:gradFill flip="none" rotWithShape="1">
+              <a:gsLst>
+                <a:gs pos="0">
+                  <a:schemeClr val="accent1">
+                    <a:shade val="30000"/>
+                    <a:satMod val="115000"/>
+                  </a:schemeClr>
+                </a:gs>
+                <a:gs pos="50000">
+                  <a:schemeClr val="accent1">
+                    <a:shade val="67500"/>
+                    <a:satMod val="115000"/>
+                  </a:schemeClr>
+                </a:gs>
+                <a:gs pos="100000">
+                  <a:schemeClr val="accent1">
+                    <a:shade val="100000"/>
+                    <a:satMod val="115000"/>
+                  </a:schemeClr>
+                </a:gs>
+              </a:gsLst>
+              <a:lin ang="13500000" scaled="1"/>
+              <a:tileRect/>
+            </a:gradFill>
+            <a:ln>
+              <a:noFill/>
+            </a:ln>
+            <a:effectLst>
+              <a:outerShdw blurRad="50800" dist="38100" dir="5400000" algn="t" rotWithShape="0">
+                <a:prstClr val="black">
+                  <a:alpha val="40000"/>
+                </a:prstClr>
+              </a:outerShdw>
+            </a:effectLst>
+          </p:spPr>
+          <p:style>
+            <a:lnRef idx="2">
+              <a:schemeClr val="accent1">
+                <a:shade val="50000"/>
+              </a:schemeClr>
+            </a:lnRef>
+            <a:fillRef idx="1">
+              <a:schemeClr val="accent1"/>
+            </a:fillRef>
+            <a:effectRef idx="0">
+              <a:schemeClr val="accent1"/>
+            </a:effectRef>
+            <a:fontRef idx="minor">
+              <a:schemeClr val="lt1"/>
+            </a:fontRef>
+          </p:style>
+          <p:txBody>
+            <a:bodyPr rtlCol="0" anchor="ctr"/>
+            <a:lstStyle/>
+            <a:p>
+              <a:r>
+                <a:rPr lang="en-IN" sz="1600" dirty="0" smtClean="0"/>
+                <a:t>Send the Following Details to the Server:</a:t>
+              </a:r>
+            </a:p>
+            <a:p>
+              <a:pPr marL="342900" indent="-342900">
+                <a:buAutoNum type="arabicPeriod"/>
+              </a:pPr>
+              <a:r>
+                <a:rPr lang="en-IN" sz="1600" dirty="0" smtClean="0"/>
+                <a:t>Researcher ID</a:t>
+              </a:r>
+            </a:p>
+            <a:p>
+              <a:pPr marL="342900" indent="-342900">
+                <a:buAutoNum type="arabicPeriod"/>
+              </a:pPr>
+              <a:r>
+                <a:rPr lang="en-IN" sz="1600" dirty="0" smtClean="0"/>
+                <a:t>Note Body</a:t>
+              </a:r>
+            </a:p>
+            <a:p>
+              <a:pPr marL="800100" lvl="1" indent="-342900">
+                <a:buAutoNum type="arabicPeriod"/>
+              </a:pPr>
+              <a:r>
+                <a:rPr lang="en-IN" sz="1600" dirty="0" smtClean="0"/>
+                <a:t>Text</a:t>
+              </a:r>
+            </a:p>
+            <a:p>
+              <a:pPr marL="800100" lvl="1" indent="-342900">
+                <a:buAutoNum type="arabicPeriod"/>
+              </a:pPr>
+              <a:r>
+                <a:rPr lang="en-IN" sz="1600" dirty="0" smtClean="0"/>
+                <a:t>Image(s)</a:t>
+              </a:r>
+            </a:p>
+            <a:p>
+              <a:pPr marL="342900" indent="-342900">
+                <a:buAutoNum type="arabicPeriod"/>
+              </a:pPr>
+              <a:r>
+                <a:rPr lang="en-IN" sz="1600" dirty="0" smtClean="0"/>
+                <a:t>Note Saving Date &amp; Time</a:t>
+              </a:r>
+            </a:p>
+          </p:txBody>
+        </p:sp>
+        <p:sp>
+          <p:nvSpPr>
+            <p:cNvPr id="36" name="Rectangle 35"/>
+            <p:cNvSpPr/>
+            <p:nvPr/>
+          </p:nvSpPr>
+          <p:spPr>
+            <a:xfrm>
+              <a:off x="1524000" y="3429000"/>
+              <a:ext cx="3886200" cy="457200"/>
+            </a:xfrm>
+            <a:prstGeom prst="rect">
+              <a:avLst/>
+            </a:prstGeom>
+            <a:gradFill flip="none" rotWithShape="1">
+              <a:gsLst>
+                <a:gs pos="0">
+                  <a:schemeClr val="accent1">
+                    <a:shade val="30000"/>
+                    <a:satMod val="115000"/>
+                  </a:schemeClr>
+                </a:gs>
+                <a:gs pos="50000">
+                  <a:schemeClr val="accent1">
+                    <a:shade val="67500"/>
+                    <a:satMod val="115000"/>
+                  </a:schemeClr>
+                </a:gs>
+                <a:gs pos="100000">
+                  <a:schemeClr val="accent1">
+                    <a:shade val="100000"/>
+                    <a:satMod val="115000"/>
+                  </a:schemeClr>
+                </a:gs>
+              </a:gsLst>
+              <a:lin ang="13500000" scaled="1"/>
+              <a:tileRect/>
+            </a:gradFill>
+            <a:ln>
+              <a:noFill/>
+            </a:ln>
+            <a:effectLst>
+              <a:outerShdw blurRad="50800" dist="38100" dir="5400000" algn="t" rotWithShape="0">
+                <a:prstClr val="black">
+                  <a:alpha val="40000"/>
+                </a:prstClr>
+              </a:outerShdw>
+            </a:effectLst>
+          </p:spPr>
+          <p:style>
+            <a:lnRef idx="2">
+              <a:schemeClr val="accent1">
+                <a:shade val="50000"/>
+              </a:schemeClr>
+            </a:lnRef>
+            <a:fillRef idx="1">
+              <a:schemeClr val="accent1"/>
+            </a:fillRef>
+            <a:effectRef idx="0">
+              <a:schemeClr val="accent1"/>
+            </a:effectRef>
+            <a:fontRef idx="minor">
+              <a:schemeClr val="lt1"/>
+            </a:fontRef>
+          </p:style>
+          <p:txBody>
+            <a:bodyPr rtlCol="0" anchor="ctr"/>
+            <a:lstStyle/>
+            <a:p>
+              <a:r>
+                <a:rPr lang="en-IN" sz="1600" dirty="0" smtClean="0"/>
+                <a:t>Access the </a:t>
+              </a:r>
+              <a:r>
+                <a:rPr lang="en-IN" sz="1600" dirty="0" smtClean="0"/>
+                <a:t>Sent Details in the Server.</a:t>
+              </a:r>
+              <a:endParaRPr lang="en-IN" sz="1600" dirty="0" smtClean="0"/>
+            </a:p>
+          </p:txBody>
+        </p:sp>
+        <p:sp>
+          <p:nvSpPr>
+            <p:cNvPr id="37" name="Rectangle 36"/>
+            <p:cNvSpPr/>
+            <p:nvPr/>
+          </p:nvSpPr>
+          <p:spPr>
+            <a:xfrm>
+              <a:off x="1524000" y="4343400"/>
+              <a:ext cx="3886200" cy="609600"/>
+            </a:xfrm>
+            <a:prstGeom prst="rect">
+              <a:avLst/>
+            </a:prstGeom>
+            <a:gradFill flip="none" rotWithShape="1">
+              <a:gsLst>
+                <a:gs pos="0">
+                  <a:schemeClr val="accent1">
+                    <a:shade val="30000"/>
+                    <a:satMod val="115000"/>
+                  </a:schemeClr>
+                </a:gs>
+                <a:gs pos="50000">
+                  <a:schemeClr val="accent1">
+                    <a:shade val="67500"/>
+                    <a:satMod val="115000"/>
+                  </a:schemeClr>
+                </a:gs>
+                <a:gs pos="100000">
+                  <a:schemeClr val="accent1">
+                    <a:shade val="100000"/>
+                    <a:satMod val="115000"/>
+                  </a:schemeClr>
+                </a:gs>
+              </a:gsLst>
+              <a:lin ang="13500000" scaled="1"/>
+              <a:tileRect/>
+            </a:gradFill>
+            <a:ln>
+              <a:noFill/>
+            </a:ln>
+            <a:effectLst>
+              <a:outerShdw blurRad="50800" dist="38100" dir="5400000" algn="t" rotWithShape="0">
+                <a:prstClr val="black">
+                  <a:alpha val="40000"/>
+                </a:prstClr>
+              </a:outerShdw>
+            </a:effectLst>
+          </p:spPr>
+          <p:style>
+            <a:lnRef idx="2">
+              <a:schemeClr val="accent1">
+                <a:shade val="50000"/>
+              </a:schemeClr>
+            </a:lnRef>
+            <a:fillRef idx="1">
+              <a:schemeClr val="accent1"/>
+            </a:fillRef>
+            <a:effectRef idx="0">
+              <a:schemeClr val="accent1"/>
+            </a:effectRef>
+            <a:fontRef idx="minor">
+              <a:schemeClr val="lt1"/>
+            </a:fontRef>
+          </p:style>
+          <p:txBody>
+            <a:bodyPr rtlCol="0" anchor="ctr"/>
+            <a:lstStyle/>
+            <a:p>
+              <a:r>
+                <a:rPr lang="en-IN" sz="1600" dirty="0" smtClean="0"/>
+                <a:t>Save the Node of the Researcher along side Researcher ID in the Database.</a:t>
+              </a:r>
+            </a:p>
+          </p:txBody>
+        </p:sp>
+        <p:sp>
+          <p:nvSpPr>
+            <p:cNvPr id="38" name="Flowchart: Alternate Process 37"/>
+            <p:cNvSpPr/>
+            <p:nvPr/>
+          </p:nvSpPr>
+          <p:spPr>
+            <a:xfrm>
+              <a:off x="590550" y="7438644"/>
+              <a:ext cx="2419350" cy="381000"/>
+            </a:xfrm>
+            <a:prstGeom prst="flowChartAlternateProcess">
+              <a:avLst/>
+            </a:prstGeom>
+            <a:gradFill flip="none" rotWithShape="1">
+              <a:gsLst>
+                <a:gs pos="0">
+                  <a:schemeClr val="accent1">
+                    <a:shade val="30000"/>
+                    <a:satMod val="115000"/>
+                  </a:schemeClr>
+                </a:gs>
+                <a:gs pos="50000">
+                  <a:schemeClr val="accent1">
+                    <a:shade val="67500"/>
+                    <a:satMod val="115000"/>
+                  </a:schemeClr>
+                </a:gs>
+                <a:gs pos="100000">
+                  <a:schemeClr val="accent1">
+                    <a:shade val="100000"/>
+                    <a:satMod val="115000"/>
+                  </a:schemeClr>
+                </a:gs>
+              </a:gsLst>
+              <a:lin ang="13500000" scaled="1"/>
+              <a:tileRect/>
+            </a:gradFill>
+            <a:ln>
+              <a:noFill/>
+            </a:ln>
+            <a:effectLst>
+              <a:outerShdw blurRad="50800" dist="38100" dir="5400000" algn="t" rotWithShape="0">
+                <a:prstClr val="black">
+                  <a:alpha val="40000"/>
+                </a:prstClr>
+              </a:outerShdw>
+            </a:effectLst>
+          </p:spPr>
+          <p:style>
+            <a:lnRef idx="2">
+              <a:schemeClr val="accent1">
+                <a:shade val="50000"/>
+              </a:schemeClr>
+            </a:lnRef>
+            <a:fillRef idx="1">
+              <a:schemeClr val="accent1"/>
+            </a:fillRef>
+            <a:effectRef idx="0">
+              <a:schemeClr val="accent1"/>
+            </a:effectRef>
+            <a:fontRef idx="minor">
+              <a:schemeClr val="lt1"/>
+            </a:fontRef>
+          </p:style>
+          <p:txBody>
+            <a:bodyPr rtlCol="0" anchor="ctr"/>
+            <a:lstStyle/>
+            <a:p>
+              <a:pPr algn="ctr"/>
+              <a:r>
+                <a:rPr lang="en-IN" sz="1600" dirty="0" smtClean="0"/>
+                <a:t>Return “</a:t>
+              </a:r>
+              <a:r>
+                <a:rPr lang="en-IN" sz="1600" b="1" dirty="0" smtClean="0">
+                  <a:solidFill>
+                    <a:schemeClr val="accent3">
+                      <a:lumMod val="60000"/>
+                      <a:lumOff val="40000"/>
+                    </a:schemeClr>
+                  </a:solidFill>
+                </a:rPr>
+                <a:t>Success</a:t>
+              </a:r>
+              <a:r>
+                <a:rPr lang="en-IN" sz="1600" dirty="0" smtClean="0"/>
+                <a:t>”</a:t>
+              </a:r>
+              <a:endParaRPr lang="en-IN" sz="1600" dirty="0"/>
+            </a:p>
+          </p:txBody>
+        </p:sp>
+        <p:sp>
+          <p:nvSpPr>
+            <p:cNvPr id="39" name="Flowchart: Alternate Process 38"/>
+            <p:cNvSpPr/>
+            <p:nvPr/>
+          </p:nvSpPr>
+          <p:spPr>
+            <a:xfrm>
+              <a:off x="3924300" y="7467600"/>
+              <a:ext cx="2419350" cy="381000"/>
+            </a:xfrm>
+            <a:prstGeom prst="flowChartAlternateProcess">
+              <a:avLst/>
+            </a:prstGeom>
+            <a:gradFill flip="none" rotWithShape="1">
+              <a:gsLst>
+                <a:gs pos="0">
+                  <a:schemeClr val="accent1">
+                    <a:shade val="30000"/>
+                    <a:satMod val="115000"/>
+                  </a:schemeClr>
+                </a:gs>
+                <a:gs pos="50000">
+                  <a:schemeClr val="accent1">
+                    <a:shade val="67500"/>
+                    <a:satMod val="115000"/>
+                  </a:schemeClr>
+                </a:gs>
+                <a:gs pos="100000">
+                  <a:schemeClr val="accent1">
+                    <a:shade val="100000"/>
+                    <a:satMod val="115000"/>
+                  </a:schemeClr>
+                </a:gs>
+              </a:gsLst>
+              <a:lin ang="13500000" scaled="1"/>
+              <a:tileRect/>
+            </a:gradFill>
+            <a:ln>
+              <a:noFill/>
+            </a:ln>
+            <a:effectLst>
+              <a:outerShdw blurRad="50800" dist="38100" dir="5400000" algn="t" rotWithShape="0">
+                <a:prstClr val="black">
+                  <a:alpha val="40000"/>
+                </a:prstClr>
+              </a:outerShdw>
+            </a:effectLst>
+          </p:spPr>
+          <p:style>
+            <a:lnRef idx="2">
+              <a:schemeClr val="accent1">
+                <a:shade val="50000"/>
+              </a:schemeClr>
+            </a:lnRef>
+            <a:fillRef idx="1">
+              <a:schemeClr val="accent1"/>
+            </a:fillRef>
+            <a:effectRef idx="0">
+              <a:schemeClr val="accent1"/>
+            </a:effectRef>
+            <a:fontRef idx="minor">
+              <a:schemeClr val="lt1"/>
+            </a:fontRef>
+          </p:style>
+          <p:txBody>
+            <a:bodyPr rtlCol="0" anchor="ctr"/>
+            <a:lstStyle/>
+            <a:p>
+              <a:pPr algn="ctr"/>
+              <a:r>
+                <a:rPr lang="en-IN" sz="1600" dirty="0" smtClean="0"/>
+                <a:t>Return “</a:t>
+              </a:r>
+              <a:r>
+                <a:rPr lang="en-IN" sz="1600" b="1" dirty="0" smtClean="0">
+                  <a:solidFill>
+                    <a:schemeClr val="accent2">
+                      <a:lumMod val="20000"/>
+                      <a:lumOff val="80000"/>
+                    </a:schemeClr>
+                  </a:solidFill>
+                </a:rPr>
+                <a:t>Failure</a:t>
+              </a:r>
+              <a:r>
+                <a:rPr lang="en-IN" sz="1600" dirty="0" smtClean="0"/>
+                <a:t>”</a:t>
+              </a:r>
+              <a:endParaRPr lang="en-IN" sz="1600" dirty="0"/>
+            </a:p>
+          </p:txBody>
+        </p:sp>
+        <p:sp>
+          <p:nvSpPr>
+            <p:cNvPr id="40" name="Flowchart: Decision 39"/>
+            <p:cNvSpPr/>
+            <p:nvPr/>
+          </p:nvSpPr>
+          <p:spPr>
+            <a:xfrm>
+              <a:off x="2159508" y="5434584"/>
+              <a:ext cx="2590800" cy="1722120"/>
+            </a:xfrm>
+            <a:prstGeom prst="flowChartDecision">
+              <a:avLst/>
+            </a:prstGeom>
+            <a:gradFill flip="none" rotWithShape="1">
+              <a:gsLst>
+                <a:gs pos="0">
+                  <a:schemeClr val="accent1">
+                    <a:shade val="30000"/>
+                    <a:satMod val="115000"/>
+                  </a:schemeClr>
+                </a:gs>
+                <a:gs pos="50000">
+                  <a:schemeClr val="accent1">
+                    <a:shade val="67500"/>
+                    <a:satMod val="115000"/>
+                  </a:schemeClr>
+                </a:gs>
+                <a:gs pos="100000">
+                  <a:schemeClr val="accent1">
+                    <a:shade val="100000"/>
+                    <a:satMod val="115000"/>
+                  </a:schemeClr>
+                </a:gs>
+              </a:gsLst>
+              <a:lin ang="13500000" scaled="1"/>
+              <a:tileRect/>
+            </a:gradFill>
+            <a:ln>
+              <a:noFill/>
+            </a:ln>
+            <a:effectLst>
+              <a:outerShdw blurRad="50800" dist="38100" dir="5400000" algn="t" rotWithShape="0">
+                <a:prstClr val="black">
+                  <a:alpha val="40000"/>
+                </a:prstClr>
+              </a:outerShdw>
+            </a:effectLst>
+          </p:spPr>
+          <p:style>
+            <a:lnRef idx="2">
+              <a:schemeClr val="accent1">
+                <a:shade val="50000"/>
+              </a:schemeClr>
+            </a:lnRef>
+            <a:fillRef idx="1">
+              <a:schemeClr val="accent1"/>
+            </a:fillRef>
+            <a:effectRef idx="0">
+              <a:schemeClr val="accent1"/>
+            </a:effectRef>
+            <a:fontRef idx="minor">
+              <a:schemeClr val="lt1"/>
+            </a:fontRef>
+          </p:style>
+          <p:txBody>
+            <a:bodyPr rtlCol="0" anchor="ctr"/>
+            <a:lstStyle/>
+            <a:p>
+              <a:pPr algn="ctr"/>
+              <a:r>
+                <a:rPr lang="en-IN" sz="1600" dirty="0" smtClean="0"/>
+                <a:t>DB Request Successful?</a:t>
+              </a:r>
+              <a:endParaRPr lang="en-IN" sz="1600" dirty="0"/>
+            </a:p>
+          </p:txBody>
+        </p:sp>
+      </p:grpSp>
+      <p:grpSp>
+        <p:nvGrpSpPr>
+          <p:cNvPr id="41" name="Group 40"/>
+          <p:cNvGrpSpPr/>
+          <p:nvPr/>
+        </p:nvGrpSpPr>
+        <p:grpSpPr>
+          <a:xfrm>
+            <a:off x="5384800" y="182880"/>
+            <a:ext cx="5295900" cy="7741920"/>
+            <a:chOff x="590550" y="106680"/>
+            <a:chExt cx="5753100" cy="7741920"/>
+          </a:xfrm>
+        </p:grpSpPr>
+        <p:sp>
+          <p:nvSpPr>
+            <p:cNvPr id="42" name="Down Arrow 41"/>
+            <p:cNvSpPr/>
+            <p:nvPr/>
+          </p:nvSpPr>
+          <p:spPr>
+            <a:xfrm>
+              <a:off x="3191256" y="4876800"/>
+              <a:ext cx="533400" cy="457200"/>
+            </a:xfrm>
+            <a:prstGeom prst="downArrow">
+              <a:avLst/>
+            </a:prstGeom>
+            <a:gradFill flip="none" rotWithShape="1">
+              <a:gsLst>
+                <a:gs pos="0">
+                  <a:schemeClr val="bg1">
+                    <a:lumMod val="50000"/>
+                    <a:shade val="30000"/>
+                    <a:satMod val="115000"/>
+                  </a:schemeClr>
+                </a:gs>
+                <a:gs pos="50000">
+                  <a:schemeClr val="bg1">
+                    <a:lumMod val="50000"/>
+                    <a:shade val="67500"/>
+                    <a:satMod val="115000"/>
+                  </a:schemeClr>
+                </a:gs>
+                <a:gs pos="100000">
+                  <a:schemeClr val="bg1">
+                    <a:lumMod val="50000"/>
+                    <a:shade val="100000"/>
+                    <a:satMod val="115000"/>
+                  </a:schemeClr>
+                </a:gs>
+              </a:gsLst>
+              <a:lin ang="5400000" scaled="1"/>
+              <a:tileRect/>
+            </a:gradFill>
+            <a:ln>
+              <a:noFill/>
+            </a:ln>
+          </p:spPr>
+          <p:style>
+            <a:lnRef idx="2">
+              <a:schemeClr val="accent1">
+                <a:shade val="50000"/>
+              </a:schemeClr>
+            </a:lnRef>
+            <a:fillRef idx="1">
+              <a:schemeClr val="accent1"/>
+            </a:fillRef>
+            <a:effectRef idx="0">
+              <a:schemeClr val="accent1"/>
+            </a:effectRef>
+            <a:fontRef idx="minor">
+              <a:schemeClr val="lt1"/>
+            </a:fontRef>
+          </p:style>
+          <p:txBody>
+            <a:bodyPr rtlCol="0" anchor="ctr"/>
+            <a:lstStyle/>
+            <a:p>
+              <a:pPr algn="ctr"/>
+              <a:endParaRPr lang="en-IN" sz="1600"/>
+            </a:p>
+          </p:txBody>
+        </p:sp>
+        <p:sp>
+          <p:nvSpPr>
+            <p:cNvPr id="43" name="Down Arrow 42"/>
+            <p:cNvSpPr/>
+            <p:nvPr/>
+          </p:nvSpPr>
+          <p:spPr>
+            <a:xfrm>
+              <a:off x="3200400" y="3810000"/>
+              <a:ext cx="533400" cy="457200"/>
+            </a:xfrm>
+            <a:prstGeom prst="downArrow">
+              <a:avLst/>
+            </a:prstGeom>
+            <a:gradFill flip="none" rotWithShape="1">
+              <a:gsLst>
+                <a:gs pos="0">
+                  <a:schemeClr val="bg1">
+                    <a:lumMod val="50000"/>
+                    <a:shade val="30000"/>
+                    <a:satMod val="115000"/>
+                  </a:schemeClr>
+                </a:gs>
+                <a:gs pos="50000">
+                  <a:schemeClr val="bg1">
+                    <a:lumMod val="50000"/>
+                    <a:shade val="67500"/>
+                    <a:satMod val="115000"/>
+                  </a:schemeClr>
+                </a:gs>
+                <a:gs pos="100000">
+                  <a:schemeClr val="bg1">
+                    <a:lumMod val="50000"/>
+                    <a:shade val="100000"/>
+                    <a:satMod val="115000"/>
+                  </a:schemeClr>
+                </a:gs>
+              </a:gsLst>
+              <a:lin ang="5400000" scaled="1"/>
+              <a:tileRect/>
+            </a:gradFill>
+            <a:ln>
+              <a:noFill/>
+            </a:ln>
+          </p:spPr>
+          <p:style>
+            <a:lnRef idx="2">
+              <a:schemeClr val="accent1">
+                <a:shade val="50000"/>
+              </a:schemeClr>
+            </a:lnRef>
+            <a:fillRef idx="1">
+              <a:schemeClr val="accent1"/>
+            </a:fillRef>
+            <a:effectRef idx="0">
+              <a:schemeClr val="accent1"/>
+            </a:effectRef>
+            <a:fontRef idx="minor">
+              <a:schemeClr val="lt1"/>
+            </a:fontRef>
+          </p:style>
+          <p:txBody>
+            <a:bodyPr rtlCol="0" anchor="ctr"/>
+            <a:lstStyle/>
+            <a:p>
+              <a:pPr algn="ctr"/>
+              <a:endParaRPr lang="en-IN" sz="1600"/>
+            </a:p>
+          </p:txBody>
+        </p:sp>
+        <p:sp>
+          <p:nvSpPr>
+            <p:cNvPr id="44" name="Down Arrow 43"/>
+            <p:cNvSpPr/>
+            <p:nvPr/>
+          </p:nvSpPr>
+          <p:spPr>
+            <a:xfrm>
+              <a:off x="3200400" y="2895600"/>
+              <a:ext cx="533400" cy="457200"/>
+            </a:xfrm>
+            <a:prstGeom prst="downArrow">
+              <a:avLst/>
+            </a:prstGeom>
+            <a:gradFill flip="none" rotWithShape="1">
+              <a:gsLst>
+                <a:gs pos="0">
+                  <a:schemeClr val="bg1">
+                    <a:lumMod val="50000"/>
+                    <a:shade val="30000"/>
+                    <a:satMod val="115000"/>
+                  </a:schemeClr>
+                </a:gs>
+                <a:gs pos="50000">
+                  <a:schemeClr val="bg1">
+                    <a:lumMod val="50000"/>
+                    <a:shade val="67500"/>
+                    <a:satMod val="115000"/>
+                  </a:schemeClr>
+                </a:gs>
+                <a:gs pos="100000">
+                  <a:schemeClr val="bg1">
+                    <a:lumMod val="50000"/>
+                    <a:shade val="100000"/>
+                    <a:satMod val="115000"/>
+                  </a:schemeClr>
+                </a:gs>
+              </a:gsLst>
+              <a:lin ang="5400000" scaled="1"/>
+              <a:tileRect/>
+            </a:gradFill>
+            <a:ln>
+              <a:noFill/>
+            </a:ln>
+          </p:spPr>
+          <p:style>
+            <a:lnRef idx="2">
+              <a:schemeClr val="accent1">
+                <a:shade val="50000"/>
+              </a:schemeClr>
+            </a:lnRef>
+            <a:fillRef idx="1">
+              <a:schemeClr val="accent1"/>
+            </a:fillRef>
+            <a:effectRef idx="0">
+              <a:schemeClr val="accent1"/>
+            </a:effectRef>
+            <a:fontRef idx="minor">
+              <a:schemeClr val="lt1"/>
+            </a:fontRef>
+          </p:style>
+          <p:txBody>
+            <a:bodyPr rtlCol="0" anchor="ctr"/>
+            <a:lstStyle/>
+            <a:p>
+              <a:pPr algn="ctr"/>
+              <a:endParaRPr lang="en-IN" sz="1600"/>
+            </a:p>
+          </p:txBody>
+        </p:sp>
+        <p:sp>
+          <p:nvSpPr>
+            <p:cNvPr id="45" name="Down Arrow 44"/>
+            <p:cNvSpPr/>
+            <p:nvPr/>
+          </p:nvSpPr>
+          <p:spPr>
+            <a:xfrm>
+              <a:off x="3191256" y="381000"/>
+              <a:ext cx="533400" cy="457200"/>
+            </a:xfrm>
+            <a:prstGeom prst="downArrow">
+              <a:avLst/>
+            </a:prstGeom>
+            <a:gradFill flip="none" rotWithShape="1">
+              <a:gsLst>
+                <a:gs pos="0">
+                  <a:schemeClr val="bg1">
+                    <a:lumMod val="50000"/>
+                    <a:shade val="30000"/>
+                    <a:satMod val="115000"/>
+                  </a:schemeClr>
+                </a:gs>
+                <a:gs pos="50000">
+                  <a:schemeClr val="bg1">
+                    <a:lumMod val="50000"/>
+                    <a:shade val="67500"/>
+                    <a:satMod val="115000"/>
+                  </a:schemeClr>
+                </a:gs>
+                <a:gs pos="100000">
+                  <a:schemeClr val="bg1">
+                    <a:lumMod val="50000"/>
+                    <a:shade val="100000"/>
+                    <a:satMod val="115000"/>
+                  </a:schemeClr>
+                </a:gs>
+              </a:gsLst>
+              <a:lin ang="5400000" scaled="1"/>
+              <a:tileRect/>
+            </a:gradFill>
+            <a:ln>
+              <a:noFill/>
+            </a:ln>
+          </p:spPr>
+          <p:style>
+            <a:lnRef idx="2">
+              <a:schemeClr val="accent1">
+                <a:shade val="50000"/>
+              </a:schemeClr>
+            </a:lnRef>
+            <a:fillRef idx="1">
+              <a:schemeClr val="accent1"/>
+            </a:fillRef>
+            <a:effectRef idx="0">
+              <a:schemeClr val="accent1"/>
+            </a:effectRef>
+            <a:fontRef idx="minor">
+              <a:schemeClr val="lt1"/>
+            </a:fontRef>
+          </p:style>
+          <p:txBody>
+            <a:bodyPr rtlCol="0" anchor="ctr"/>
+            <a:lstStyle/>
+            <a:p>
+              <a:pPr algn="ctr"/>
+              <a:endParaRPr lang="en-IN" sz="1600"/>
+            </a:p>
+          </p:txBody>
+        </p:sp>
+        <p:sp>
+          <p:nvSpPr>
+            <p:cNvPr id="46" name="Bent-Up Arrow 45"/>
+            <p:cNvSpPr/>
+            <p:nvPr/>
+          </p:nvSpPr>
+          <p:spPr>
+            <a:xfrm flipH="1" flipV="1">
+              <a:off x="1524000" y="6172200"/>
+              <a:ext cx="1066800" cy="1190244"/>
+            </a:xfrm>
+            <a:prstGeom prst="bentUpArrow">
+              <a:avLst/>
+            </a:prstGeom>
+            <a:gradFill flip="none" rotWithShape="1">
+              <a:gsLst>
+                <a:gs pos="0">
+                  <a:schemeClr val="bg1">
+                    <a:lumMod val="50000"/>
+                    <a:shade val="30000"/>
+                    <a:satMod val="115000"/>
+                  </a:schemeClr>
+                </a:gs>
+                <a:gs pos="50000">
+                  <a:schemeClr val="bg1">
+                    <a:lumMod val="50000"/>
+                    <a:shade val="67500"/>
+                    <a:satMod val="115000"/>
+                  </a:schemeClr>
+                </a:gs>
+                <a:gs pos="100000">
+                  <a:schemeClr val="bg1">
+                    <a:lumMod val="50000"/>
+                    <a:shade val="100000"/>
+                    <a:satMod val="115000"/>
+                  </a:schemeClr>
+                </a:gs>
+              </a:gsLst>
+              <a:lin ang="5400000" scaled="1"/>
+              <a:tileRect/>
+            </a:gradFill>
+            <a:ln>
+              <a:noFill/>
+            </a:ln>
+          </p:spPr>
+          <p:style>
+            <a:lnRef idx="2">
+              <a:schemeClr val="accent1">
+                <a:shade val="50000"/>
+              </a:schemeClr>
+            </a:lnRef>
+            <a:fillRef idx="1">
+              <a:schemeClr val="accent1"/>
+            </a:fillRef>
+            <a:effectRef idx="0">
+              <a:schemeClr val="accent1"/>
+            </a:effectRef>
+            <a:fontRef idx="minor">
+              <a:schemeClr val="lt1"/>
+            </a:fontRef>
+          </p:style>
+          <p:txBody>
+            <a:bodyPr rtlCol="0" anchor="ctr"/>
+            <a:lstStyle/>
+            <a:p>
+              <a:pPr algn="ctr"/>
+              <a:endParaRPr lang="en-IN" sz="1600"/>
+            </a:p>
+          </p:txBody>
+        </p:sp>
+        <p:sp>
+          <p:nvSpPr>
+            <p:cNvPr id="47" name="Bent-Up Arrow 46"/>
+            <p:cNvSpPr/>
+            <p:nvPr/>
+          </p:nvSpPr>
+          <p:spPr>
+            <a:xfrm flipV="1">
+              <a:off x="4343400" y="6172200"/>
+              <a:ext cx="1066800" cy="1266444"/>
+            </a:xfrm>
+            <a:prstGeom prst="bentUpArrow">
+              <a:avLst/>
+            </a:prstGeom>
+            <a:gradFill flip="none" rotWithShape="1">
+              <a:gsLst>
+                <a:gs pos="0">
+                  <a:schemeClr val="bg1">
+                    <a:lumMod val="50000"/>
+                    <a:shade val="30000"/>
+                    <a:satMod val="115000"/>
+                  </a:schemeClr>
+                </a:gs>
+                <a:gs pos="50000">
+                  <a:schemeClr val="bg1">
+                    <a:lumMod val="50000"/>
+                    <a:shade val="67500"/>
+                    <a:satMod val="115000"/>
+                  </a:schemeClr>
+                </a:gs>
+                <a:gs pos="100000">
+                  <a:schemeClr val="bg1">
+                    <a:lumMod val="50000"/>
+                    <a:shade val="100000"/>
+                    <a:satMod val="115000"/>
+                  </a:schemeClr>
+                </a:gs>
+              </a:gsLst>
+              <a:lin ang="5400000" scaled="1"/>
+              <a:tileRect/>
+            </a:gradFill>
+            <a:ln>
+              <a:noFill/>
+            </a:ln>
+          </p:spPr>
+          <p:style>
+            <a:lnRef idx="2">
+              <a:schemeClr val="accent1">
+                <a:shade val="50000"/>
+              </a:schemeClr>
+            </a:lnRef>
+            <a:fillRef idx="1">
+              <a:schemeClr val="accent1"/>
+            </a:fillRef>
+            <a:effectRef idx="0">
+              <a:schemeClr val="accent1"/>
+            </a:effectRef>
+            <a:fontRef idx="minor">
+              <a:schemeClr val="lt1"/>
+            </a:fontRef>
+          </p:style>
+          <p:txBody>
+            <a:bodyPr rtlCol="0" anchor="ctr"/>
+            <a:lstStyle/>
+            <a:p>
+              <a:pPr algn="ctr"/>
+              <a:endParaRPr lang="en-IN" sz="1600"/>
+            </a:p>
+          </p:txBody>
+        </p:sp>
+        <p:sp>
+          <p:nvSpPr>
+            <p:cNvPr id="49" name="Flowchart: Alternate Process 48"/>
+            <p:cNvSpPr/>
+            <p:nvPr/>
+          </p:nvSpPr>
+          <p:spPr>
+            <a:xfrm>
+              <a:off x="3009900" y="106680"/>
+              <a:ext cx="914400" cy="381000"/>
+            </a:xfrm>
+            <a:prstGeom prst="flowChartAlternateProcess">
+              <a:avLst/>
+            </a:prstGeom>
+            <a:gradFill flip="none" rotWithShape="1">
+              <a:gsLst>
+                <a:gs pos="0">
+                  <a:schemeClr val="accent1">
+                    <a:shade val="30000"/>
+                    <a:satMod val="115000"/>
+                  </a:schemeClr>
+                </a:gs>
+                <a:gs pos="50000">
+                  <a:schemeClr val="accent1">
+                    <a:shade val="67500"/>
+                    <a:satMod val="115000"/>
+                  </a:schemeClr>
+                </a:gs>
+                <a:gs pos="100000">
+                  <a:schemeClr val="accent1">
+                    <a:shade val="100000"/>
+                    <a:satMod val="115000"/>
+                  </a:schemeClr>
+                </a:gs>
+              </a:gsLst>
+              <a:lin ang="13500000" scaled="1"/>
+              <a:tileRect/>
+            </a:gradFill>
+            <a:ln>
+              <a:noFill/>
+            </a:ln>
+            <a:effectLst>
+              <a:outerShdw blurRad="50800" dist="38100" dir="5400000" algn="t" rotWithShape="0">
+                <a:prstClr val="black">
+                  <a:alpha val="40000"/>
+                </a:prstClr>
+              </a:outerShdw>
+            </a:effectLst>
+          </p:spPr>
+          <p:style>
+            <a:lnRef idx="2">
+              <a:schemeClr val="accent1">
+                <a:shade val="50000"/>
+              </a:schemeClr>
+            </a:lnRef>
+            <a:fillRef idx="1">
+              <a:schemeClr val="accent1"/>
+            </a:fillRef>
+            <a:effectRef idx="0">
+              <a:schemeClr val="accent1"/>
+            </a:effectRef>
+            <a:fontRef idx="minor">
+              <a:schemeClr val="lt1"/>
+            </a:fontRef>
+          </p:style>
+          <p:txBody>
+            <a:bodyPr rtlCol="0" anchor="ctr"/>
+            <a:lstStyle/>
+            <a:p>
+              <a:pPr algn="ctr"/>
+              <a:r>
+                <a:rPr lang="en-IN" sz="1600" dirty="0" smtClean="0"/>
+                <a:t>Start</a:t>
+              </a:r>
+              <a:endParaRPr lang="en-IN" sz="1600" dirty="0"/>
+            </a:p>
+          </p:txBody>
+        </p:sp>
+        <p:sp>
+          <p:nvSpPr>
+            <p:cNvPr id="51" name="Rectangle 50"/>
+            <p:cNvSpPr/>
+            <p:nvPr/>
+          </p:nvSpPr>
+          <p:spPr>
+            <a:xfrm>
+              <a:off x="1524000" y="914400"/>
+              <a:ext cx="3886200" cy="2057400"/>
+            </a:xfrm>
+            <a:prstGeom prst="rect">
+              <a:avLst/>
+            </a:prstGeom>
+            <a:gradFill flip="none" rotWithShape="1">
+              <a:gsLst>
+                <a:gs pos="0">
+                  <a:schemeClr val="accent1">
+                    <a:shade val="30000"/>
+                    <a:satMod val="115000"/>
+                  </a:schemeClr>
+                </a:gs>
+                <a:gs pos="50000">
+                  <a:schemeClr val="accent1">
+                    <a:shade val="67500"/>
+                    <a:satMod val="115000"/>
+                  </a:schemeClr>
+                </a:gs>
+                <a:gs pos="100000">
+                  <a:schemeClr val="accent1">
+                    <a:shade val="100000"/>
+                    <a:satMod val="115000"/>
+                  </a:schemeClr>
+                </a:gs>
+              </a:gsLst>
+              <a:lin ang="13500000" scaled="1"/>
+              <a:tileRect/>
+            </a:gradFill>
+            <a:ln>
+              <a:noFill/>
+            </a:ln>
+            <a:effectLst>
+              <a:outerShdw blurRad="50800" dist="38100" dir="5400000" algn="t" rotWithShape="0">
+                <a:prstClr val="black">
+                  <a:alpha val="40000"/>
+                </a:prstClr>
+              </a:outerShdw>
+            </a:effectLst>
+          </p:spPr>
+          <p:style>
+            <a:lnRef idx="2">
+              <a:schemeClr val="accent1">
+                <a:shade val="50000"/>
+              </a:schemeClr>
+            </a:lnRef>
+            <a:fillRef idx="1">
+              <a:schemeClr val="accent1"/>
+            </a:fillRef>
+            <a:effectRef idx="0">
+              <a:schemeClr val="accent1"/>
+            </a:effectRef>
+            <a:fontRef idx="minor">
+              <a:schemeClr val="lt1"/>
+            </a:fontRef>
+          </p:style>
+          <p:txBody>
+            <a:bodyPr rtlCol="0" anchor="ctr"/>
+            <a:lstStyle/>
+            <a:p>
+              <a:r>
+                <a:rPr lang="en-IN" sz="1600" dirty="0" smtClean="0"/>
+                <a:t>Send the Following Details to the Server:</a:t>
+              </a:r>
+            </a:p>
+            <a:p>
+              <a:pPr marL="342900" indent="-342900">
+                <a:buAutoNum type="arabicPeriod"/>
+              </a:pPr>
+              <a:r>
+                <a:rPr lang="en-IN" sz="1600" dirty="0" smtClean="0"/>
+                <a:t>Researcher </a:t>
+              </a:r>
+              <a:r>
+                <a:rPr lang="en-IN" sz="1600" dirty="0" smtClean="0"/>
+                <a:t>ID</a:t>
+              </a:r>
+            </a:p>
+            <a:p>
+              <a:endParaRPr lang="en-IN" sz="1600" dirty="0" smtClean="0"/>
+            </a:p>
+          </p:txBody>
+        </p:sp>
+        <p:sp>
+          <p:nvSpPr>
+            <p:cNvPr id="52" name="Rectangle 51"/>
+            <p:cNvSpPr/>
+            <p:nvPr/>
+          </p:nvSpPr>
+          <p:spPr>
+            <a:xfrm>
+              <a:off x="1524000" y="3429000"/>
+              <a:ext cx="3886200" cy="457200"/>
+            </a:xfrm>
+            <a:prstGeom prst="rect">
+              <a:avLst/>
+            </a:prstGeom>
+            <a:gradFill flip="none" rotWithShape="1">
+              <a:gsLst>
+                <a:gs pos="0">
+                  <a:schemeClr val="accent1">
+                    <a:shade val="30000"/>
+                    <a:satMod val="115000"/>
+                  </a:schemeClr>
+                </a:gs>
+                <a:gs pos="50000">
+                  <a:schemeClr val="accent1">
+                    <a:shade val="67500"/>
+                    <a:satMod val="115000"/>
+                  </a:schemeClr>
+                </a:gs>
+                <a:gs pos="100000">
+                  <a:schemeClr val="accent1">
+                    <a:shade val="100000"/>
+                    <a:satMod val="115000"/>
+                  </a:schemeClr>
+                </a:gs>
+              </a:gsLst>
+              <a:lin ang="13500000" scaled="1"/>
+              <a:tileRect/>
+            </a:gradFill>
+            <a:ln>
+              <a:noFill/>
+            </a:ln>
+            <a:effectLst>
+              <a:outerShdw blurRad="50800" dist="38100" dir="5400000" algn="t" rotWithShape="0">
+                <a:prstClr val="black">
+                  <a:alpha val="40000"/>
+                </a:prstClr>
+              </a:outerShdw>
+            </a:effectLst>
+          </p:spPr>
+          <p:style>
+            <a:lnRef idx="2">
+              <a:schemeClr val="accent1">
+                <a:shade val="50000"/>
+              </a:schemeClr>
+            </a:lnRef>
+            <a:fillRef idx="1">
+              <a:schemeClr val="accent1"/>
+            </a:fillRef>
+            <a:effectRef idx="0">
+              <a:schemeClr val="accent1"/>
+            </a:effectRef>
+            <a:fontRef idx="minor">
+              <a:schemeClr val="lt1"/>
+            </a:fontRef>
+          </p:style>
+          <p:txBody>
+            <a:bodyPr rtlCol="0" anchor="ctr"/>
+            <a:lstStyle/>
+            <a:p>
+              <a:r>
+                <a:rPr lang="en-IN" sz="1600" dirty="0" smtClean="0"/>
+                <a:t>Access the </a:t>
+              </a:r>
+              <a:r>
+                <a:rPr lang="en-IN" sz="1600" dirty="0" smtClean="0"/>
+                <a:t>Sent Details </a:t>
+              </a:r>
+              <a:r>
+                <a:rPr lang="en-IN" sz="1600" dirty="0" smtClean="0"/>
+                <a:t>in the </a:t>
+              </a:r>
+              <a:r>
+                <a:rPr lang="en-IN" sz="1600" dirty="0" smtClean="0"/>
+                <a:t>Server.</a:t>
+              </a:r>
+              <a:endParaRPr lang="en-IN" sz="1600" dirty="0" smtClean="0"/>
+            </a:p>
+          </p:txBody>
+        </p:sp>
+        <p:sp>
+          <p:nvSpPr>
+            <p:cNvPr id="53" name="Rectangle 52"/>
+            <p:cNvSpPr/>
+            <p:nvPr/>
+          </p:nvSpPr>
+          <p:spPr>
+            <a:xfrm>
+              <a:off x="1524000" y="4343400"/>
+              <a:ext cx="3886200" cy="609600"/>
+            </a:xfrm>
+            <a:prstGeom prst="rect">
+              <a:avLst/>
+            </a:prstGeom>
+            <a:gradFill flip="none" rotWithShape="1">
+              <a:gsLst>
+                <a:gs pos="0">
+                  <a:schemeClr val="accent1">
+                    <a:shade val="30000"/>
+                    <a:satMod val="115000"/>
+                  </a:schemeClr>
+                </a:gs>
+                <a:gs pos="50000">
+                  <a:schemeClr val="accent1">
+                    <a:shade val="67500"/>
+                    <a:satMod val="115000"/>
+                  </a:schemeClr>
+                </a:gs>
+                <a:gs pos="100000">
+                  <a:schemeClr val="accent1">
+                    <a:shade val="100000"/>
+                    <a:satMod val="115000"/>
+                  </a:schemeClr>
+                </a:gs>
+              </a:gsLst>
+              <a:lin ang="13500000" scaled="1"/>
+              <a:tileRect/>
+            </a:gradFill>
+            <a:ln>
+              <a:noFill/>
+            </a:ln>
+            <a:effectLst>
+              <a:outerShdw blurRad="50800" dist="38100" dir="5400000" algn="t" rotWithShape="0">
+                <a:prstClr val="black">
+                  <a:alpha val="40000"/>
+                </a:prstClr>
+              </a:outerShdw>
+            </a:effectLst>
+          </p:spPr>
+          <p:style>
+            <a:lnRef idx="2">
+              <a:schemeClr val="accent1">
+                <a:shade val="50000"/>
+              </a:schemeClr>
+            </a:lnRef>
+            <a:fillRef idx="1">
+              <a:schemeClr val="accent1"/>
+            </a:fillRef>
+            <a:effectRef idx="0">
+              <a:schemeClr val="accent1"/>
+            </a:effectRef>
+            <a:fontRef idx="minor">
+              <a:schemeClr val="lt1"/>
+            </a:fontRef>
+          </p:style>
+          <p:txBody>
+            <a:bodyPr rtlCol="0" anchor="ctr"/>
+            <a:lstStyle/>
+            <a:p>
+              <a:r>
+                <a:rPr lang="en-IN" sz="1600" dirty="0" smtClean="0"/>
+                <a:t>Fetch all the Notes with that Researcher ID from the Database.</a:t>
+              </a:r>
+              <a:endParaRPr lang="en-IN" sz="1600" dirty="0" smtClean="0"/>
+            </a:p>
+          </p:txBody>
+        </p:sp>
+        <p:sp>
+          <p:nvSpPr>
+            <p:cNvPr id="54" name="Flowchart: Alternate Process 53"/>
+            <p:cNvSpPr/>
+            <p:nvPr/>
+          </p:nvSpPr>
+          <p:spPr>
+            <a:xfrm>
+              <a:off x="590550" y="7438644"/>
+              <a:ext cx="2419350" cy="381000"/>
+            </a:xfrm>
+            <a:prstGeom prst="flowChartAlternateProcess">
+              <a:avLst/>
+            </a:prstGeom>
+            <a:gradFill flip="none" rotWithShape="1">
+              <a:gsLst>
+                <a:gs pos="0">
+                  <a:schemeClr val="accent1">
+                    <a:shade val="30000"/>
+                    <a:satMod val="115000"/>
+                  </a:schemeClr>
+                </a:gs>
+                <a:gs pos="50000">
+                  <a:schemeClr val="accent1">
+                    <a:shade val="67500"/>
+                    <a:satMod val="115000"/>
+                  </a:schemeClr>
+                </a:gs>
+                <a:gs pos="100000">
+                  <a:schemeClr val="accent1">
+                    <a:shade val="100000"/>
+                    <a:satMod val="115000"/>
+                  </a:schemeClr>
+                </a:gs>
+              </a:gsLst>
+              <a:lin ang="13500000" scaled="1"/>
+              <a:tileRect/>
+            </a:gradFill>
+            <a:ln>
+              <a:noFill/>
+            </a:ln>
+            <a:effectLst>
+              <a:outerShdw blurRad="50800" dist="38100" dir="5400000" algn="t" rotWithShape="0">
+                <a:prstClr val="black">
+                  <a:alpha val="40000"/>
+                </a:prstClr>
+              </a:outerShdw>
+            </a:effectLst>
+          </p:spPr>
+          <p:style>
+            <a:lnRef idx="2">
+              <a:schemeClr val="accent1">
+                <a:shade val="50000"/>
+              </a:schemeClr>
+            </a:lnRef>
+            <a:fillRef idx="1">
+              <a:schemeClr val="accent1"/>
+            </a:fillRef>
+            <a:effectRef idx="0">
+              <a:schemeClr val="accent1"/>
+            </a:effectRef>
+            <a:fontRef idx="minor">
+              <a:schemeClr val="lt1"/>
+            </a:fontRef>
+          </p:style>
+          <p:txBody>
+            <a:bodyPr rtlCol="0" anchor="ctr"/>
+            <a:lstStyle/>
+            <a:p>
+              <a:pPr algn="ctr"/>
+              <a:r>
+                <a:rPr lang="en-IN" sz="1600" dirty="0"/>
+                <a:t>Return “</a:t>
+              </a:r>
+              <a:r>
+                <a:rPr lang="en-IN" sz="1600" b="1" dirty="0">
+                  <a:solidFill>
+                    <a:schemeClr val="accent3">
+                      <a:lumMod val="60000"/>
+                      <a:lumOff val="40000"/>
+                    </a:schemeClr>
+                  </a:solidFill>
+                </a:rPr>
+                <a:t>Success</a:t>
+              </a:r>
+              <a:r>
+                <a:rPr lang="en-IN" sz="1600" dirty="0"/>
+                <a:t>”</a:t>
+              </a:r>
+              <a:endParaRPr lang="en-IN" sz="1600" dirty="0"/>
+            </a:p>
+          </p:txBody>
+        </p:sp>
+        <p:sp>
+          <p:nvSpPr>
+            <p:cNvPr id="55" name="Flowchart: Alternate Process 54"/>
+            <p:cNvSpPr/>
+            <p:nvPr/>
+          </p:nvSpPr>
+          <p:spPr>
+            <a:xfrm>
+              <a:off x="3924300" y="7467600"/>
+              <a:ext cx="2419350" cy="381000"/>
+            </a:xfrm>
+            <a:prstGeom prst="flowChartAlternateProcess">
+              <a:avLst/>
+            </a:prstGeom>
+            <a:gradFill flip="none" rotWithShape="1">
+              <a:gsLst>
+                <a:gs pos="0">
+                  <a:schemeClr val="accent1">
+                    <a:shade val="30000"/>
+                    <a:satMod val="115000"/>
+                  </a:schemeClr>
+                </a:gs>
+                <a:gs pos="50000">
+                  <a:schemeClr val="accent1">
+                    <a:shade val="67500"/>
+                    <a:satMod val="115000"/>
+                  </a:schemeClr>
+                </a:gs>
+                <a:gs pos="100000">
+                  <a:schemeClr val="accent1">
+                    <a:shade val="100000"/>
+                    <a:satMod val="115000"/>
+                  </a:schemeClr>
+                </a:gs>
+              </a:gsLst>
+              <a:lin ang="13500000" scaled="1"/>
+              <a:tileRect/>
+            </a:gradFill>
+            <a:ln>
+              <a:noFill/>
+            </a:ln>
+            <a:effectLst>
+              <a:outerShdw blurRad="50800" dist="38100" dir="5400000" algn="t" rotWithShape="0">
+                <a:prstClr val="black">
+                  <a:alpha val="40000"/>
+                </a:prstClr>
+              </a:outerShdw>
+            </a:effectLst>
+          </p:spPr>
+          <p:style>
+            <a:lnRef idx="2">
+              <a:schemeClr val="accent1">
+                <a:shade val="50000"/>
+              </a:schemeClr>
+            </a:lnRef>
+            <a:fillRef idx="1">
+              <a:schemeClr val="accent1"/>
+            </a:fillRef>
+            <a:effectRef idx="0">
+              <a:schemeClr val="accent1"/>
+            </a:effectRef>
+            <a:fontRef idx="minor">
+              <a:schemeClr val="lt1"/>
+            </a:fontRef>
+          </p:style>
+          <p:txBody>
+            <a:bodyPr rtlCol="0" anchor="ctr"/>
+            <a:lstStyle/>
+            <a:p>
+              <a:pPr algn="ctr"/>
+              <a:r>
+                <a:rPr lang="en-IN" sz="1600" dirty="0"/>
+                <a:t>Return “</a:t>
+              </a:r>
+              <a:r>
+                <a:rPr lang="en-IN" sz="1600" b="1" dirty="0">
+                  <a:solidFill>
+                    <a:schemeClr val="accent2">
+                      <a:lumMod val="20000"/>
+                      <a:lumOff val="80000"/>
+                    </a:schemeClr>
+                  </a:solidFill>
+                </a:rPr>
+                <a:t>Failure</a:t>
+              </a:r>
+              <a:r>
+                <a:rPr lang="en-IN" sz="1600" dirty="0"/>
+                <a:t>”</a:t>
+              </a:r>
+              <a:endParaRPr lang="en-IN" sz="1600" dirty="0"/>
+            </a:p>
+          </p:txBody>
+        </p:sp>
+        <p:sp>
+          <p:nvSpPr>
+            <p:cNvPr id="56" name="Flowchart: Decision 55"/>
+            <p:cNvSpPr/>
+            <p:nvPr/>
+          </p:nvSpPr>
+          <p:spPr>
+            <a:xfrm>
+              <a:off x="2159508" y="5434584"/>
+              <a:ext cx="2590800" cy="1722120"/>
+            </a:xfrm>
+            <a:prstGeom prst="flowChartDecision">
+              <a:avLst/>
+            </a:prstGeom>
+            <a:gradFill flip="none" rotWithShape="1">
+              <a:gsLst>
+                <a:gs pos="0">
+                  <a:schemeClr val="accent1">
+                    <a:shade val="30000"/>
+                    <a:satMod val="115000"/>
+                  </a:schemeClr>
+                </a:gs>
+                <a:gs pos="50000">
+                  <a:schemeClr val="accent1">
+                    <a:shade val="67500"/>
+                    <a:satMod val="115000"/>
+                  </a:schemeClr>
+                </a:gs>
+                <a:gs pos="100000">
+                  <a:schemeClr val="accent1">
+                    <a:shade val="100000"/>
+                    <a:satMod val="115000"/>
+                  </a:schemeClr>
+                </a:gs>
+              </a:gsLst>
+              <a:lin ang="13500000" scaled="1"/>
+              <a:tileRect/>
+            </a:gradFill>
+            <a:ln>
+              <a:noFill/>
+            </a:ln>
+            <a:effectLst>
+              <a:outerShdw blurRad="50800" dist="38100" dir="5400000" algn="t" rotWithShape="0">
+                <a:prstClr val="black">
+                  <a:alpha val="40000"/>
+                </a:prstClr>
+              </a:outerShdw>
+            </a:effectLst>
+          </p:spPr>
+          <p:style>
+            <a:lnRef idx="2">
+              <a:schemeClr val="accent1">
+                <a:shade val="50000"/>
+              </a:schemeClr>
+            </a:lnRef>
+            <a:fillRef idx="1">
+              <a:schemeClr val="accent1"/>
+            </a:fillRef>
+            <a:effectRef idx="0">
+              <a:schemeClr val="accent1"/>
+            </a:effectRef>
+            <a:fontRef idx="minor">
+              <a:schemeClr val="lt1"/>
+            </a:fontRef>
+          </p:style>
+          <p:txBody>
+            <a:bodyPr rtlCol="0" anchor="ctr"/>
+            <a:lstStyle/>
+            <a:p>
+              <a:pPr algn="ctr"/>
+              <a:r>
+                <a:rPr lang="en-IN" sz="1600" dirty="0" smtClean="0"/>
+                <a:t>DB Request Successful?</a:t>
+              </a:r>
+              <a:endParaRPr lang="en-IN" sz="1600" dirty="0"/>
+            </a:p>
+          </p:txBody>
+        </p:sp>
+      </p:grpSp>
+      <p:grpSp>
+        <p:nvGrpSpPr>
+          <p:cNvPr id="57" name="Group 56"/>
+          <p:cNvGrpSpPr/>
+          <p:nvPr/>
+        </p:nvGrpSpPr>
+        <p:grpSpPr>
+          <a:xfrm>
+            <a:off x="10909300" y="228600"/>
+            <a:ext cx="5295900" cy="7741920"/>
+            <a:chOff x="590550" y="106680"/>
+            <a:chExt cx="5753100" cy="7741920"/>
+          </a:xfrm>
+        </p:grpSpPr>
+        <p:sp>
+          <p:nvSpPr>
+            <p:cNvPr id="58" name="Down Arrow 57"/>
+            <p:cNvSpPr/>
+            <p:nvPr/>
+          </p:nvSpPr>
+          <p:spPr>
+            <a:xfrm>
+              <a:off x="3191256" y="4876800"/>
+              <a:ext cx="533400" cy="457200"/>
+            </a:xfrm>
+            <a:prstGeom prst="downArrow">
+              <a:avLst/>
+            </a:prstGeom>
+            <a:gradFill flip="none" rotWithShape="1">
+              <a:gsLst>
+                <a:gs pos="0">
+                  <a:schemeClr val="bg1">
+                    <a:lumMod val="50000"/>
+                    <a:shade val="30000"/>
+                    <a:satMod val="115000"/>
+                  </a:schemeClr>
+                </a:gs>
+                <a:gs pos="50000">
+                  <a:schemeClr val="bg1">
+                    <a:lumMod val="50000"/>
+                    <a:shade val="67500"/>
+                    <a:satMod val="115000"/>
+                  </a:schemeClr>
+                </a:gs>
+                <a:gs pos="100000">
+                  <a:schemeClr val="bg1">
+                    <a:lumMod val="50000"/>
+                    <a:shade val="100000"/>
+                    <a:satMod val="115000"/>
+                  </a:schemeClr>
+                </a:gs>
+              </a:gsLst>
+              <a:lin ang="5400000" scaled="1"/>
+              <a:tileRect/>
+            </a:gradFill>
+            <a:ln>
+              <a:noFill/>
+            </a:ln>
+          </p:spPr>
+          <p:style>
+            <a:lnRef idx="2">
+              <a:schemeClr val="accent1">
+                <a:shade val="50000"/>
+              </a:schemeClr>
+            </a:lnRef>
+            <a:fillRef idx="1">
+              <a:schemeClr val="accent1"/>
+            </a:fillRef>
+            <a:effectRef idx="0">
+              <a:schemeClr val="accent1"/>
+            </a:effectRef>
+            <a:fontRef idx="minor">
+              <a:schemeClr val="lt1"/>
+            </a:fontRef>
+          </p:style>
+          <p:txBody>
+            <a:bodyPr rtlCol="0" anchor="ctr"/>
+            <a:lstStyle/>
+            <a:p>
+              <a:pPr algn="ctr"/>
+              <a:endParaRPr lang="en-IN" sz="1600"/>
+            </a:p>
+          </p:txBody>
+        </p:sp>
+        <p:sp>
+          <p:nvSpPr>
+            <p:cNvPr id="59" name="Down Arrow 58"/>
+            <p:cNvSpPr/>
+            <p:nvPr/>
+          </p:nvSpPr>
+          <p:spPr>
+            <a:xfrm>
+              <a:off x="3200400" y="3810000"/>
+              <a:ext cx="533400" cy="457200"/>
+            </a:xfrm>
+            <a:prstGeom prst="downArrow">
+              <a:avLst/>
+            </a:prstGeom>
+            <a:gradFill flip="none" rotWithShape="1">
+              <a:gsLst>
+                <a:gs pos="0">
+                  <a:schemeClr val="bg1">
+                    <a:lumMod val="50000"/>
+                    <a:shade val="30000"/>
+                    <a:satMod val="115000"/>
+                  </a:schemeClr>
+                </a:gs>
+                <a:gs pos="50000">
+                  <a:schemeClr val="bg1">
+                    <a:lumMod val="50000"/>
+                    <a:shade val="67500"/>
+                    <a:satMod val="115000"/>
+                  </a:schemeClr>
+                </a:gs>
+                <a:gs pos="100000">
+                  <a:schemeClr val="bg1">
+                    <a:lumMod val="50000"/>
+                    <a:shade val="100000"/>
+                    <a:satMod val="115000"/>
+                  </a:schemeClr>
+                </a:gs>
+              </a:gsLst>
+              <a:lin ang="5400000" scaled="1"/>
+              <a:tileRect/>
+            </a:gradFill>
+            <a:ln>
+              <a:noFill/>
+            </a:ln>
+          </p:spPr>
+          <p:style>
+            <a:lnRef idx="2">
+              <a:schemeClr val="accent1">
+                <a:shade val="50000"/>
+              </a:schemeClr>
+            </a:lnRef>
+            <a:fillRef idx="1">
+              <a:schemeClr val="accent1"/>
+            </a:fillRef>
+            <a:effectRef idx="0">
+              <a:schemeClr val="accent1"/>
+            </a:effectRef>
+            <a:fontRef idx="minor">
+              <a:schemeClr val="lt1"/>
+            </a:fontRef>
+          </p:style>
+          <p:txBody>
+            <a:bodyPr rtlCol="0" anchor="ctr"/>
+            <a:lstStyle/>
+            <a:p>
+              <a:pPr algn="ctr"/>
+              <a:endParaRPr lang="en-IN" sz="1600"/>
+            </a:p>
+          </p:txBody>
+        </p:sp>
+        <p:sp>
+          <p:nvSpPr>
+            <p:cNvPr id="60" name="Down Arrow 59"/>
+            <p:cNvSpPr/>
+            <p:nvPr/>
+          </p:nvSpPr>
+          <p:spPr>
+            <a:xfrm>
+              <a:off x="3200400" y="2895600"/>
+              <a:ext cx="533400" cy="457200"/>
+            </a:xfrm>
+            <a:prstGeom prst="downArrow">
+              <a:avLst/>
+            </a:prstGeom>
+            <a:gradFill flip="none" rotWithShape="1">
+              <a:gsLst>
+                <a:gs pos="0">
+                  <a:schemeClr val="bg1">
+                    <a:lumMod val="50000"/>
+                    <a:shade val="30000"/>
+                    <a:satMod val="115000"/>
+                  </a:schemeClr>
+                </a:gs>
+                <a:gs pos="50000">
+                  <a:schemeClr val="bg1">
+                    <a:lumMod val="50000"/>
+                    <a:shade val="67500"/>
+                    <a:satMod val="115000"/>
+                  </a:schemeClr>
+                </a:gs>
+                <a:gs pos="100000">
+                  <a:schemeClr val="bg1">
+                    <a:lumMod val="50000"/>
+                    <a:shade val="100000"/>
+                    <a:satMod val="115000"/>
+                  </a:schemeClr>
+                </a:gs>
+              </a:gsLst>
+              <a:lin ang="5400000" scaled="1"/>
+              <a:tileRect/>
+            </a:gradFill>
+            <a:ln>
+              <a:noFill/>
+            </a:ln>
+          </p:spPr>
+          <p:style>
+            <a:lnRef idx="2">
+              <a:schemeClr val="accent1">
+                <a:shade val="50000"/>
+              </a:schemeClr>
+            </a:lnRef>
+            <a:fillRef idx="1">
+              <a:schemeClr val="accent1"/>
+            </a:fillRef>
+            <a:effectRef idx="0">
+              <a:schemeClr val="accent1"/>
+            </a:effectRef>
+            <a:fontRef idx="minor">
+              <a:schemeClr val="lt1"/>
+            </a:fontRef>
+          </p:style>
+          <p:txBody>
+            <a:bodyPr rtlCol="0" anchor="ctr"/>
+            <a:lstStyle/>
+            <a:p>
+              <a:pPr algn="ctr"/>
+              <a:endParaRPr lang="en-IN" sz="1600"/>
+            </a:p>
+          </p:txBody>
+        </p:sp>
+        <p:sp>
+          <p:nvSpPr>
+            <p:cNvPr id="61" name="Down Arrow 60"/>
+            <p:cNvSpPr/>
+            <p:nvPr/>
+          </p:nvSpPr>
+          <p:spPr>
+            <a:xfrm>
+              <a:off x="3191256" y="381000"/>
+              <a:ext cx="533400" cy="457200"/>
+            </a:xfrm>
+            <a:prstGeom prst="downArrow">
+              <a:avLst/>
+            </a:prstGeom>
+            <a:gradFill flip="none" rotWithShape="1">
+              <a:gsLst>
+                <a:gs pos="0">
+                  <a:schemeClr val="bg1">
+                    <a:lumMod val="50000"/>
+                    <a:shade val="30000"/>
+                    <a:satMod val="115000"/>
+                  </a:schemeClr>
+                </a:gs>
+                <a:gs pos="50000">
+                  <a:schemeClr val="bg1">
+                    <a:lumMod val="50000"/>
+                    <a:shade val="67500"/>
+                    <a:satMod val="115000"/>
+                  </a:schemeClr>
+                </a:gs>
+                <a:gs pos="100000">
+                  <a:schemeClr val="bg1">
+                    <a:lumMod val="50000"/>
+                    <a:shade val="100000"/>
+                    <a:satMod val="115000"/>
+                  </a:schemeClr>
+                </a:gs>
+              </a:gsLst>
+              <a:lin ang="5400000" scaled="1"/>
+              <a:tileRect/>
+            </a:gradFill>
+            <a:ln>
+              <a:noFill/>
+            </a:ln>
+          </p:spPr>
+          <p:style>
+            <a:lnRef idx="2">
+              <a:schemeClr val="accent1">
+                <a:shade val="50000"/>
+              </a:schemeClr>
+            </a:lnRef>
+            <a:fillRef idx="1">
+              <a:schemeClr val="accent1"/>
+            </a:fillRef>
+            <a:effectRef idx="0">
+              <a:schemeClr val="accent1"/>
+            </a:effectRef>
+            <a:fontRef idx="minor">
+              <a:schemeClr val="lt1"/>
+            </a:fontRef>
+          </p:style>
+          <p:txBody>
+            <a:bodyPr rtlCol="0" anchor="ctr"/>
+            <a:lstStyle/>
+            <a:p>
+              <a:pPr algn="ctr"/>
+              <a:endParaRPr lang="en-IN" sz="1600"/>
+            </a:p>
+          </p:txBody>
+        </p:sp>
+        <p:sp>
+          <p:nvSpPr>
+            <p:cNvPr id="62" name="Bent-Up Arrow 61"/>
+            <p:cNvSpPr/>
+            <p:nvPr/>
+          </p:nvSpPr>
+          <p:spPr>
+            <a:xfrm flipH="1" flipV="1">
+              <a:off x="1524000" y="6172200"/>
+              <a:ext cx="1066800" cy="1190244"/>
+            </a:xfrm>
+            <a:prstGeom prst="bentUpArrow">
+              <a:avLst/>
+            </a:prstGeom>
+            <a:gradFill flip="none" rotWithShape="1">
+              <a:gsLst>
+                <a:gs pos="0">
+                  <a:schemeClr val="bg1">
+                    <a:lumMod val="50000"/>
+                    <a:shade val="30000"/>
+                    <a:satMod val="115000"/>
+                  </a:schemeClr>
+                </a:gs>
+                <a:gs pos="50000">
+                  <a:schemeClr val="bg1">
+                    <a:lumMod val="50000"/>
+                    <a:shade val="67500"/>
+                    <a:satMod val="115000"/>
+                  </a:schemeClr>
+                </a:gs>
+                <a:gs pos="100000">
+                  <a:schemeClr val="bg1">
+                    <a:lumMod val="50000"/>
+                    <a:shade val="100000"/>
+                    <a:satMod val="115000"/>
+                  </a:schemeClr>
+                </a:gs>
+              </a:gsLst>
+              <a:lin ang="5400000" scaled="1"/>
+              <a:tileRect/>
+            </a:gradFill>
+            <a:ln>
+              <a:noFill/>
+            </a:ln>
+          </p:spPr>
+          <p:style>
+            <a:lnRef idx="2">
+              <a:schemeClr val="accent1">
+                <a:shade val="50000"/>
+              </a:schemeClr>
+            </a:lnRef>
+            <a:fillRef idx="1">
+              <a:schemeClr val="accent1"/>
+            </a:fillRef>
+            <a:effectRef idx="0">
+              <a:schemeClr val="accent1"/>
+            </a:effectRef>
+            <a:fontRef idx="minor">
+              <a:schemeClr val="lt1"/>
+            </a:fontRef>
+          </p:style>
+          <p:txBody>
+            <a:bodyPr rtlCol="0" anchor="ctr"/>
+            <a:lstStyle/>
+            <a:p>
+              <a:pPr algn="ctr"/>
+              <a:endParaRPr lang="en-IN" sz="1600"/>
+            </a:p>
+          </p:txBody>
+        </p:sp>
+        <p:sp>
+          <p:nvSpPr>
+            <p:cNvPr id="63" name="Bent-Up Arrow 62"/>
+            <p:cNvSpPr/>
+            <p:nvPr/>
+          </p:nvSpPr>
+          <p:spPr>
+            <a:xfrm flipV="1">
+              <a:off x="4343400" y="6172200"/>
+              <a:ext cx="1066800" cy="1266444"/>
+            </a:xfrm>
+            <a:prstGeom prst="bentUpArrow">
+              <a:avLst/>
+            </a:prstGeom>
+            <a:gradFill flip="none" rotWithShape="1">
+              <a:gsLst>
+                <a:gs pos="0">
+                  <a:schemeClr val="bg1">
+                    <a:lumMod val="50000"/>
+                    <a:shade val="30000"/>
+                    <a:satMod val="115000"/>
+                  </a:schemeClr>
+                </a:gs>
+                <a:gs pos="50000">
+                  <a:schemeClr val="bg1">
+                    <a:lumMod val="50000"/>
+                    <a:shade val="67500"/>
+                    <a:satMod val="115000"/>
+                  </a:schemeClr>
+                </a:gs>
+                <a:gs pos="100000">
+                  <a:schemeClr val="bg1">
+                    <a:lumMod val="50000"/>
+                    <a:shade val="100000"/>
+                    <a:satMod val="115000"/>
+                  </a:schemeClr>
+                </a:gs>
+              </a:gsLst>
+              <a:lin ang="5400000" scaled="1"/>
+              <a:tileRect/>
+            </a:gradFill>
+            <a:ln>
+              <a:noFill/>
+            </a:ln>
+          </p:spPr>
+          <p:style>
+            <a:lnRef idx="2">
+              <a:schemeClr val="accent1">
+                <a:shade val="50000"/>
+              </a:schemeClr>
+            </a:lnRef>
+            <a:fillRef idx="1">
+              <a:schemeClr val="accent1"/>
+            </a:fillRef>
+            <a:effectRef idx="0">
+              <a:schemeClr val="accent1"/>
+            </a:effectRef>
+            <a:fontRef idx="minor">
+              <a:schemeClr val="lt1"/>
+            </a:fontRef>
+          </p:style>
+          <p:txBody>
+            <a:bodyPr rtlCol="0" anchor="ctr"/>
+            <a:lstStyle/>
+            <a:p>
+              <a:pPr algn="ctr"/>
+              <a:endParaRPr lang="en-IN" sz="1600"/>
+            </a:p>
+          </p:txBody>
+        </p:sp>
+        <p:sp>
+          <p:nvSpPr>
+            <p:cNvPr id="64" name="Flowchart: Alternate Process 63"/>
+            <p:cNvSpPr/>
+            <p:nvPr/>
+          </p:nvSpPr>
+          <p:spPr>
+            <a:xfrm>
+              <a:off x="3009900" y="106680"/>
+              <a:ext cx="914400" cy="381000"/>
+            </a:xfrm>
+            <a:prstGeom prst="flowChartAlternateProcess">
+              <a:avLst/>
+            </a:prstGeom>
+            <a:gradFill flip="none" rotWithShape="1">
+              <a:gsLst>
+                <a:gs pos="0">
+                  <a:schemeClr val="accent1">
+                    <a:shade val="30000"/>
+                    <a:satMod val="115000"/>
+                  </a:schemeClr>
+                </a:gs>
+                <a:gs pos="50000">
+                  <a:schemeClr val="accent1">
+                    <a:shade val="67500"/>
+                    <a:satMod val="115000"/>
+                  </a:schemeClr>
+                </a:gs>
+                <a:gs pos="100000">
+                  <a:schemeClr val="accent1">
+                    <a:shade val="100000"/>
+                    <a:satMod val="115000"/>
+                  </a:schemeClr>
+                </a:gs>
+              </a:gsLst>
+              <a:lin ang="13500000" scaled="1"/>
+              <a:tileRect/>
+            </a:gradFill>
+            <a:ln>
+              <a:noFill/>
+            </a:ln>
+            <a:effectLst>
+              <a:outerShdw blurRad="50800" dist="38100" dir="5400000" algn="t" rotWithShape="0">
+                <a:prstClr val="black">
+                  <a:alpha val="40000"/>
+                </a:prstClr>
+              </a:outerShdw>
+            </a:effectLst>
+          </p:spPr>
+          <p:style>
+            <a:lnRef idx="2">
+              <a:schemeClr val="accent1">
+                <a:shade val="50000"/>
+              </a:schemeClr>
+            </a:lnRef>
+            <a:fillRef idx="1">
+              <a:schemeClr val="accent1"/>
+            </a:fillRef>
+            <a:effectRef idx="0">
+              <a:schemeClr val="accent1"/>
+            </a:effectRef>
+            <a:fontRef idx="minor">
+              <a:schemeClr val="lt1"/>
+            </a:fontRef>
+          </p:style>
+          <p:txBody>
+            <a:bodyPr rtlCol="0" anchor="ctr"/>
+            <a:lstStyle/>
+            <a:p>
+              <a:pPr algn="ctr"/>
+              <a:r>
+                <a:rPr lang="en-IN" sz="1600" dirty="0" smtClean="0"/>
+                <a:t>Start</a:t>
+              </a:r>
+              <a:endParaRPr lang="en-IN" sz="1600" dirty="0"/>
+            </a:p>
+          </p:txBody>
+        </p:sp>
+        <p:sp>
+          <p:nvSpPr>
+            <p:cNvPr id="65" name="Rectangle 64"/>
+            <p:cNvSpPr/>
+            <p:nvPr/>
+          </p:nvSpPr>
+          <p:spPr>
+            <a:xfrm>
+              <a:off x="1524000" y="914400"/>
+              <a:ext cx="3886200" cy="2057400"/>
+            </a:xfrm>
+            <a:prstGeom prst="rect">
+              <a:avLst/>
+            </a:prstGeom>
+            <a:gradFill flip="none" rotWithShape="1">
+              <a:gsLst>
+                <a:gs pos="0">
+                  <a:schemeClr val="accent1">
+                    <a:shade val="30000"/>
+                    <a:satMod val="115000"/>
+                  </a:schemeClr>
+                </a:gs>
+                <a:gs pos="50000">
+                  <a:schemeClr val="accent1">
+                    <a:shade val="67500"/>
+                    <a:satMod val="115000"/>
+                  </a:schemeClr>
+                </a:gs>
+                <a:gs pos="100000">
+                  <a:schemeClr val="accent1">
+                    <a:shade val="100000"/>
+                    <a:satMod val="115000"/>
+                  </a:schemeClr>
+                </a:gs>
+              </a:gsLst>
+              <a:lin ang="13500000" scaled="1"/>
+              <a:tileRect/>
+            </a:gradFill>
+            <a:ln>
+              <a:noFill/>
+            </a:ln>
+            <a:effectLst>
+              <a:outerShdw blurRad="50800" dist="38100" dir="5400000" algn="t" rotWithShape="0">
+                <a:prstClr val="black">
+                  <a:alpha val="40000"/>
+                </a:prstClr>
+              </a:outerShdw>
+            </a:effectLst>
+          </p:spPr>
+          <p:style>
+            <a:lnRef idx="2">
+              <a:schemeClr val="accent1">
+                <a:shade val="50000"/>
+              </a:schemeClr>
+            </a:lnRef>
+            <a:fillRef idx="1">
+              <a:schemeClr val="accent1"/>
+            </a:fillRef>
+            <a:effectRef idx="0">
+              <a:schemeClr val="accent1"/>
+            </a:effectRef>
+            <a:fontRef idx="minor">
+              <a:schemeClr val="lt1"/>
+            </a:fontRef>
+          </p:style>
+          <p:txBody>
+            <a:bodyPr rtlCol="0" anchor="ctr"/>
+            <a:lstStyle/>
+            <a:p>
+              <a:r>
+                <a:rPr lang="en-IN" sz="1600" dirty="0" smtClean="0"/>
+                <a:t>Send the Following Details to the Server:</a:t>
+              </a:r>
+            </a:p>
+            <a:p>
+              <a:pPr marL="342900" indent="-342900">
+                <a:buAutoNum type="arabicPeriod"/>
+              </a:pPr>
+              <a:r>
+                <a:rPr lang="en-IN" sz="1600" dirty="0" smtClean="0"/>
+                <a:t>Researcher </a:t>
+              </a:r>
+              <a:r>
+                <a:rPr lang="en-IN" sz="1600" dirty="0" smtClean="0"/>
+                <a:t>ID</a:t>
+              </a:r>
+            </a:p>
+            <a:p>
+              <a:pPr marL="342900" indent="-342900">
+                <a:buAutoNum type="arabicPeriod"/>
+              </a:pPr>
+              <a:r>
+                <a:rPr lang="en-IN" sz="1600" dirty="0" smtClean="0"/>
+                <a:t>Note ID</a:t>
+              </a:r>
+              <a:endParaRPr lang="en-IN" sz="1600" dirty="0" smtClean="0"/>
+            </a:p>
+            <a:p>
+              <a:endParaRPr lang="en-IN" sz="1600" dirty="0" smtClean="0"/>
+            </a:p>
+          </p:txBody>
+        </p:sp>
+        <p:sp>
+          <p:nvSpPr>
+            <p:cNvPr id="66" name="Rectangle 65"/>
+            <p:cNvSpPr/>
+            <p:nvPr/>
+          </p:nvSpPr>
+          <p:spPr>
+            <a:xfrm>
+              <a:off x="1524000" y="3429000"/>
+              <a:ext cx="3886200" cy="457200"/>
+            </a:xfrm>
+            <a:prstGeom prst="rect">
+              <a:avLst/>
+            </a:prstGeom>
+            <a:gradFill flip="none" rotWithShape="1">
+              <a:gsLst>
+                <a:gs pos="0">
+                  <a:schemeClr val="accent1">
+                    <a:shade val="30000"/>
+                    <a:satMod val="115000"/>
+                  </a:schemeClr>
+                </a:gs>
+                <a:gs pos="50000">
+                  <a:schemeClr val="accent1">
+                    <a:shade val="67500"/>
+                    <a:satMod val="115000"/>
+                  </a:schemeClr>
+                </a:gs>
+                <a:gs pos="100000">
+                  <a:schemeClr val="accent1">
+                    <a:shade val="100000"/>
+                    <a:satMod val="115000"/>
+                  </a:schemeClr>
+                </a:gs>
+              </a:gsLst>
+              <a:lin ang="13500000" scaled="1"/>
+              <a:tileRect/>
+            </a:gradFill>
+            <a:ln>
+              <a:noFill/>
+            </a:ln>
+            <a:effectLst>
+              <a:outerShdw blurRad="50800" dist="38100" dir="5400000" algn="t" rotWithShape="0">
+                <a:prstClr val="black">
+                  <a:alpha val="40000"/>
+                </a:prstClr>
+              </a:outerShdw>
+            </a:effectLst>
+          </p:spPr>
+          <p:style>
+            <a:lnRef idx="2">
+              <a:schemeClr val="accent1">
+                <a:shade val="50000"/>
+              </a:schemeClr>
+            </a:lnRef>
+            <a:fillRef idx="1">
+              <a:schemeClr val="accent1"/>
+            </a:fillRef>
+            <a:effectRef idx="0">
+              <a:schemeClr val="accent1"/>
+            </a:effectRef>
+            <a:fontRef idx="minor">
+              <a:schemeClr val="lt1"/>
+            </a:fontRef>
+          </p:style>
+          <p:txBody>
+            <a:bodyPr rtlCol="0" anchor="ctr"/>
+            <a:lstStyle/>
+            <a:p>
+              <a:r>
+                <a:rPr lang="en-IN" sz="1600" dirty="0" smtClean="0"/>
+                <a:t>Access the </a:t>
+              </a:r>
+              <a:r>
+                <a:rPr lang="en-IN" sz="1600" dirty="0" smtClean="0"/>
+                <a:t>Sent Details </a:t>
+              </a:r>
+              <a:r>
+                <a:rPr lang="en-IN" sz="1600" dirty="0" smtClean="0"/>
+                <a:t>in the </a:t>
+              </a:r>
+              <a:r>
+                <a:rPr lang="en-IN" sz="1600" dirty="0" smtClean="0"/>
+                <a:t>Server.</a:t>
+              </a:r>
+              <a:endParaRPr lang="en-IN" sz="1600" dirty="0" smtClean="0"/>
+            </a:p>
+          </p:txBody>
+        </p:sp>
+        <p:sp>
+          <p:nvSpPr>
+            <p:cNvPr id="67" name="Rectangle 66"/>
+            <p:cNvSpPr/>
+            <p:nvPr/>
+          </p:nvSpPr>
+          <p:spPr>
+            <a:xfrm>
+              <a:off x="1524000" y="4343400"/>
+              <a:ext cx="3886200" cy="609600"/>
+            </a:xfrm>
+            <a:prstGeom prst="rect">
+              <a:avLst/>
+            </a:prstGeom>
+            <a:gradFill flip="none" rotWithShape="1">
+              <a:gsLst>
+                <a:gs pos="0">
+                  <a:schemeClr val="accent1">
+                    <a:shade val="30000"/>
+                    <a:satMod val="115000"/>
+                  </a:schemeClr>
+                </a:gs>
+                <a:gs pos="50000">
+                  <a:schemeClr val="accent1">
+                    <a:shade val="67500"/>
+                    <a:satMod val="115000"/>
+                  </a:schemeClr>
+                </a:gs>
+                <a:gs pos="100000">
+                  <a:schemeClr val="accent1">
+                    <a:shade val="100000"/>
+                    <a:satMod val="115000"/>
+                  </a:schemeClr>
+                </a:gs>
+              </a:gsLst>
+              <a:lin ang="13500000" scaled="1"/>
+              <a:tileRect/>
+            </a:gradFill>
+            <a:ln>
+              <a:noFill/>
+            </a:ln>
+            <a:effectLst>
+              <a:outerShdw blurRad="50800" dist="38100" dir="5400000" algn="t" rotWithShape="0">
+                <a:prstClr val="black">
+                  <a:alpha val="40000"/>
+                </a:prstClr>
+              </a:outerShdw>
+            </a:effectLst>
+          </p:spPr>
+          <p:style>
+            <a:lnRef idx="2">
+              <a:schemeClr val="accent1">
+                <a:shade val="50000"/>
+              </a:schemeClr>
+            </a:lnRef>
+            <a:fillRef idx="1">
+              <a:schemeClr val="accent1"/>
+            </a:fillRef>
+            <a:effectRef idx="0">
+              <a:schemeClr val="accent1"/>
+            </a:effectRef>
+            <a:fontRef idx="minor">
+              <a:schemeClr val="lt1"/>
+            </a:fontRef>
+          </p:style>
+          <p:txBody>
+            <a:bodyPr rtlCol="0" anchor="ctr"/>
+            <a:lstStyle/>
+            <a:p>
+              <a:r>
+                <a:rPr lang="en-IN" sz="1600" dirty="0" smtClean="0"/>
+                <a:t>Fetch the requested Note ID from the given Researcher ID from the Database.</a:t>
+              </a:r>
+              <a:endParaRPr lang="en-IN" sz="1600" dirty="0" smtClean="0"/>
+            </a:p>
+          </p:txBody>
+        </p:sp>
+        <p:sp>
+          <p:nvSpPr>
+            <p:cNvPr id="68" name="Flowchart: Alternate Process 67"/>
+            <p:cNvSpPr/>
+            <p:nvPr/>
+          </p:nvSpPr>
+          <p:spPr>
+            <a:xfrm>
+              <a:off x="590550" y="7438644"/>
+              <a:ext cx="2419350" cy="381000"/>
+            </a:xfrm>
+            <a:prstGeom prst="flowChartAlternateProcess">
+              <a:avLst/>
+            </a:prstGeom>
+            <a:gradFill flip="none" rotWithShape="1">
+              <a:gsLst>
+                <a:gs pos="0">
+                  <a:schemeClr val="accent1">
+                    <a:shade val="30000"/>
+                    <a:satMod val="115000"/>
+                  </a:schemeClr>
+                </a:gs>
+                <a:gs pos="50000">
+                  <a:schemeClr val="accent1">
+                    <a:shade val="67500"/>
+                    <a:satMod val="115000"/>
+                  </a:schemeClr>
+                </a:gs>
+                <a:gs pos="100000">
+                  <a:schemeClr val="accent1">
+                    <a:shade val="100000"/>
+                    <a:satMod val="115000"/>
+                  </a:schemeClr>
+                </a:gs>
+              </a:gsLst>
+              <a:lin ang="13500000" scaled="1"/>
+              <a:tileRect/>
+            </a:gradFill>
+            <a:ln>
+              <a:noFill/>
+            </a:ln>
+            <a:effectLst>
+              <a:outerShdw blurRad="50800" dist="38100" dir="5400000" algn="t" rotWithShape="0">
+                <a:prstClr val="black">
+                  <a:alpha val="40000"/>
+                </a:prstClr>
+              </a:outerShdw>
+            </a:effectLst>
+          </p:spPr>
+          <p:style>
+            <a:lnRef idx="2">
+              <a:schemeClr val="accent1">
+                <a:shade val="50000"/>
+              </a:schemeClr>
+            </a:lnRef>
+            <a:fillRef idx="1">
+              <a:schemeClr val="accent1"/>
+            </a:fillRef>
+            <a:effectRef idx="0">
+              <a:schemeClr val="accent1"/>
+            </a:effectRef>
+            <a:fontRef idx="minor">
+              <a:schemeClr val="lt1"/>
+            </a:fontRef>
+          </p:style>
+          <p:txBody>
+            <a:bodyPr rtlCol="0" anchor="ctr"/>
+            <a:lstStyle/>
+            <a:p>
+              <a:pPr algn="ctr"/>
+              <a:r>
+                <a:rPr lang="en-IN" sz="1600" dirty="0"/>
+                <a:t>Return “</a:t>
+              </a:r>
+              <a:r>
+                <a:rPr lang="en-IN" sz="1600" b="1" dirty="0">
+                  <a:solidFill>
+                    <a:schemeClr val="accent3">
+                      <a:lumMod val="60000"/>
+                      <a:lumOff val="40000"/>
+                    </a:schemeClr>
+                  </a:solidFill>
+                </a:rPr>
+                <a:t>Success</a:t>
+              </a:r>
+              <a:r>
+                <a:rPr lang="en-IN" sz="1600" dirty="0"/>
+                <a:t>”</a:t>
+              </a:r>
+              <a:endParaRPr lang="en-IN" sz="1600" dirty="0"/>
+            </a:p>
+          </p:txBody>
+        </p:sp>
+        <p:sp>
+          <p:nvSpPr>
+            <p:cNvPr id="69" name="Flowchart: Alternate Process 68"/>
+            <p:cNvSpPr/>
+            <p:nvPr/>
+          </p:nvSpPr>
+          <p:spPr>
+            <a:xfrm>
+              <a:off x="3924300" y="7467600"/>
+              <a:ext cx="2419350" cy="381000"/>
+            </a:xfrm>
+            <a:prstGeom prst="flowChartAlternateProcess">
+              <a:avLst/>
+            </a:prstGeom>
+            <a:gradFill flip="none" rotWithShape="1">
+              <a:gsLst>
+                <a:gs pos="0">
+                  <a:schemeClr val="accent1">
+                    <a:shade val="30000"/>
+                    <a:satMod val="115000"/>
+                  </a:schemeClr>
+                </a:gs>
+                <a:gs pos="50000">
+                  <a:schemeClr val="accent1">
+                    <a:shade val="67500"/>
+                    <a:satMod val="115000"/>
+                  </a:schemeClr>
+                </a:gs>
+                <a:gs pos="100000">
+                  <a:schemeClr val="accent1">
+                    <a:shade val="100000"/>
+                    <a:satMod val="115000"/>
+                  </a:schemeClr>
+                </a:gs>
+              </a:gsLst>
+              <a:lin ang="13500000" scaled="1"/>
+              <a:tileRect/>
+            </a:gradFill>
+            <a:ln>
+              <a:noFill/>
+            </a:ln>
+            <a:effectLst>
+              <a:outerShdw blurRad="50800" dist="38100" dir="5400000" algn="t" rotWithShape="0">
+                <a:prstClr val="black">
+                  <a:alpha val="40000"/>
+                </a:prstClr>
+              </a:outerShdw>
+            </a:effectLst>
+          </p:spPr>
+          <p:style>
+            <a:lnRef idx="2">
+              <a:schemeClr val="accent1">
+                <a:shade val="50000"/>
+              </a:schemeClr>
+            </a:lnRef>
+            <a:fillRef idx="1">
+              <a:schemeClr val="accent1"/>
+            </a:fillRef>
+            <a:effectRef idx="0">
+              <a:schemeClr val="accent1"/>
+            </a:effectRef>
+            <a:fontRef idx="minor">
+              <a:schemeClr val="lt1"/>
+            </a:fontRef>
+          </p:style>
+          <p:txBody>
+            <a:bodyPr rtlCol="0" anchor="ctr"/>
+            <a:lstStyle/>
+            <a:p>
+              <a:pPr algn="ctr"/>
+              <a:r>
+                <a:rPr lang="en-IN" sz="1600" dirty="0"/>
+                <a:t>Return “</a:t>
+              </a:r>
+              <a:r>
+                <a:rPr lang="en-IN" sz="1600" b="1" dirty="0">
+                  <a:solidFill>
+                    <a:schemeClr val="accent2">
+                      <a:lumMod val="20000"/>
+                      <a:lumOff val="80000"/>
+                    </a:schemeClr>
+                  </a:solidFill>
+                </a:rPr>
+                <a:t>Failure</a:t>
+              </a:r>
+              <a:r>
+                <a:rPr lang="en-IN" sz="1600" dirty="0"/>
+                <a:t>”</a:t>
+              </a:r>
+              <a:endParaRPr lang="en-IN" sz="1600" dirty="0"/>
+            </a:p>
+          </p:txBody>
+        </p:sp>
+        <p:sp>
+          <p:nvSpPr>
+            <p:cNvPr id="70" name="Flowchart: Decision 69"/>
+            <p:cNvSpPr/>
+            <p:nvPr/>
+          </p:nvSpPr>
+          <p:spPr>
+            <a:xfrm>
+              <a:off x="2159508" y="5434584"/>
+              <a:ext cx="2590800" cy="1722120"/>
+            </a:xfrm>
+            <a:prstGeom prst="flowChartDecision">
+              <a:avLst/>
+            </a:prstGeom>
+            <a:gradFill flip="none" rotWithShape="1">
+              <a:gsLst>
+                <a:gs pos="0">
+                  <a:schemeClr val="accent1">
+                    <a:shade val="30000"/>
+                    <a:satMod val="115000"/>
+                  </a:schemeClr>
+                </a:gs>
+                <a:gs pos="50000">
+                  <a:schemeClr val="accent1">
+                    <a:shade val="67500"/>
+                    <a:satMod val="115000"/>
+                  </a:schemeClr>
+                </a:gs>
+                <a:gs pos="100000">
+                  <a:schemeClr val="accent1">
+                    <a:shade val="100000"/>
+                    <a:satMod val="115000"/>
+                  </a:schemeClr>
+                </a:gs>
+              </a:gsLst>
+              <a:lin ang="13500000" scaled="1"/>
+              <a:tileRect/>
+            </a:gradFill>
+            <a:ln>
+              <a:noFill/>
+            </a:ln>
+            <a:effectLst>
+              <a:outerShdw blurRad="50800" dist="38100" dir="5400000" algn="t" rotWithShape="0">
+                <a:prstClr val="black">
+                  <a:alpha val="40000"/>
+                </a:prstClr>
+              </a:outerShdw>
+            </a:effectLst>
+          </p:spPr>
+          <p:style>
+            <a:lnRef idx="2">
+              <a:schemeClr val="accent1">
+                <a:shade val="50000"/>
+              </a:schemeClr>
+            </a:lnRef>
+            <a:fillRef idx="1">
+              <a:schemeClr val="accent1"/>
+            </a:fillRef>
+            <a:effectRef idx="0">
+              <a:schemeClr val="accent1"/>
+            </a:effectRef>
+            <a:fontRef idx="minor">
+              <a:schemeClr val="lt1"/>
+            </a:fontRef>
+          </p:style>
+          <p:txBody>
+            <a:bodyPr rtlCol="0" anchor="ctr"/>
+            <a:lstStyle/>
+            <a:p>
+              <a:pPr algn="ctr"/>
+              <a:r>
+                <a:rPr lang="en-IN" sz="1600" dirty="0" smtClean="0"/>
+                <a:t>DB Request Successful?</a:t>
+              </a:r>
+              <a:endParaRPr lang="en-IN" sz="1600" dirty="0"/>
+            </a:p>
+          </p:txBody>
+        </p:sp>
+      </p:grpSp>
+      <p:sp>
+        <p:nvSpPr>
+          <p:cNvPr id="2" name="Rounded Rectangle 1"/>
+          <p:cNvSpPr/>
+          <p:nvPr/>
+        </p:nvSpPr>
+        <p:spPr>
+          <a:xfrm>
+            <a:off x="812800" y="6705600"/>
+            <a:ext cx="533400" cy="381000"/>
+          </a:xfrm>
+          <a:prstGeom prst="roundRect">
+            <a:avLst/>
+          </a:prstGeom>
+        </p:spPr>
+        <p:style>
+          <a:lnRef idx="2">
+            <a:schemeClr val="accent1">
+              <a:shade val="50000"/>
+            </a:schemeClr>
+          </a:lnRef>
+          <a:fillRef idx="1">
+            <a:schemeClr val="accent1"/>
+          </a:fillRef>
+          <a:effectRef idx="0">
+            <a:schemeClr val="accent1"/>
+          </a:effectRef>
+          <a:fontRef idx="minor">
+            <a:schemeClr val="lt1"/>
+          </a:fontRef>
+        </p:style>
+        <p:txBody>
+          <a:bodyPr rtlCol="0" anchor="ctr"/>
+          <a:lstStyle/>
+          <a:p>
+            <a:pPr algn="ctr"/>
+            <a:r>
+              <a:rPr lang="en-IN" sz="1600" dirty="0" smtClean="0"/>
+              <a:t>YES</a:t>
+            </a:r>
+            <a:endParaRPr lang="en-IN" sz="1600" dirty="0"/>
+          </a:p>
+        </p:txBody>
+      </p:sp>
+      <p:sp>
+        <p:nvSpPr>
+          <p:cNvPr id="71" name="Rounded Rectangle 70"/>
+          <p:cNvSpPr/>
+          <p:nvPr/>
+        </p:nvSpPr>
+        <p:spPr>
+          <a:xfrm>
+            <a:off x="3871205" y="6698742"/>
+            <a:ext cx="533400" cy="381000"/>
+          </a:xfrm>
+          <a:prstGeom prst="roundRect">
+            <a:avLst/>
+          </a:prstGeom>
+        </p:spPr>
+        <p:style>
+          <a:lnRef idx="2">
+            <a:schemeClr val="accent1">
+              <a:shade val="50000"/>
+            </a:schemeClr>
+          </a:lnRef>
+          <a:fillRef idx="1">
+            <a:schemeClr val="accent1"/>
+          </a:fillRef>
+          <a:effectRef idx="0">
+            <a:schemeClr val="accent1"/>
+          </a:effectRef>
+          <a:fontRef idx="minor">
+            <a:schemeClr val="lt1"/>
+          </a:fontRef>
+        </p:style>
+        <p:txBody>
+          <a:bodyPr rtlCol="0" anchor="ctr"/>
+          <a:lstStyle/>
+          <a:p>
+            <a:pPr algn="ctr"/>
+            <a:r>
+              <a:rPr lang="en-IN" sz="1600" dirty="0" smtClean="0"/>
+              <a:t>NO</a:t>
+            </a:r>
+            <a:endParaRPr lang="en-IN" sz="1600" dirty="0"/>
+          </a:p>
+        </p:txBody>
+      </p:sp>
+      <p:sp>
+        <p:nvSpPr>
+          <p:cNvPr id="72" name="Rounded Rectangle 71"/>
+          <p:cNvSpPr/>
+          <p:nvPr/>
+        </p:nvSpPr>
+        <p:spPr>
+          <a:xfrm>
+            <a:off x="6223000" y="6713601"/>
+            <a:ext cx="533400" cy="381000"/>
+          </a:xfrm>
+          <a:prstGeom prst="roundRect">
+            <a:avLst/>
+          </a:prstGeom>
+        </p:spPr>
+        <p:style>
+          <a:lnRef idx="2">
+            <a:schemeClr val="accent1">
+              <a:shade val="50000"/>
+            </a:schemeClr>
+          </a:lnRef>
+          <a:fillRef idx="1">
+            <a:schemeClr val="accent1"/>
+          </a:fillRef>
+          <a:effectRef idx="0">
+            <a:schemeClr val="accent1"/>
+          </a:effectRef>
+          <a:fontRef idx="minor">
+            <a:schemeClr val="lt1"/>
+          </a:fontRef>
+        </p:style>
+        <p:txBody>
+          <a:bodyPr rtlCol="0" anchor="ctr"/>
+          <a:lstStyle/>
+          <a:p>
+            <a:pPr algn="ctr"/>
+            <a:r>
+              <a:rPr lang="en-IN" sz="1600" dirty="0" smtClean="0"/>
+              <a:t>YES</a:t>
+            </a:r>
+            <a:endParaRPr lang="en-IN" sz="1600" dirty="0"/>
+          </a:p>
+        </p:txBody>
+      </p:sp>
+      <p:sp>
+        <p:nvSpPr>
+          <p:cNvPr id="73" name="Rounded Rectangle 72"/>
+          <p:cNvSpPr/>
+          <p:nvPr/>
+        </p:nvSpPr>
+        <p:spPr>
+          <a:xfrm>
+            <a:off x="9255635" y="6706743"/>
+            <a:ext cx="533400" cy="381000"/>
+          </a:xfrm>
+          <a:prstGeom prst="roundRect">
+            <a:avLst/>
+          </a:prstGeom>
+        </p:spPr>
+        <p:style>
+          <a:lnRef idx="2">
+            <a:schemeClr val="accent1">
+              <a:shade val="50000"/>
+            </a:schemeClr>
+          </a:lnRef>
+          <a:fillRef idx="1">
+            <a:schemeClr val="accent1"/>
+          </a:fillRef>
+          <a:effectRef idx="0">
+            <a:schemeClr val="accent1"/>
+          </a:effectRef>
+          <a:fontRef idx="minor">
+            <a:schemeClr val="lt1"/>
+          </a:fontRef>
+        </p:style>
+        <p:txBody>
+          <a:bodyPr rtlCol="0" anchor="ctr"/>
+          <a:lstStyle/>
+          <a:p>
+            <a:pPr algn="ctr"/>
+            <a:r>
+              <a:rPr lang="en-IN" sz="1600" dirty="0" smtClean="0"/>
+              <a:t>NO</a:t>
+            </a:r>
+            <a:endParaRPr lang="en-IN" sz="1600" dirty="0"/>
+          </a:p>
+        </p:txBody>
+      </p:sp>
+      <p:sp>
+        <p:nvSpPr>
+          <p:cNvPr id="74" name="Rounded Rectangle 73"/>
+          <p:cNvSpPr/>
+          <p:nvPr/>
+        </p:nvSpPr>
+        <p:spPr>
+          <a:xfrm>
+            <a:off x="11709400" y="6736461"/>
+            <a:ext cx="533400" cy="381000"/>
+          </a:xfrm>
+          <a:prstGeom prst="roundRect">
+            <a:avLst/>
+          </a:prstGeom>
+        </p:spPr>
+        <p:style>
+          <a:lnRef idx="2">
+            <a:schemeClr val="accent1">
+              <a:shade val="50000"/>
+            </a:schemeClr>
+          </a:lnRef>
+          <a:fillRef idx="1">
+            <a:schemeClr val="accent1"/>
+          </a:fillRef>
+          <a:effectRef idx="0">
+            <a:schemeClr val="accent1"/>
+          </a:effectRef>
+          <a:fontRef idx="minor">
+            <a:schemeClr val="lt1"/>
+          </a:fontRef>
+        </p:style>
+        <p:txBody>
+          <a:bodyPr rtlCol="0" anchor="ctr"/>
+          <a:lstStyle/>
+          <a:p>
+            <a:pPr algn="ctr"/>
+            <a:r>
+              <a:rPr lang="en-IN" sz="1600" dirty="0" smtClean="0"/>
+              <a:t>YES</a:t>
+            </a:r>
+            <a:endParaRPr lang="en-IN" sz="1600" dirty="0"/>
+          </a:p>
+        </p:txBody>
+      </p:sp>
+      <p:sp>
+        <p:nvSpPr>
+          <p:cNvPr id="75" name="Rounded Rectangle 74"/>
+          <p:cNvSpPr/>
+          <p:nvPr/>
+        </p:nvSpPr>
+        <p:spPr>
+          <a:xfrm>
+            <a:off x="14818060" y="6729603"/>
+            <a:ext cx="533400" cy="381000"/>
+          </a:xfrm>
+          <a:prstGeom prst="roundRect">
+            <a:avLst/>
+          </a:prstGeom>
+        </p:spPr>
+        <p:style>
+          <a:lnRef idx="2">
+            <a:schemeClr val="accent1">
+              <a:shade val="50000"/>
+            </a:schemeClr>
+          </a:lnRef>
+          <a:fillRef idx="1">
+            <a:schemeClr val="accent1"/>
+          </a:fillRef>
+          <a:effectRef idx="0">
+            <a:schemeClr val="accent1"/>
+          </a:effectRef>
+          <a:fontRef idx="minor">
+            <a:schemeClr val="lt1"/>
+          </a:fontRef>
+        </p:style>
+        <p:txBody>
+          <a:bodyPr rtlCol="0" anchor="ctr"/>
+          <a:lstStyle/>
+          <a:p>
+            <a:pPr algn="ctr"/>
+            <a:r>
+              <a:rPr lang="en-IN" sz="1600" dirty="0" smtClean="0"/>
+              <a:t>NO</a:t>
+            </a:r>
+            <a:endParaRPr lang="en-IN" sz="1600" dirty="0"/>
+          </a:p>
+        </p:txBody>
+      </p:sp>
+      <p:sp>
+        <p:nvSpPr>
+          <p:cNvPr id="76" name="TextBox 75"/>
+          <p:cNvSpPr txBox="1"/>
+          <p:nvPr/>
+        </p:nvSpPr>
+        <p:spPr>
+          <a:xfrm>
+            <a:off x="-10160" y="8153400"/>
+            <a:ext cx="5230368" cy="369332"/>
+          </a:xfrm>
+          <a:prstGeom prst="rect">
+            <a:avLst/>
+          </a:prstGeom>
+          <a:noFill/>
+        </p:spPr>
+        <p:txBody>
+          <a:bodyPr wrap="square" rtlCol="0">
+            <a:spAutoFit/>
+          </a:bodyPr>
+          <a:lstStyle/>
+          <a:p>
+            <a:pPr algn="ctr"/>
+            <a:r>
+              <a:rPr lang="en-IN" b="1" dirty="0" smtClean="0"/>
+              <a:t>Saving a Note</a:t>
+            </a:r>
+            <a:endParaRPr lang="en-IN" dirty="0"/>
+          </a:p>
+        </p:txBody>
+      </p:sp>
+      <p:sp>
+        <p:nvSpPr>
+          <p:cNvPr id="77" name="TextBox 76"/>
+          <p:cNvSpPr txBox="1"/>
+          <p:nvPr/>
+        </p:nvSpPr>
+        <p:spPr>
+          <a:xfrm>
+            <a:off x="5458460" y="8161401"/>
+            <a:ext cx="5230368" cy="369332"/>
+          </a:xfrm>
+          <a:prstGeom prst="rect">
+            <a:avLst/>
+          </a:prstGeom>
+          <a:noFill/>
+        </p:spPr>
+        <p:txBody>
+          <a:bodyPr wrap="square" rtlCol="0">
+            <a:spAutoFit/>
+          </a:bodyPr>
+          <a:lstStyle/>
+          <a:p>
+            <a:pPr algn="ctr"/>
+            <a:r>
+              <a:rPr lang="en-IN" b="1" dirty="0" smtClean="0"/>
+              <a:t>Fetching all Notes</a:t>
+            </a:r>
+            <a:endParaRPr lang="en-IN" dirty="0"/>
+          </a:p>
+        </p:txBody>
+      </p:sp>
+      <p:sp>
+        <p:nvSpPr>
+          <p:cNvPr id="78" name="TextBox 77"/>
+          <p:cNvSpPr txBox="1"/>
+          <p:nvPr/>
+        </p:nvSpPr>
+        <p:spPr>
+          <a:xfrm>
+            <a:off x="10905236" y="8153400"/>
+            <a:ext cx="5230368" cy="369332"/>
+          </a:xfrm>
+          <a:prstGeom prst="rect">
+            <a:avLst/>
+          </a:prstGeom>
+          <a:noFill/>
+        </p:spPr>
+        <p:txBody>
+          <a:bodyPr wrap="square" rtlCol="0">
+            <a:spAutoFit/>
+          </a:bodyPr>
+          <a:lstStyle/>
+          <a:p>
+            <a:pPr algn="ctr"/>
+            <a:r>
+              <a:rPr lang="en-IN" b="1" dirty="0" smtClean="0"/>
+              <a:t>Fetching Specific Note</a:t>
+            </a:r>
+            <a:endParaRPr lang="en-IN" dirty="0"/>
+          </a:p>
+        </p:txBody>
+      </p:sp>
+      <p:cxnSp>
+        <p:nvCxnSpPr>
+          <p:cNvPr id="4" name="Straight Connector 3"/>
+          <p:cNvCxnSpPr/>
+          <p:nvPr/>
+        </p:nvCxnSpPr>
+        <p:spPr>
+          <a:xfrm>
+            <a:off x="5308600" y="152400"/>
+            <a:ext cx="0" cy="8458200"/>
+          </a:xfrm>
+          <a:prstGeom prst="line">
+            <a:avLst/>
+          </a:prstGeom>
+        </p:spPr>
+        <p:style>
+          <a:lnRef idx="1">
+            <a:schemeClr val="accent1"/>
+          </a:lnRef>
+          <a:fillRef idx="0">
+            <a:schemeClr val="accent1"/>
+          </a:fillRef>
+          <a:effectRef idx="0">
+            <a:schemeClr val="accent1"/>
+          </a:effectRef>
+          <a:fontRef idx="minor">
+            <a:schemeClr val="tx1"/>
+          </a:fontRef>
+        </p:style>
+      </p:cxnSp>
+      <p:cxnSp>
+        <p:nvCxnSpPr>
+          <p:cNvPr id="79" name="Straight Connector 78"/>
+          <p:cNvCxnSpPr/>
+          <p:nvPr/>
+        </p:nvCxnSpPr>
+        <p:spPr>
+          <a:xfrm>
+            <a:off x="10795000" y="152400"/>
+            <a:ext cx="0" cy="8458200"/>
+          </a:xfrm>
+          <a:prstGeom prst="line">
+            <a:avLst/>
+          </a:prstGeom>
+        </p:spPr>
+        <p:style>
+          <a:lnRef idx="1">
+            <a:schemeClr val="accent1"/>
+          </a:lnRef>
+          <a:fillRef idx="0">
+            <a:schemeClr val="accent1"/>
+          </a:fillRef>
+          <a:effectRef idx="0">
+            <a:schemeClr val="accent1"/>
+          </a:effectRef>
+          <a:fontRef idx="minor">
+            <a:schemeClr val="tx1"/>
+          </a:fontRef>
+        </p:style>
+      </p:cxnSp>
+    </p:spTree>
+    <p:extLst>
+      <p:ext uri="{BB962C8B-B14F-4D97-AF65-F5344CB8AC3E}">
+        <p14:creationId xmlns:p14="http://schemas.microsoft.com/office/powerpoint/2010/main" val="445237865"/>
+      </p:ext>
+    </p:extLst>
+  </p:cSld>
+  <p:clrMapOvr>
+    <a:masterClrMapping/>
+  </p:clrMapOvr>
+  <p:timing>
+    <p:tnLst>
+      <p:par>
+        <p:cTn id="1" dur="indefinite" restart="never" nodeType="tmRoot"/>
+      </p:par>
+    </p:tnLst>
+  </p:timing>
+</p:sld>
+</file>
+
+<file path=ppt/slides/slide3.xml><?xml version="1.0" encoding="utf-8"?>
+<p:sld xmlns:a="http://schemas.openxmlformats.org/drawingml/2006/main" xmlns:r="http://schemas.openxmlformats.org/officeDocument/2006/relationships" xmlns:p="http://schemas.openxmlformats.org/presentationml/2006/main">
+  <p:cSld>
+    <p:spTree>
+      <p:nvGrpSpPr>
+        <p:cNvPr id="1" name=""/>
+        <p:cNvGrpSpPr/>
+        <p:nvPr/>
+      </p:nvGrpSpPr>
+      <p:grpSpPr>
+        <a:xfrm>
+          <a:off x="0" y="0"/>
+          <a:ext cx="0" cy="0"/>
+          <a:chOff x="0" y="0"/>
+          <a:chExt cx="0" cy="0"/>
+        </a:xfrm>
+      </p:grpSpPr>
+    </p:spTree>
+    <p:extLst>
+      <p:ext uri="{BB962C8B-B14F-4D97-AF65-F5344CB8AC3E}">
+        <p14:creationId xmlns:p14="http://schemas.microsoft.com/office/powerpoint/2010/main" val="171511563"/>
+      </p:ext>
+    </p:extLst>
+  </p:cSld>
+  <p:clrMapOvr>
+    <a:masterClrMapping/>
+  </p:clrMapOvr>
+  <p:timing>
+    <p:tnLst>
+      <p:par>
+        <p:cTn id="1" dur="indefinite" restart="never" nodeType="tmRoot"/>
+      </p:par>
+    </p:tnLst>
+  </p:timing>
+</p:sld>
 </file>
 
 <file path=ppt/theme/theme1.xml><?xml version="1.0" encoding="utf-8"?>
@@ -3320,4 +11012,265 @@
   <a:objectDefaults/>
   <a:extraClrSchemeLst/>
 </a:theme>
+</file>
+
+<file path=ppt/theme/theme2.xml><?xml version="1.0" encoding="utf-8"?>
+<a:theme xmlns:a="http://schemas.openxmlformats.org/drawingml/2006/main" name="Office Theme">
+  <a:themeElements>
+    <a:clrScheme name="Office">
+      <a:dk1>
+        <a:sysClr val="windowText" lastClr="000000"/>
+      </a:dk1>
+      <a:lt1>
+        <a:sysClr val="window" lastClr="FFFFFF"/>
+      </a:lt1>
+      <a:dk2>
+        <a:srgbClr val="44546A"/>
+      </a:dk2>
+      <a:lt2>
+        <a:srgbClr val="E7E6E6"/>
+      </a:lt2>
+      <a:accent1>
+        <a:srgbClr val="5B9BD5"/>
+      </a:accent1>
+      <a:accent2>
+        <a:srgbClr val="ED7D31"/>
+      </a:accent2>
+      <a:accent3>
+        <a:srgbClr val="A5A5A5"/>
+      </a:accent3>
+      <a:accent4>
+        <a:srgbClr val="FFC000"/>
+      </a:accent4>
+      <a:accent5>
+        <a:srgbClr val="4472C4"/>
+      </a:accent5>
+      <a:accent6>
+        <a:srgbClr val="70AD47"/>
+      </a:accent6>
+      <a:hlink>
+        <a:srgbClr val="0563C1"/>
+      </a:hlink>
+      <a:folHlink>
+        <a:srgbClr val="954F72"/>
+      </a:folHlink>
+    </a:clrScheme>
+    <a:fontScheme name="Office">
+      <a:majorFont>
+        <a:latin typeface="Calibri Light" panose="020F0302020204030204"/>
+        <a:ea typeface=""/>
+        <a:cs typeface=""/>
+        <a:font script="Jpan" typeface="ＭＳ Ｐゴシック"/>
+        <a:font script="Hang" typeface="맑은 고딕"/>
+        <a:font script="Hans" typeface="宋体"/>
+        <a:font script="Hant" typeface="新細明體"/>
+        <a:font script="Arab" typeface="Times New Roman"/>
+        <a:font script="Hebr" typeface="Times New Roman"/>
+        <a:font script="Thai" typeface="Angsana New"/>
+        <a:font script="Ethi" typeface="Nyala"/>
+        <a:font script="Beng" typeface="Vrinda"/>
+        <a:font script="Gujr" typeface="Shruti"/>
+        <a:font script="Khmr" typeface="MoolBoran"/>
+        <a:font script="Knda" typeface="Tunga"/>
+        <a:font script="Guru" typeface="Raavi"/>
+        <a:font script="Cans" typeface="Euphemia"/>
+        <a:font script="Cher" typeface="Plantagenet Cherokee"/>
+        <a:font script="Yiii" typeface="Microsoft Yi Baiti"/>
+        <a:font script="Tibt" typeface="Microsoft Himalaya"/>
+        <a:font script="Thaa" typeface="MV Boli"/>
+        <a:font script="Deva" typeface="Mangal"/>
+        <a:font script="Telu" typeface="Gautami"/>
+        <a:font script="Taml" typeface="Latha"/>
+        <a:font script="Syrc" typeface="Estrangelo Edessa"/>
+        <a:font script="Orya" typeface="Kalinga"/>
+        <a:font script="Mlym" typeface="Kartika"/>
+        <a:font script="Laoo" typeface="DokChampa"/>
+        <a:font script="Sinh" typeface="Iskoola Pota"/>
+        <a:font script="Mong" typeface="Mongolian Baiti"/>
+        <a:font script="Viet" typeface="Times New Roman"/>
+        <a:font script="Uigh" typeface="Microsoft Uighur"/>
+        <a:font script="Geor" typeface="Sylfaen"/>
+      </a:majorFont>
+      <a:minorFont>
+        <a:latin typeface="Calibri" panose="020F0502020204030204"/>
+        <a:ea typeface=""/>
+        <a:cs typeface=""/>
+        <a:font script="Jpan" typeface="ＭＳ Ｐゴシック"/>
+        <a:font script="Hang" typeface="맑은 고딕"/>
+        <a:font script="Hans" typeface="宋体"/>
+        <a:font script="Hant" typeface="新細明體"/>
+        <a:font script="Arab" typeface="Arial"/>
+        <a:font script="Hebr" typeface="Arial"/>
+        <a:font script="Thai" typeface="Cordia New"/>
+        <a:font script="Ethi" typeface="Nyala"/>
+        <a:font script="Beng" typeface="Vrinda"/>
+        <a:font script="Gujr" typeface="Shruti"/>
+        <a:font script="Khmr" typeface="DaunPenh"/>
+        <a:font script="Knda" typeface="Tunga"/>
+        <a:font script="Guru" typeface="Raavi"/>
+        <a:font script="Cans" typeface="Euphemia"/>
+        <a:font script="Cher" typeface="Plantagenet Cherokee"/>
+        <a:font script="Yiii" typeface="Microsoft Yi Baiti"/>
+        <a:font script="Tibt" typeface="Microsoft Himalaya"/>
+        <a:font script="Thaa" typeface="MV Boli"/>
+        <a:font script="Deva" typeface="Mangal"/>
+        <a:font script="Telu" typeface="Gautami"/>
+        <a:font script="Taml" typeface="Latha"/>
+        <a:font script="Syrc" typeface="Estrangelo Edessa"/>
+        <a:font script="Orya" typeface="Kalinga"/>
+        <a:font script="Mlym" typeface="Kartika"/>
+        <a:font script="Laoo" typeface="DokChampa"/>
+        <a:font script="Sinh" typeface="Iskoola Pota"/>
+        <a:font script="Mong" typeface="Mongolian Baiti"/>
+        <a:font script="Viet" typeface="Arial"/>
+        <a:font script="Uigh" typeface="Microsoft Uighur"/>
+        <a:font script="Geor" typeface="Sylfaen"/>
+      </a:minorFont>
+    </a:fontScheme>
+    <a:fmtScheme name="Office">
+      <a:fillStyleLst>
+        <a:solidFill>
+          <a:schemeClr val="phClr"/>
+        </a:solidFill>
+        <a:gradFill rotWithShape="1">
+          <a:gsLst>
+            <a:gs pos="0">
+              <a:schemeClr val="phClr">
+                <a:lumMod val="110000"/>
+                <a:satMod val="105000"/>
+                <a:tint val="67000"/>
+              </a:schemeClr>
+            </a:gs>
+            <a:gs pos="50000">
+              <a:schemeClr val="phClr">
+                <a:lumMod val="105000"/>
+                <a:satMod val="103000"/>
+                <a:tint val="73000"/>
+              </a:schemeClr>
+            </a:gs>
+            <a:gs pos="100000">
+              <a:schemeClr val="phClr">
+                <a:lumMod val="105000"/>
+                <a:satMod val="109000"/>
+                <a:tint val="81000"/>
+              </a:schemeClr>
+            </a:gs>
+          </a:gsLst>
+          <a:lin ang="5400000" scaled="0"/>
+        </a:gradFill>
+        <a:gradFill rotWithShape="1">
+          <a:gsLst>
+            <a:gs pos="0">
+              <a:schemeClr val="phClr">
+                <a:satMod val="103000"/>
+                <a:lumMod val="102000"/>
+                <a:tint val="94000"/>
+              </a:schemeClr>
+            </a:gs>
+            <a:gs pos="50000">
+              <a:schemeClr val="phClr">
+                <a:satMod val="110000"/>
+                <a:lumMod val="100000"/>
+                <a:shade val="100000"/>
+              </a:schemeClr>
+            </a:gs>
+            <a:gs pos="100000">
+              <a:schemeClr val="phClr">
+                <a:lumMod val="99000"/>
+                <a:satMod val="120000"/>
+                <a:shade val="78000"/>
+              </a:schemeClr>
+            </a:gs>
+          </a:gsLst>
+          <a:lin ang="5400000" scaled="0"/>
+        </a:gradFill>
+      </a:fillStyleLst>
+      <a:lnStyleLst>
+        <a:ln w="6350" cap="flat" cmpd="sng" algn="ctr">
+          <a:solidFill>
+            <a:schemeClr val="phClr"/>
+          </a:solidFill>
+          <a:prstDash val="solid"/>
+          <a:miter lim="800000"/>
+        </a:ln>
+        <a:ln w="12700" cap="flat" cmpd="sng" algn="ctr">
+          <a:solidFill>
+            <a:schemeClr val="phClr"/>
+          </a:solidFill>
+          <a:prstDash val="solid"/>
+          <a:miter lim="800000"/>
+        </a:ln>
+        <a:ln w="19050" cap="flat" cmpd="sng" algn="ctr">
+          <a:solidFill>
+            <a:schemeClr val="phClr"/>
+          </a:solidFill>
+          <a:prstDash val="solid"/>
+          <a:miter lim="800000"/>
+        </a:ln>
+      </a:lnStyleLst>
+      <a:effectStyleLst>
+        <a:effectStyle>
+          <a:effectLst/>
+        </a:effectStyle>
+        <a:effectStyle>
+          <a:effectLst/>
+        </a:effectStyle>
+        <a:effectStyle>
+          <a:effectLst>
+            <a:outerShdw blurRad="57150" dist="19050" dir="5400000" algn="ctr" rotWithShape="0">
+              <a:srgbClr val="000000">
+                <a:alpha val="63000"/>
+              </a:srgbClr>
+            </a:outerShdw>
+          </a:effectLst>
+        </a:effectStyle>
+      </a:effectStyleLst>
+      <a:bgFillStyleLst>
+        <a:solidFill>
+          <a:schemeClr val="phClr"/>
+        </a:solidFill>
+        <a:solidFill>
+          <a:schemeClr val="phClr">
+            <a:tint val="95000"/>
+            <a:satMod val="170000"/>
+          </a:schemeClr>
+        </a:solidFill>
+        <a:gradFill rotWithShape="1">
+          <a:gsLst>
+            <a:gs pos="0">
+              <a:schemeClr val="phClr">
+                <a:tint val="93000"/>
+                <a:satMod val="150000"/>
+                <a:shade val="98000"/>
+                <a:lumMod val="102000"/>
+              </a:schemeClr>
+            </a:gs>
+            <a:gs pos="50000">
+              <a:schemeClr val="phClr">
+                <a:tint val="98000"/>
+                <a:satMod val="130000"/>
+                <a:shade val="90000"/>
+                <a:lumMod val="103000"/>
+              </a:schemeClr>
+            </a:gs>
+            <a:gs pos="100000">
+              <a:schemeClr val="phClr">
+                <a:shade val="63000"/>
+                <a:satMod val="120000"/>
+              </a:schemeClr>
+            </a:gs>
+          </a:gsLst>
+          <a:lin ang="5400000" scaled="0"/>
+        </a:gradFill>
+      </a:bgFillStyleLst>
+    </a:fmtScheme>
+  </a:themeElements>
+  <a:objectDefaults/>
+  <a:extraClrSchemeLst/>
+  <a:extLst>
+    <a:ext uri="{05A4C25C-085E-4340-85A3-A5531E510DB2}">
+      <thm15:themeFamily xmlns:thm15="http://schemas.microsoft.com/office/thememl/2012/main" name="Office Theme" id="{62F939B6-93AF-4DB8-9C6B-D6C7DFDC589F}" vid="{4A3C46E8-61CC-4603-A589-7422A47A8E4A}"/>
+    </a:ext>
+  </a:extLst>
+</a:theme>
 </file>